--- a/2_bag_of_words/text_analysis_2.pptx
+++ b/2_bag_of_words/text_analysis_2.pptx
@@ -5,24 +5,18 @@
     <p:sldMasterId id="2147483648" r:id="rId1"/>
   </p:sldMasterIdLst>
   <p:notesMasterIdLst>
-    <p:notesMasterId r:id="rId17"/>
+    <p:notesMasterId r:id="rId11"/>
   </p:notesMasterIdLst>
   <p:sldIdLst>
     <p:sldId id="256" r:id="rId2"/>
     <p:sldId id="268" r:id="rId3"/>
-    <p:sldId id="292" r:id="rId4"/>
-    <p:sldId id="267" r:id="rId5"/>
-    <p:sldId id="287" r:id="rId6"/>
-    <p:sldId id="290" r:id="rId7"/>
-    <p:sldId id="288" r:id="rId8"/>
-    <p:sldId id="289" r:id="rId9"/>
-    <p:sldId id="291" r:id="rId10"/>
-    <p:sldId id="294" r:id="rId11"/>
-    <p:sldId id="296" r:id="rId12"/>
-    <p:sldId id="295" r:id="rId13"/>
-    <p:sldId id="297" r:id="rId14"/>
-    <p:sldId id="293" r:id="rId15"/>
-    <p:sldId id="298" r:id="rId16"/>
+    <p:sldId id="294" r:id="rId4"/>
+    <p:sldId id="298" r:id="rId5"/>
+    <p:sldId id="295" r:id="rId6"/>
+    <p:sldId id="299" r:id="rId7"/>
+    <p:sldId id="296" r:id="rId8"/>
+    <p:sldId id="297" r:id="rId9"/>
+    <p:sldId id="293" r:id="rId10"/>
   </p:sldIdLst>
   <p:sldSz cx="9144000" cy="6858000" type="screen4x3"/>
   <p:notesSz cx="6858000" cy="9144000"/>
@@ -143,7 +137,7 @@
 <file path=ppt/revisionInfo.xml><?xml version="1.0" encoding="utf-8"?>
 <p1510:revInfo xmlns:a="http://schemas.openxmlformats.org/drawingml/2006/main" xmlns:r="http://schemas.openxmlformats.org/officeDocument/2006/relationships" xmlns:p1510="http://schemas.microsoft.com/office/powerpoint/2015/10/main">
   <p1510:revLst>
-    <p1510:client id="{199F48F4-76DD-D348-9F24-DEEE4883210C}" v="3" dt="2024-11-06T13:58:26.589"/>
+    <p1510:client id="{97F8CF37-AB39-3D42-8BD7-AD87836F0694}" v="5" dt="2025-11-03T03:03:09.688"/>
   </p1510:revLst>
 </p1510:revInfo>
 </file>
@@ -151,266 +145,27 @@
 <file path=ppt/changesInfos/changesInfo1.xml><?xml version="1.0" encoding="utf-8"?>
 <pc:chgInfo xmlns:a="http://schemas.openxmlformats.org/drawingml/2006/main" xmlns:r="http://schemas.openxmlformats.org/officeDocument/2006/relationships" xmlns:ac="http://schemas.microsoft.com/office/drawing/2013/main/command" xmlns:pc="http://schemas.microsoft.com/office/powerpoint/2013/main/command">
   <pc:docChgLst>
-    <pc:chgData name="Carroll, Claudia" userId="S::claudiac@wustl.edu::5513adb2-3315-47c6-853b-61e74126e783" providerId="AD" clId="Web-{989E75B1-A245-F184-CB9C-2BE1DB1E40FF}"/>
-    <pc:docChg chg="addSld modSld">
-      <pc:chgData name="Carroll, Claudia" userId="S::claudiac@wustl.edu::5513adb2-3315-47c6-853b-61e74126e783" providerId="AD" clId="Web-{989E75B1-A245-F184-CB9C-2BE1DB1E40FF}" dt="2024-11-04T03:03:53.819" v="43" actId="1076"/>
-      <pc:docMkLst>
-        <pc:docMk/>
-      </pc:docMkLst>
-      <pc:sldChg chg="addSp modSp">
-        <pc:chgData name="Carroll, Claudia" userId="S::claudiac@wustl.edu::5513adb2-3315-47c6-853b-61e74126e783" providerId="AD" clId="Web-{989E75B1-A245-F184-CB9C-2BE1DB1E40FF}" dt="2024-11-04T03:00:49.970" v="17" actId="14100"/>
-        <pc:sldMkLst>
-          <pc:docMk/>
-          <pc:sldMk cId="1075985789" sldId="262"/>
-        </pc:sldMkLst>
-        <pc:spChg chg="mod">
-          <ac:chgData name="Carroll, Claudia" userId="S::claudiac@wustl.edu::5513adb2-3315-47c6-853b-61e74126e783" providerId="AD" clId="Web-{989E75B1-A245-F184-CB9C-2BE1DB1E40FF}" dt="2024-11-04T03:00:49.970" v="17" actId="14100"/>
-          <ac:spMkLst>
-            <pc:docMk/>
-            <pc:sldMk cId="1075985789" sldId="262"/>
-            <ac:spMk id="3" creationId="{2749BB40-7626-A2CD-2237-3AEFD54F5F17}"/>
-          </ac:spMkLst>
-        </pc:spChg>
-        <pc:picChg chg="add mod">
-          <ac:chgData name="Carroll, Claudia" userId="S::claudiac@wustl.edu::5513adb2-3315-47c6-853b-61e74126e783" providerId="AD" clId="Web-{989E75B1-A245-F184-CB9C-2BE1DB1E40FF}" dt="2024-11-04T03:00:23.079" v="12" actId="1076"/>
-          <ac:picMkLst>
-            <pc:docMk/>
-            <pc:sldMk cId="1075985789" sldId="262"/>
-            <ac:picMk id="4" creationId="{59DEAF08-A1F2-FCEC-AE76-B69B64C98AA4}"/>
-          </ac:picMkLst>
-        </pc:picChg>
-      </pc:sldChg>
-      <pc:sldChg chg="addSp modSp add replId">
-        <pc:chgData name="Carroll, Claudia" userId="S::claudiac@wustl.edu::5513adb2-3315-47c6-853b-61e74126e783" providerId="AD" clId="Web-{989E75B1-A245-F184-CB9C-2BE1DB1E40FF}" dt="2024-11-04T03:03:53.819" v="43" actId="1076"/>
-        <pc:sldMkLst>
-          <pc:docMk/>
-          <pc:sldMk cId="1266258456" sldId="293"/>
-        </pc:sldMkLst>
-        <pc:spChg chg="mod">
-          <ac:chgData name="Carroll, Claudia" userId="S::claudiac@wustl.edu::5513adb2-3315-47c6-853b-61e74126e783" providerId="AD" clId="Web-{989E75B1-A245-F184-CB9C-2BE1DB1E40FF}" dt="2024-11-04T03:02:07.488" v="40" actId="20577"/>
-          <ac:spMkLst>
-            <pc:docMk/>
-            <pc:sldMk cId="1266258456" sldId="293"/>
-            <ac:spMk id="3" creationId="{2749BB40-7626-A2CD-2237-3AEFD54F5F17}"/>
-          </ac:spMkLst>
-        </pc:spChg>
-        <pc:picChg chg="add mod">
-          <ac:chgData name="Carroll, Claudia" userId="S::claudiac@wustl.edu::5513adb2-3315-47c6-853b-61e74126e783" providerId="AD" clId="Web-{989E75B1-A245-F184-CB9C-2BE1DB1E40FF}" dt="2024-11-04T03:03:53.819" v="43" actId="1076"/>
-          <ac:picMkLst>
-            <pc:docMk/>
-            <pc:sldMk cId="1266258456" sldId="293"/>
-            <ac:picMk id="4" creationId="{A60691A9-D90A-282C-7249-AE3C627FBD7F}"/>
-          </ac:picMkLst>
-        </pc:picChg>
-      </pc:sldChg>
-    </pc:docChg>
-  </pc:docChgLst>
-  <pc:docChgLst>
-    <pc:chgData name="Carroll, Claudia" userId="S::claudiac@wustl.edu::5513adb2-3315-47c6-853b-61e74126e783" providerId="AD" clId="Web-{5A1DE1B8-E078-4A5A-60FB-14AD0CA7D56B}"/>
-    <pc:docChg chg="modSld">
-      <pc:chgData name="Carroll, Claudia" userId="S::claudiac@wustl.edu::5513adb2-3315-47c6-853b-61e74126e783" providerId="AD" clId="Web-{5A1DE1B8-E078-4A5A-60FB-14AD0CA7D56B}" dt="2024-01-29T03:57:31.268" v="25" actId="20577"/>
-      <pc:docMkLst>
-        <pc:docMk/>
-      </pc:docMkLst>
-      <pc:sldChg chg="modSp">
-        <pc:chgData name="Carroll, Claudia" userId="S::claudiac@wustl.edu::5513adb2-3315-47c6-853b-61e74126e783" providerId="AD" clId="Web-{5A1DE1B8-E078-4A5A-60FB-14AD0CA7D56B}" dt="2024-01-29T03:53:44.170" v="22" actId="20577"/>
-        <pc:sldMkLst>
-          <pc:docMk/>
-          <pc:sldMk cId="3918721913" sldId="277"/>
-        </pc:sldMkLst>
-        <pc:spChg chg="mod">
-          <ac:chgData name="Carroll, Claudia" userId="S::claudiac@wustl.edu::5513adb2-3315-47c6-853b-61e74126e783" providerId="AD" clId="Web-{5A1DE1B8-E078-4A5A-60FB-14AD0CA7D56B}" dt="2024-01-29T03:53:29.076" v="1" actId="20577"/>
-          <ac:spMkLst>
-            <pc:docMk/>
-            <pc:sldMk cId="3918721913" sldId="277"/>
-            <ac:spMk id="2" creationId="{68BBC2B6-042D-349A-DEAC-41DF1460151E}"/>
-          </ac:spMkLst>
-        </pc:spChg>
-        <pc:spChg chg="mod">
-          <ac:chgData name="Carroll, Claudia" userId="S::claudiac@wustl.edu::5513adb2-3315-47c6-853b-61e74126e783" providerId="AD" clId="Web-{5A1DE1B8-E078-4A5A-60FB-14AD0CA7D56B}" dt="2024-01-29T03:53:44.170" v="22" actId="20577"/>
-          <ac:spMkLst>
-            <pc:docMk/>
-            <pc:sldMk cId="3918721913" sldId="277"/>
-            <ac:spMk id="3" creationId="{0F66D310-EF51-88EB-4FC0-C2858B730094}"/>
-          </ac:spMkLst>
-        </pc:spChg>
-      </pc:sldChg>
-      <pc:sldChg chg="modSp">
-        <pc:chgData name="Carroll, Claudia" userId="S::claudiac@wustl.edu::5513adb2-3315-47c6-853b-61e74126e783" providerId="AD" clId="Web-{5A1DE1B8-E078-4A5A-60FB-14AD0CA7D56B}" dt="2024-01-29T03:57:31.268" v="25" actId="20577"/>
-        <pc:sldMkLst>
-          <pc:docMk/>
-          <pc:sldMk cId="1013305701" sldId="280"/>
-        </pc:sldMkLst>
-        <pc:spChg chg="mod">
-          <ac:chgData name="Carroll, Claudia" userId="S::claudiac@wustl.edu::5513adb2-3315-47c6-853b-61e74126e783" providerId="AD" clId="Web-{5A1DE1B8-E078-4A5A-60FB-14AD0CA7D56B}" dt="2024-01-29T03:57:31.268" v="25" actId="20577"/>
-          <ac:spMkLst>
-            <pc:docMk/>
-            <pc:sldMk cId="1013305701" sldId="280"/>
-            <ac:spMk id="2" creationId="{14001CB8-5500-C1A6-DCD2-EB48EA2F4784}"/>
-          </ac:spMkLst>
-        </pc:spChg>
-      </pc:sldChg>
-      <pc:sldChg chg="modSp">
-        <pc:chgData name="Carroll, Claudia" userId="S::claudiac@wustl.edu::5513adb2-3315-47c6-853b-61e74126e783" providerId="AD" clId="Web-{5A1DE1B8-E078-4A5A-60FB-14AD0CA7D56B}" dt="2024-01-29T03:53:48.686" v="23" actId="20577"/>
-        <pc:sldMkLst>
-          <pc:docMk/>
-          <pc:sldMk cId="702624774" sldId="282"/>
-        </pc:sldMkLst>
-        <pc:spChg chg="mod">
-          <ac:chgData name="Carroll, Claudia" userId="S::claudiac@wustl.edu::5513adb2-3315-47c6-853b-61e74126e783" providerId="AD" clId="Web-{5A1DE1B8-E078-4A5A-60FB-14AD0CA7D56B}" dt="2024-01-29T03:53:48.686" v="23" actId="20577"/>
-          <ac:spMkLst>
-            <pc:docMk/>
-            <pc:sldMk cId="702624774" sldId="282"/>
-            <ac:spMk id="2" creationId="{80E90C0C-B43F-5580-65EA-BCF0306311E3}"/>
-          </ac:spMkLst>
-        </pc:spChg>
-      </pc:sldChg>
-    </pc:docChg>
-  </pc:docChgLst>
-  <pc:docChgLst>
-    <pc:chgData name="Carroll, Claudia" userId="S::claudiac@wustl.edu::5513adb2-3315-47c6-853b-61e74126e783" providerId="AD" clId="Web-{ACB0D4A4-9443-A30F-CD8D-A89BD93B26B1}"/>
-    <pc:docChg chg="delSld">
-      <pc:chgData name="Carroll, Claudia" userId="S::claudiac@wustl.edu::5513adb2-3315-47c6-853b-61e74126e783" providerId="AD" clId="Web-{ACB0D4A4-9443-A30F-CD8D-A89BD93B26B1}" dt="2024-01-29T06:07:05.444" v="12"/>
+    <pc:chgData name="Carroll, Claudia" userId="5513adb2-3315-47c6-853b-61e74126e783" providerId="ADAL" clId="{FDB037B5-BC6E-529D-920A-0733451977A9}"/>
+    <pc:docChg chg="custSel addSld delSld modSld sldOrd">
+      <pc:chgData name="Carroll, Claudia" userId="5513adb2-3315-47c6-853b-61e74126e783" providerId="ADAL" clId="{FDB037B5-BC6E-529D-920A-0733451977A9}" dt="2025-11-03T03:03:21.848" v="361" actId="20578"/>
       <pc:docMkLst>
         <pc:docMk/>
       </pc:docMkLst>
       <pc:sldChg chg="del">
-        <pc:chgData name="Carroll, Claudia" userId="S::claudiac@wustl.edu::5513adb2-3315-47c6-853b-61e74126e783" providerId="AD" clId="Web-{ACB0D4A4-9443-A30F-CD8D-A89BD93B26B1}" dt="2024-01-29T06:07:05.444" v="11"/>
+        <pc:chgData name="Carroll, Claudia" userId="5513adb2-3315-47c6-853b-61e74126e783" providerId="ADAL" clId="{FDB037B5-BC6E-529D-920A-0733451977A9}" dt="2025-11-03T02:57:54.610" v="49" actId="2696"/>
         <pc:sldMkLst>
           <pc:docMk/>
-          <pc:sldMk cId="1063925012" sldId="269"/>
-        </pc:sldMkLst>
-      </pc:sldChg>
-      <pc:sldChg chg="del">
-        <pc:chgData name="Carroll, Claudia" userId="S::claudiac@wustl.edu::5513adb2-3315-47c6-853b-61e74126e783" providerId="AD" clId="Web-{ACB0D4A4-9443-A30F-CD8D-A89BD93B26B1}" dt="2024-01-29T06:07:05.428" v="10"/>
-        <pc:sldMkLst>
-          <pc:docMk/>
-          <pc:sldMk cId="2821551489" sldId="270"/>
-        </pc:sldMkLst>
-      </pc:sldChg>
-      <pc:sldChg chg="del">
-        <pc:chgData name="Carroll, Claudia" userId="S::claudiac@wustl.edu::5513adb2-3315-47c6-853b-61e74126e783" providerId="AD" clId="Web-{ACB0D4A4-9443-A30F-CD8D-A89BD93B26B1}" dt="2024-01-29T06:07:05.428" v="6"/>
-        <pc:sldMkLst>
-          <pc:docMk/>
-          <pc:sldMk cId="817878283" sldId="271"/>
-        </pc:sldMkLst>
-      </pc:sldChg>
-      <pc:sldChg chg="del">
-        <pc:chgData name="Carroll, Claudia" userId="S::claudiac@wustl.edu::5513adb2-3315-47c6-853b-61e74126e783" providerId="AD" clId="Web-{ACB0D4A4-9443-A30F-CD8D-A89BD93B26B1}" dt="2024-01-29T06:07:05.428" v="8"/>
-        <pc:sldMkLst>
-          <pc:docMk/>
-          <pc:sldMk cId="913908910" sldId="273"/>
-        </pc:sldMkLst>
-      </pc:sldChg>
-      <pc:sldChg chg="del">
-        <pc:chgData name="Carroll, Claudia" userId="S::claudiac@wustl.edu::5513adb2-3315-47c6-853b-61e74126e783" providerId="AD" clId="Web-{ACB0D4A4-9443-A30F-CD8D-A89BD93B26B1}" dt="2024-01-29T06:07:05.428" v="9"/>
-        <pc:sldMkLst>
-          <pc:docMk/>
-          <pc:sldMk cId="3570399089" sldId="274"/>
-        </pc:sldMkLst>
-      </pc:sldChg>
-      <pc:sldChg chg="del">
-        <pc:chgData name="Carroll, Claudia" userId="S::claudiac@wustl.edu::5513adb2-3315-47c6-853b-61e74126e783" providerId="AD" clId="Web-{ACB0D4A4-9443-A30F-CD8D-A89BD93B26B1}" dt="2024-01-29T06:07:05.428" v="7"/>
-        <pc:sldMkLst>
-          <pc:docMk/>
-          <pc:sldMk cId="2164786919" sldId="276"/>
-        </pc:sldMkLst>
-      </pc:sldChg>
-      <pc:sldChg chg="del">
-        <pc:chgData name="Carroll, Claudia" userId="S::claudiac@wustl.edu::5513adb2-3315-47c6-853b-61e74126e783" providerId="AD" clId="Web-{ACB0D4A4-9443-A30F-CD8D-A89BD93B26B1}" dt="2024-01-29T06:07:05.428" v="5"/>
-        <pc:sldMkLst>
-          <pc:docMk/>
-          <pc:sldMk cId="3918721913" sldId="277"/>
-        </pc:sldMkLst>
-      </pc:sldChg>
-      <pc:sldChg chg="del">
-        <pc:chgData name="Carroll, Claudia" userId="S::claudiac@wustl.edu::5513adb2-3315-47c6-853b-61e74126e783" providerId="AD" clId="Web-{ACB0D4A4-9443-A30F-CD8D-A89BD93B26B1}" dt="2024-01-29T06:07:05.428" v="2"/>
-        <pc:sldMkLst>
-          <pc:docMk/>
-          <pc:sldMk cId="1013305701" sldId="280"/>
-        </pc:sldMkLst>
-      </pc:sldChg>
-      <pc:sldChg chg="del">
-        <pc:chgData name="Carroll, Claudia" userId="S::claudiac@wustl.edu::5513adb2-3315-47c6-853b-61e74126e783" providerId="AD" clId="Web-{ACB0D4A4-9443-A30F-CD8D-A89BD93B26B1}" dt="2024-01-29T06:07:05.428" v="3"/>
-        <pc:sldMkLst>
-          <pc:docMk/>
-          <pc:sldMk cId="1760213573" sldId="281"/>
-        </pc:sldMkLst>
-      </pc:sldChg>
-      <pc:sldChg chg="del">
-        <pc:chgData name="Carroll, Claudia" userId="S::claudiac@wustl.edu::5513adb2-3315-47c6-853b-61e74126e783" providerId="AD" clId="Web-{ACB0D4A4-9443-A30F-CD8D-A89BD93B26B1}" dt="2024-01-29T06:07:05.428" v="4"/>
-        <pc:sldMkLst>
-          <pc:docMk/>
-          <pc:sldMk cId="702624774" sldId="282"/>
-        </pc:sldMkLst>
-      </pc:sldChg>
-      <pc:sldChg chg="del">
-        <pc:chgData name="Carroll, Claudia" userId="S::claudiac@wustl.edu::5513adb2-3315-47c6-853b-61e74126e783" providerId="AD" clId="Web-{ACB0D4A4-9443-A30F-CD8D-A89BD93B26B1}" dt="2024-01-29T06:07:05.444" v="12"/>
-        <pc:sldMkLst>
-          <pc:docMk/>
-          <pc:sldMk cId="2247768815" sldId="283"/>
-        </pc:sldMkLst>
-      </pc:sldChg>
-      <pc:sldChg chg="del">
-        <pc:chgData name="Carroll, Claudia" userId="S::claudiac@wustl.edu::5513adb2-3315-47c6-853b-61e74126e783" providerId="AD" clId="Web-{ACB0D4A4-9443-A30F-CD8D-A89BD93B26B1}" dt="2024-01-29T06:07:05.428" v="1"/>
-        <pc:sldMkLst>
-          <pc:docMk/>
-          <pc:sldMk cId="1699678302" sldId="285"/>
-        </pc:sldMkLst>
-      </pc:sldChg>
-      <pc:sldChg chg="del">
-        <pc:chgData name="Carroll, Claudia" userId="S::claudiac@wustl.edu::5513adb2-3315-47c6-853b-61e74126e783" providerId="AD" clId="Web-{ACB0D4A4-9443-A30F-CD8D-A89BD93B26B1}" dt="2024-01-29T06:07:05.428" v="0"/>
-        <pc:sldMkLst>
-          <pc:docMk/>
-          <pc:sldMk cId="3143217917" sldId="286"/>
-        </pc:sldMkLst>
-      </pc:sldChg>
-    </pc:docChg>
-  </pc:docChgLst>
-  <pc:docChgLst>
-    <pc:chgData name="Carroll, Claudia" userId="5513adb2-3315-47c6-853b-61e74126e783" providerId="ADAL" clId="{199F48F4-76DD-D348-9F24-DEEE4883210C}"/>
-    <pc:docChg chg="undo custSel addSld delSld modSld sldOrd">
-      <pc:chgData name="Carroll, Claudia" userId="5513adb2-3315-47c6-853b-61e74126e783" providerId="ADAL" clId="{199F48F4-76DD-D348-9F24-DEEE4883210C}" dt="2024-11-06T17:11:13.891" v="1372" actId="20577"/>
-      <pc:docMkLst>
-        <pc:docMk/>
-      </pc:docMkLst>
-      <pc:sldChg chg="modSp mod">
-        <pc:chgData name="Carroll, Claudia" userId="5513adb2-3315-47c6-853b-61e74126e783" providerId="ADAL" clId="{199F48F4-76DD-D348-9F24-DEEE4883210C}" dt="2024-11-06T05:28:24.258" v="1" actId="20577"/>
-        <pc:sldMkLst>
-          <pc:docMk/>
-          <pc:sldMk cId="109857222" sldId="256"/>
-        </pc:sldMkLst>
-        <pc:spChg chg="mod">
-          <ac:chgData name="Carroll, Claudia" userId="5513adb2-3315-47c6-853b-61e74126e783" providerId="ADAL" clId="{199F48F4-76DD-D348-9F24-DEEE4883210C}" dt="2024-11-06T05:28:24.258" v="1" actId="20577"/>
-          <ac:spMkLst>
-            <pc:docMk/>
-            <pc:sldMk cId="109857222" sldId="256"/>
-            <ac:spMk id="2" creationId="{00000000-0000-0000-0000-000000000000}"/>
-          </ac:spMkLst>
-        </pc:spChg>
-      </pc:sldChg>
-      <pc:sldChg chg="del">
-        <pc:chgData name="Carroll, Claudia" userId="5513adb2-3315-47c6-853b-61e74126e783" providerId="ADAL" clId="{199F48F4-76DD-D348-9F24-DEEE4883210C}" dt="2024-11-06T05:28:28.668" v="2" actId="2696"/>
-        <pc:sldMkLst>
-          <pc:docMk/>
-          <pc:sldMk cId="1768155783" sldId="260"/>
-        </pc:sldMkLst>
-      </pc:sldChg>
-      <pc:sldChg chg="del">
-        <pc:chgData name="Carroll, Claudia" userId="5513adb2-3315-47c6-853b-61e74126e783" providerId="ADAL" clId="{199F48F4-76DD-D348-9F24-DEEE4883210C}" dt="2024-11-06T05:28:44.216" v="3" actId="2696"/>
-        <pc:sldMkLst>
-          <pc:docMk/>
-          <pc:sldMk cId="1075985789" sldId="262"/>
+          <pc:sldMk cId="2077495510" sldId="267"/>
         </pc:sldMkLst>
       </pc:sldChg>
       <pc:sldChg chg="modSp mod">
-        <pc:chgData name="Carroll, Claudia" userId="5513adb2-3315-47c6-853b-61e74126e783" providerId="ADAL" clId="{199F48F4-76DD-D348-9F24-DEEE4883210C}" dt="2024-11-06T14:17:05.779" v="1371" actId="20577"/>
+        <pc:chgData name="Carroll, Claudia" userId="5513adb2-3315-47c6-853b-61e74126e783" providerId="ADAL" clId="{FDB037B5-BC6E-529D-920A-0733451977A9}" dt="2025-11-03T02:57:48.228" v="47" actId="20577"/>
         <pc:sldMkLst>
           <pc:docMk/>
           <pc:sldMk cId="3839357258" sldId="268"/>
         </pc:sldMkLst>
         <pc:spChg chg="mod">
-          <ac:chgData name="Carroll, Claudia" userId="5513adb2-3315-47c6-853b-61e74126e783" providerId="ADAL" clId="{199F48F4-76DD-D348-9F24-DEEE4883210C}" dt="2024-11-06T14:17:05.779" v="1371" actId="20577"/>
+          <ac:chgData name="Carroll, Claudia" userId="5513adb2-3315-47c6-853b-61e74126e783" providerId="ADAL" clId="{FDB037B5-BC6E-529D-920A-0733451977A9}" dt="2025-11-03T02:57:48.228" v="47" actId="20577"/>
           <ac:spMkLst>
             <pc:docMk/>
             <pc:sldMk cId="3839357258" sldId="268"/>
@@ -418,237 +173,101 @@
           </ac:spMkLst>
         </pc:spChg>
       </pc:sldChg>
-      <pc:sldChg chg="modSp del mod">
-        <pc:chgData name="Carroll, Claudia" userId="5513adb2-3315-47c6-853b-61e74126e783" providerId="ADAL" clId="{199F48F4-76DD-D348-9F24-DEEE4883210C}" dt="2024-11-06T05:31:30.109" v="135" actId="2696"/>
+      <pc:sldChg chg="del">
+        <pc:chgData name="Carroll, Claudia" userId="5513adb2-3315-47c6-853b-61e74126e783" providerId="ADAL" clId="{FDB037B5-BC6E-529D-920A-0733451977A9}" dt="2025-11-03T02:57:56.001" v="50" actId="2696"/>
         <pc:sldMkLst>
           <pc:docMk/>
-          <pc:sldMk cId="1715855539" sldId="279"/>
+          <pc:sldMk cId="4155761544" sldId="287"/>
         </pc:sldMkLst>
-        <pc:spChg chg="mod">
-          <ac:chgData name="Carroll, Claudia" userId="5513adb2-3315-47c6-853b-61e74126e783" providerId="ADAL" clId="{199F48F4-76DD-D348-9F24-DEEE4883210C}" dt="2024-11-06T05:31:20.835" v="134" actId="20577"/>
-          <ac:spMkLst>
-            <pc:docMk/>
-            <pc:sldMk cId="1715855539" sldId="279"/>
-            <ac:spMk id="3" creationId="{75E3AE28-7031-9892-6537-33C8011AFDDB}"/>
-          </ac:spMkLst>
-        </pc:spChg>
       </pc:sldChg>
-      <pc:sldChg chg="modSp mod">
-        <pc:chgData name="Carroll, Claudia" userId="5513adb2-3315-47c6-853b-61e74126e783" providerId="ADAL" clId="{199F48F4-76DD-D348-9F24-DEEE4883210C}" dt="2024-11-06T05:31:49.575" v="159" actId="20577"/>
+      <pc:sldChg chg="addSp delSp modSp del mod">
+        <pc:chgData name="Carroll, Claudia" userId="5513adb2-3315-47c6-853b-61e74126e783" providerId="ADAL" clId="{FDB037B5-BC6E-529D-920A-0733451977A9}" dt="2025-11-03T02:58:22.281" v="67" actId="2696"/>
         <pc:sldMkLst>
           <pc:docMk/>
           <pc:sldMk cId="1781419879" sldId="288"/>
         </pc:sldMkLst>
-        <pc:spChg chg="mod">
-          <ac:chgData name="Carroll, Claudia" userId="5513adb2-3315-47c6-853b-61e74126e783" providerId="ADAL" clId="{199F48F4-76DD-D348-9F24-DEEE4883210C}" dt="2024-11-06T05:31:40.327" v="140" actId="20577"/>
-          <ac:spMkLst>
-            <pc:docMk/>
-            <pc:sldMk cId="1781419879" sldId="288"/>
-            <ac:spMk id="2" creationId="{80A41CDD-3773-510B-4B7C-18D7C3D344E9}"/>
-          </ac:spMkLst>
-        </pc:spChg>
-        <pc:spChg chg="mod">
-          <ac:chgData name="Carroll, Claudia" userId="5513adb2-3315-47c6-853b-61e74126e783" providerId="ADAL" clId="{199F48F4-76DD-D348-9F24-DEEE4883210C}" dt="2024-11-06T05:31:49.575" v="159" actId="20577"/>
+        <pc:spChg chg="del mod">
+          <ac:chgData name="Carroll, Claudia" userId="5513adb2-3315-47c6-853b-61e74126e783" providerId="ADAL" clId="{FDB037B5-BC6E-529D-920A-0733451977A9}" dt="2025-11-03T02:58:03.119" v="59" actId="478"/>
           <ac:spMkLst>
             <pc:docMk/>
             <pc:sldMk cId="1781419879" sldId="288"/>
             <ac:spMk id="3" creationId="{646F60EF-105A-0A4B-A926-D22C5F32B16B}"/>
           </ac:spMkLst>
         </pc:spChg>
+        <pc:spChg chg="add mod">
+          <ac:chgData name="Carroll, Claudia" userId="5513adb2-3315-47c6-853b-61e74126e783" providerId="ADAL" clId="{FDB037B5-BC6E-529D-920A-0733451977A9}" dt="2025-11-03T02:58:03.145" v="60" actId="27636"/>
+          <ac:spMkLst>
+            <pc:docMk/>
+            <pc:sldMk cId="1781419879" sldId="288"/>
+            <ac:spMk id="5" creationId="{47D8E825-7CF6-D6CB-9820-17E77E196854}"/>
+          </ac:spMkLst>
+        </pc:spChg>
       </pc:sldChg>
-      <pc:sldChg chg="modSp mod">
-        <pc:chgData name="Carroll, Claudia" userId="5513adb2-3315-47c6-853b-61e74126e783" providerId="ADAL" clId="{199F48F4-76DD-D348-9F24-DEEE4883210C}" dt="2024-11-06T17:11:13.891" v="1372" actId="20577"/>
+      <pc:sldChg chg="del">
+        <pc:chgData name="Carroll, Claudia" userId="5513adb2-3315-47c6-853b-61e74126e783" providerId="ADAL" clId="{FDB037B5-BC6E-529D-920A-0733451977A9}" dt="2025-11-03T02:58:07.352" v="61" actId="2696"/>
         <pc:sldMkLst>
           <pc:docMk/>
           <pc:sldMk cId="1233050541" sldId="289"/>
         </pc:sldMkLst>
-        <pc:spChg chg="mod">
-          <ac:chgData name="Carroll, Claudia" userId="5513adb2-3315-47c6-853b-61e74126e783" providerId="ADAL" clId="{199F48F4-76DD-D348-9F24-DEEE4883210C}" dt="2024-11-06T17:11:13.891" v="1372" actId="20577"/>
-          <ac:spMkLst>
-            <pc:docMk/>
-            <pc:sldMk cId="1233050541" sldId="289"/>
-            <ac:spMk id="3" creationId="{0E673150-3883-F319-BB5A-DF12FA74F977}"/>
-          </ac:spMkLst>
-        </pc:spChg>
       </pc:sldChg>
-      <pc:sldChg chg="ord">
-        <pc:chgData name="Carroll, Claudia" userId="5513adb2-3315-47c6-853b-61e74126e783" providerId="ADAL" clId="{199F48F4-76DD-D348-9F24-DEEE4883210C}" dt="2024-11-06T05:58:16.071" v="163" actId="20578"/>
+      <pc:sldChg chg="del">
+        <pc:chgData name="Carroll, Claudia" userId="5513adb2-3315-47c6-853b-61e74126e783" providerId="ADAL" clId="{FDB037B5-BC6E-529D-920A-0733451977A9}" dt="2025-11-03T02:57:56.522" v="51" actId="2696"/>
+        <pc:sldMkLst>
+          <pc:docMk/>
+          <pc:sldMk cId="2620043797" sldId="290"/>
+        </pc:sldMkLst>
+      </pc:sldChg>
+      <pc:sldChg chg="del">
+        <pc:chgData name="Carroll, Claudia" userId="5513adb2-3315-47c6-853b-61e74126e783" providerId="ADAL" clId="{FDB037B5-BC6E-529D-920A-0733451977A9}" dt="2025-11-03T02:58:07.690" v="62" actId="2696"/>
         <pc:sldMkLst>
           <pc:docMk/>
           <pc:sldMk cId="1830920682" sldId="291"/>
         </pc:sldMkLst>
       </pc:sldChg>
       <pc:sldChg chg="del">
-        <pc:chgData name="Carroll, Claudia" userId="5513adb2-3315-47c6-853b-61e74126e783" providerId="ADAL" clId="{199F48F4-76DD-D348-9F24-DEEE4883210C}" dt="2024-11-06T05:28:45.837" v="4" actId="2696"/>
+        <pc:chgData name="Carroll, Claudia" userId="5513adb2-3315-47c6-853b-61e74126e783" providerId="ADAL" clId="{FDB037B5-BC6E-529D-920A-0733451977A9}" dt="2025-11-03T02:57:52.118" v="48" actId="2696"/>
         <pc:sldMkLst>
           <pc:docMk/>
-          <pc:sldMk cId="1266258456" sldId="293"/>
+          <pc:sldMk cId="2137234113" sldId="292"/>
         </pc:sldMkLst>
       </pc:sldChg>
-      <pc:sldChg chg="modSp add mod ord">
-        <pc:chgData name="Carroll, Claudia" userId="5513adb2-3315-47c6-853b-61e74126e783" providerId="ADAL" clId="{199F48F4-76DD-D348-9F24-DEEE4883210C}" dt="2024-11-06T05:58:55.635" v="235" actId="20578"/>
-        <pc:sldMkLst>
-          <pc:docMk/>
-          <pc:sldMk cId="3425289976" sldId="293"/>
-        </pc:sldMkLst>
-        <pc:spChg chg="mod">
-          <ac:chgData name="Carroll, Claudia" userId="5513adb2-3315-47c6-853b-61e74126e783" providerId="ADAL" clId="{199F48F4-76DD-D348-9F24-DEEE4883210C}" dt="2024-11-06T05:58:18.555" v="164" actId="20577"/>
-          <ac:spMkLst>
-            <pc:docMk/>
-            <pc:sldMk cId="3425289976" sldId="293"/>
-            <ac:spMk id="2" creationId="{3C1123B7-C481-BEC4-92FB-06C1C15913BF}"/>
-          </ac:spMkLst>
-        </pc:spChg>
-        <pc:spChg chg="mod">
-          <ac:chgData name="Carroll, Claudia" userId="5513adb2-3315-47c6-853b-61e74126e783" providerId="ADAL" clId="{199F48F4-76DD-D348-9F24-DEEE4883210C}" dt="2024-11-06T05:58:35.789" v="232" actId="20577"/>
-          <ac:spMkLst>
-            <pc:docMk/>
-            <pc:sldMk cId="3425289976" sldId="293"/>
-            <ac:spMk id="3" creationId="{59AE7ED0-D295-4E02-EA71-A5612AE6308A}"/>
-          </ac:spMkLst>
-        </pc:spChg>
-      </pc:sldChg>
-      <pc:sldChg chg="addSp delSp modSp add mod ord">
-        <pc:chgData name="Carroll, Claudia" userId="5513adb2-3315-47c6-853b-61e74126e783" providerId="ADAL" clId="{199F48F4-76DD-D348-9F24-DEEE4883210C}" dt="2024-11-06T14:00:59.608" v="1295" actId="20578"/>
+      <pc:sldChg chg="ord">
+        <pc:chgData name="Carroll, Claudia" userId="5513adb2-3315-47c6-853b-61e74126e783" providerId="ADAL" clId="{FDB037B5-BC6E-529D-920A-0733451977A9}" dt="2025-11-03T02:58:09.803" v="63" actId="20578"/>
         <pc:sldMkLst>
           <pc:docMk/>
           <pc:sldMk cId="739309560" sldId="294"/>
         </pc:sldMkLst>
-        <pc:spChg chg="mod">
-          <ac:chgData name="Carroll, Claudia" userId="5513adb2-3315-47c6-853b-61e74126e783" providerId="ADAL" clId="{199F48F4-76DD-D348-9F24-DEEE4883210C}" dt="2024-11-06T05:59:05.083" v="264" actId="20577"/>
-          <ac:spMkLst>
-            <pc:docMk/>
-            <pc:sldMk cId="739309560" sldId="294"/>
-            <ac:spMk id="2" creationId="{05DC3FEE-AF06-33C7-566A-61017DCFC621}"/>
-          </ac:spMkLst>
-        </pc:spChg>
-        <pc:spChg chg="del mod">
-          <ac:chgData name="Carroll, Claudia" userId="5513adb2-3315-47c6-853b-61e74126e783" providerId="ADAL" clId="{199F48F4-76DD-D348-9F24-DEEE4883210C}" dt="2024-11-06T05:59:44.282" v="266" actId="3680"/>
-          <ac:spMkLst>
-            <pc:docMk/>
-            <pc:sldMk cId="739309560" sldId="294"/>
-            <ac:spMk id="3" creationId="{F3DA4BC6-15BA-BC67-DFEA-527E44783E07}"/>
-          </ac:spMkLst>
-        </pc:spChg>
-        <pc:spChg chg="add del mod">
-          <ac:chgData name="Carroll, Claudia" userId="5513adb2-3315-47c6-853b-61e74126e783" providerId="ADAL" clId="{199F48F4-76DD-D348-9F24-DEEE4883210C}" dt="2024-11-06T06:02:04.601" v="344"/>
-          <ac:spMkLst>
-            <pc:docMk/>
-            <pc:sldMk cId="739309560" sldId="294"/>
-            <ac:spMk id="5" creationId="{360F972F-E82F-26F3-453C-B0F7F11E9C0E}"/>
-          </ac:spMkLst>
-        </pc:spChg>
-        <pc:spChg chg="add mod">
-          <ac:chgData name="Carroll, Claudia" userId="5513adb2-3315-47c6-853b-61e74126e783" providerId="ADAL" clId="{199F48F4-76DD-D348-9F24-DEEE4883210C}" dt="2024-11-06T06:02:01.755" v="342" actId="122"/>
-          <ac:spMkLst>
-            <pc:docMk/>
-            <pc:sldMk cId="739309560" sldId="294"/>
-            <ac:spMk id="7" creationId="{68205295-4F00-5355-3972-086A8742A52C}"/>
-          </ac:spMkLst>
-        </pc:spChg>
-        <pc:graphicFrameChg chg="add mod ord modGraphic">
-          <ac:chgData name="Carroll, Claudia" userId="5513adb2-3315-47c6-853b-61e74126e783" providerId="ADAL" clId="{199F48F4-76DD-D348-9F24-DEEE4883210C}" dt="2024-11-06T06:03:44.859" v="404" actId="20577"/>
-          <ac:graphicFrameMkLst>
-            <pc:docMk/>
-            <pc:sldMk cId="739309560" sldId="294"/>
-            <ac:graphicFrameMk id="4" creationId="{09CD8ECF-2C95-84F4-F20A-BBBBCE9ED853}"/>
-          </ac:graphicFrameMkLst>
-        </pc:graphicFrameChg>
       </pc:sldChg>
-      <pc:sldChg chg="addSp delSp modSp add mod ord">
-        <pc:chgData name="Carroll, Claudia" userId="5513adb2-3315-47c6-853b-61e74126e783" providerId="ADAL" clId="{199F48F4-76DD-D348-9F24-DEEE4883210C}" dt="2024-11-06T14:01:01.664" v="1296" actId="20578"/>
+      <pc:sldChg chg="ord">
+        <pc:chgData name="Carroll, Claudia" userId="5513adb2-3315-47c6-853b-61e74126e783" providerId="ADAL" clId="{FDB037B5-BC6E-529D-920A-0733451977A9}" dt="2025-11-03T02:58:15.350" v="65" actId="20578"/>
         <pc:sldMkLst>
           <pc:docMk/>
           <pc:sldMk cId="2035710617" sldId="295"/>
         </pc:sldMkLst>
-        <pc:spChg chg="mod">
-          <ac:chgData name="Carroll, Claudia" userId="5513adb2-3315-47c6-853b-61e74126e783" providerId="ADAL" clId="{199F48F4-76DD-D348-9F24-DEEE4883210C}" dt="2024-11-06T06:04:09.413" v="419" actId="20577"/>
-          <ac:spMkLst>
-            <pc:docMk/>
-            <pc:sldMk cId="2035710617" sldId="295"/>
-            <ac:spMk id="2" creationId="{F3260EC5-0019-A58B-259E-1FE25E0F44CB}"/>
-          </ac:spMkLst>
-        </pc:spChg>
-        <pc:spChg chg="add mod">
-          <ac:chgData name="Carroll, Claudia" userId="5513adb2-3315-47c6-853b-61e74126e783" providerId="ADAL" clId="{199F48F4-76DD-D348-9F24-DEEE4883210C}" dt="2024-11-06T06:08:40.910" v="651" actId="1076"/>
-          <ac:spMkLst>
-            <pc:docMk/>
-            <pc:sldMk cId="2035710617" sldId="295"/>
-            <ac:spMk id="5" creationId="{373766F5-2C55-A5E9-F6C1-E761013D7B78}"/>
-          </ac:spMkLst>
-        </pc:spChg>
-        <pc:spChg chg="del">
-          <ac:chgData name="Carroll, Claudia" userId="5513adb2-3315-47c6-853b-61e74126e783" providerId="ADAL" clId="{199F48F4-76DD-D348-9F24-DEEE4883210C}" dt="2024-11-06T06:04:28.833" v="428" actId="478"/>
-          <ac:spMkLst>
-            <pc:docMk/>
-            <pc:sldMk cId="2035710617" sldId="295"/>
-            <ac:spMk id="7" creationId="{951B387F-1316-A028-A0B8-20B24E181BE2}"/>
-          </ac:spMkLst>
-        </pc:spChg>
-        <pc:graphicFrameChg chg="del">
-          <ac:chgData name="Carroll, Claudia" userId="5513adb2-3315-47c6-853b-61e74126e783" providerId="ADAL" clId="{199F48F4-76DD-D348-9F24-DEEE4883210C}" dt="2024-11-06T06:04:11.370" v="420" actId="478"/>
-          <ac:graphicFrameMkLst>
-            <pc:docMk/>
-            <pc:sldMk cId="2035710617" sldId="295"/>
-            <ac:graphicFrameMk id="4" creationId="{4F155352-1BC4-1161-9F83-F4E2CD7CC42A}"/>
-          </ac:graphicFrameMkLst>
-        </pc:graphicFrameChg>
       </pc:sldChg>
-      <pc:sldChg chg="modSp add mod ord">
-        <pc:chgData name="Carroll, Claudia" userId="5513adb2-3315-47c6-853b-61e74126e783" providerId="ADAL" clId="{199F48F4-76DD-D348-9F24-DEEE4883210C}" dt="2024-11-06T14:01:03.908" v="1297" actId="20578"/>
+      <pc:sldChg chg="ord">
+        <pc:chgData name="Carroll, Claudia" userId="5513adb2-3315-47c6-853b-61e74126e783" providerId="ADAL" clId="{FDB037B5-BC6E-529D-920A-0733451977A9}" dt="2025-11-03T02:58:11.589" v="64" actId="20578"/>
         <pc:sldMkLst>
           <pc:docMk/>
           <pc:sldMk cId="3121874908" sldId="296"/>
         </pc:sldMkLst>
-        <pc:spChg chg="mod">
-          <ac:chgData name="Carroll, Claudia" userId="5513adb2-3315-47c6-853b-61e74126e783" providerId="ADAL" clId="{199F48F4-76DD-D348-9F24-DEEE4883210C}" dt="2024-11-06T13:52:09.541" v="778" actId="20577"/>
-          <ac:spMkLst>
-            <pc:docMk/>
-            <pc:sldMk cId="3121874908" sldId="296"/>
-            <ac:spMk id="2" creationId="{0F7CE288-2B1D-42F9-75D1-2E1287B2D14C}"/>
-          </ac:spMkLst>
-        </pc:spChg>
-        <pc:spChg chg="mod">
-          <ac:chgData name="Carroll, Claudia" userId="5513adb2-3315-47c6-853b-61e74126e783" providerId="ADAL" clId="{199F48F4-76DD-D348-9F24-DEEE4883210C}" dt="2024-11-06T13:54:00.800" v="971" actId="114"/>
-          <ac:spMkLst>
-            <pc:docMk/>
-            <pc:sldMk cId="3121874908" sldId="296"/>
-            <ac:spMk id="5" creationId="{EC20BBD4-E6BE-CB96-A882-4D2FF02DFDB4}"/>
-          </ac:spMkLst>
-        </pc:spChg>
       </pc:sldChg>
-      <pc:sldChg chg="addSp modSp add mod ord">
-        <pc:chgData name="Carroll, Claudia" userId="5513adb2-3315-47c6-853b-61e74126e783" providerId="ADAL" clId="{199F48F4-76DD-D348-9F24-DEEE4883210C}" dt="2024-11-06T14:01:16.411" v="1300" actId="20578"/>
+      <pc:sldChg chg="modSp mod ord">
+        <pc:chgData name="Carroll, Claudia" userId="5513adb2-3315-47c6-853b-61e74126e783" providerId="ADAL" clId="{FDB037B5-BC6E-529D-920A-0733451977A9}" dt="2025-11-03T03:01:16.769" v="353" actId="1076"/>
         <pc:sldMkLst>
           <pc:docMk/>
           <pc:sldMk cId="1655639563" sldId="297"/>
         </pc:sldMkLst>
         <pc:spChg chg="mod">
-          <ac:chgData name="Carroll, Claudia" userId="5513adb2-3315-47c6-853b-61e74126e783" providerId="ADAL" clId="{199F48F4-76DD-D348-9F24-DEEE4883210C}" dt="2024-11-06T13:54:27.548" v="983" actId="20577"/>
-          <ac:spMkLst>
-            <pc:docMk/>
-            <pc:sldMk cId="1655639563" sldId="297"/>
-            <ac:spMk id="2" creationId="{770E07E2-A490-F633-6502-628095ED694C}"/>
-          </ac:spMkLst>
-        </pc:spChg>
-        <pc:spChg chg="add mod">
-          <ac:chgData name="Carroll, Claudia" userId="5513adb2-3315-47c6-853b-61e74126e783" providerId="ADAL" clId="{199F48F4-76DD-D348-9F24-DEEE4883210C}" dt="2024-11-06T14:00:40.153" v="1294" actId="255"/>
+          <ac:chgData name="Carroll, Claudia" userId="5513adb2-3315-47c6-853b-61e74126e783" providerId="ADAL" clId="{FDB037B5-BC6E-529D-920A-0733451977A9}" dt="2025-11-03T03:01:16.769" v="353" actId="1076"/>
           <ac:spMkLst>
             <pc:docMk/>
             <pc:sldMk cId="1655639563" sldId="297"/>
             <ac:spMk id="3" creationId="{F7178E6A-6E93-F750-D464-9F835C99B586}"/>
           </ac:spMkLst>
         </pc:spChg>
-        <pc:spChg chg="add">
-          <ac:chgData name="Carroll, Claudia" userId="5513adb2-3315-47c6-853b-61e74126e783" providerId="ADAL" clId="{199F48F4-76DD-D348-9F24-DEEE4883210C}" dt="2024-11-06T14:00:23.955" v="1293" actId="11529"/>
-          <ac:spMkLst>
-            <pc:docMk/>
-            <pc:sldMk cId="1655639563" sldId="297"/>
-            <ac:spMk id="4" creationId="{EC91FC54-9CD3-7EAB-5117-AC111FBAB46D}"/>
-          </ac:spMkLst>
-        </pc:spChg>
         <pc:spChg chg="mod">
-          <ac:chgData name="Carroll, Claudia" userId="5513adb2-3315-47c6-853b-61e74126e783" providerId="ADAL" clId="{199F48F4-76DD-D348-9F24-DEEE4883210C}" dt="2024-11-06T13:58:06.430" v="1053" actId="1076"/>
+          <ac:chgData name="Carroll, Claudia" userId="5513adb2-3315-47c6-853b-61e74126e783" providerId="ADAL" clId="{FDB037B5-BC6E-529D-920A-0733451977A9}" dt="2025-11-03T02:59:44.923" v="81" actId="20577"/>
           <ac:spMkLst>
             <pc:docMk/>
             <pc:sldMk cId="1655639563" sldId="297"/>
@@ -656,1056 +275,82 @@
           </ac:spMkLst>
         </pc:spChg>
       </pc:sldChg>
-      <pc:sldChg chg="modSp add mod ord">
-        <pc:chgData name="Carroll, Claudia" userId="5513adb2-3315-47c6-853b-61e74126e783" providerId="ADAL" clId="{199F48F4-76DD-D348-9F24-DEEE4883210C}" dt="2024-11-06T14:16:36.732" v="1316" actId="20577"/>
+      <pc:sldChg chg="del">
+        <pc:chgData name="Carroll, Claudia" userId="5513adb2-3315-47c6-853b-61e74126e783" providerId="ADAL" clId="{FDB037B5-BC6E-529D-920A-0733451977A9}" dt="2025-11-03T02:58:23.938" v="68" actId="2696"/>
         <pc:sldMkLst>
           <pc:docMk/>
           <pc:sldMk cId="985417766" sldId="298"/>
         </pc:sldMkLst>
-        <pc:spChg chg="mod">
-          <ac:chgData name="Carroll, Claudia" userId="5513adb2-3315-47c6-853b-61e74126e783" providerId="ADAL" clId="{199F48F4-76DD-D348-9F24-DEEE4883210C}" dt="2024-11-06T14:01:22.535" v="1311" actId="20577"/>
+      </pc:sldChg>
+      <pc:sldChg chg="addSp delSp modSp add mod">
+        <pc:chgData name="Carroll, Claudia" userId="5513adb2-3315-47c6-853b-61e74126e783" providerId="ADAL" clId="{FDB037B5-BC6E-529D-920A-0733451977A9}" dt="2025-11-03T02:59:27.418" v="75" actId="1076"/>
+        <pc:sldMkLst>
+          <pc:docMk/>
+          <pc:sldMk cId="1090698699" sldId="298"/>
+        </pc:sldMkLst>
+        <pc:spChg chg="add del mod">
+          <ac:chgData name="Carroll, Claudia" userId="5513adb2-3315-47c6-853b-61e74126e783" providerId="ADAL" clId="{FDB037B5-BC6E-529D-920A-0733451977A9}" dt="2025-11-03T02:59:18.925" v="71" actId="478"/>
           <ac:spMkLst>
             <pc:docMk/>
-            <pc:sldMk cId="985417766" sldId="298"/>
-            <ac:spMk id="2" creationId="{C18B0EBA-210E-1D17-CAFB-6489D3FBE992}"/>
+            <pc:sldMk cId="1090698699" sldId="298"/>
+            <ac:spMk id="5" creationId="{99F1BC65-9DF9-3821-087D-54673D98962A}"/>
           </ac:spMkLst>
         </pc:spChg>
-        <pc:spChg chg="mod">
-          <ac:chgData name="Carroll, Claudia" userId="5513adb2-3315-47c6-853b-61e74126e783" providerId="ADAL" clId="{199F48F4-76DD-D348-9F24-DEEE4883210C}" dt="2024-11-06T14:16:36.732" v="1316" actId="20577"/>
+        <pc:spChg chg="del">
+          <ac:chgData name="Carroll, Claudia" userId="5513adb2-3315-47c6-853b-61e74126e783" providerId="ADAL" clId="{FDB037B5-BC6E-529D-920A-0733451977A9}" dt="2025-11-03T02:59:22.104" v="72" actId="478"/>
           <ac:spMkLst>
             <pc:docMk/>
-            <pc:sldMk cId="985417766" sldId="298"/>
-            <ac:spMk id="5" creationId="{CF37203C-3E2A-B665-EF44-A42ADEB30E02}"/>
+            <pc:sldMk cId="1090698699" sldId="298"/>
+            <ac:spMk id="7" creationId="{C249399C-D2A3-481F-7B24-2804C6E1A8F4}"/>
           </ac:spMkLst>
         </pc:spChg>
-      </pc:sldChg>
-    </pc:docChg>
-  </pc:docChgLst>
-  <pc:docChgLst>
-    <pc:chgData name="Carroll, Claudia" userId="S::claudiac@wustl.edu::5513adb2-3315-47c6-853b-61e74126e783" providerId="AD" clId="Web-{34743C81-3135-4163-DE08-77FB52CDC653}"/>
-    <pc:docChg chg="modSld">
-      <pc:chgData name="Carroll, Claudia" userId="S::claudiac@wustl.edu::5513adb2-3315-47c6-853b-61e74126e783" providerId="AD" clId="Web-{34743C81-3135-4163-DE08-77FB52CDC653}" dt="2024-11-04T16:14:04.489" v="6" actId="14100"/>
-      <pc:docMkLst>
-        <pc:docMk/>
-      </pc:docMkLst>
-      <pc:sldChg chg="modSp">
-        <pc:chgData name="Carroll, Claudia" userId="S::claudiac@wustl.edu::5513adb2-3315-47c6-853b-61e74126e783" providerId="AD" clId="Web-{34743C81-3135-4163-DE08-77FB52CDC653}" dt="2024-11-04T16:14:04.489" v="6" actId="14100"/>
-        <pc:sldMkLst>
-          <pc:docMk/>
-          <pc:sldMk cId="3839357258" sldId="268"/>
-        </pc:sldMkLst>
-        <pc:spChg chg="mod">
-          <ac:chgData name="Carroll, Claudia" userId="S::claudiac@wustl.edu::5513adb2-3315-47c6-853b-61e74126e783" providerId="AD" clId="Web-{34743C81-3135-4163-DE08-77FB52CDC653}" dt="2024-11-04T16:14:04.489" v="6" actId="14100"/>
-          <ac:spMkLst>
-            <pc:docMk/>
-            <pc:sldMk cId="3839357258" sldId="268"/>
-            <ac:spMk id="3" creationId="{13B6A96C-8D86-7F21-3DA5-4A818CE6C4D6}"/>
-          </ac:spMkLst>
-        </pc:spChg>
-      </pc:sldChg>
-    </pc:docChg>
-  </pc:docChgLst>
-  <pc:docChgLst>
-    <pc:chgData name="Carroll, Claudia" userId="S::claudiac@wustl.edu::5513adb2-3315-47c6-853b-61e74126e783" providerId="AD" clId="Web-{6774D450-A7B4-12E3-8C0F-1A67AA8743AF}"/>
-    <pc:docChg chg="addSld modSld">
-      <pc:chgData name="Carroll, Claudia" userId="S::claudiac@wustl.edu::5513adb2-3315-47c6-853b-61e74126e783" providerId="AD" clId="Web-{6774D450-A7B4-12E3-8C0F-1A67AA8743AF}" dt="2024-11-03T20:06:49.622" v="59" actId="20577"/>
-      <pc:docMkLst>
-        <pc:docMk/>
-      </pc:docMkLst>
-      <pc:sldChg chg="modSp add replId">
-        <pc:chgData name="Carroll, Claudia" userId="S::claudiac@wustl.edu::5513adb2-3315-47c6-853b-61e74126e783" providerId="AD" clId="Web-{6774D450-A7B4-12E3-8C0F-1A67AA8743AF}" dt="2024-11-03T20:06:49.622" v="59" actId="20577"/>
-        <pc:sldMkLst>
-          <pc:docMk/>
-          <pc:sldMk cId="2137234113" sldId="292"/>
-        </pc:sldMkLst>
-        <pc:spChg chg="mod">
-          <ac:chgData name="Carroll, Claudia" userId="S::claudiac@wustl.edu::5513adb2-3315-47c6-853b-61e74126e783" providerId="AD" clId="Web-{6774D450-A7B4-12E3-8C0F-1A67AA8743AF}" dt="2024-11-03T20:04:58.029" v="6" actId="20577"/>
-          <ac:spMkLst>
-            <pc:docMk/>
-            <pc:sldMk cId="2137234113" sldId="292"/>
-            <ac:spMk id="2" creationId="{FF02E442-5BD2-C7E7-D487-182D2EC0E4FF}"/>
-          </ac:spMkLst>
-        </pc:spChg>
-        <pc:spChg chg="mod">
-          <ac:chgData name="Carroll, Claudia" userId="S::claudiac@wustl.edu::5513adb2-3315-47c6-853b-61e74126e783" providerId="AD" clId="Web-{6774D450-A7B4-12E3-8C0F-1A67AA8743AF}" dt="2024-11-03T20:06:49.622" v="59" actId="20577"/>
-          <ac:spMkLst>
-            <pc:docMk/>
-            <pc:sldMk cId="2137234113" sldId="292"/>
-            <ac:spMk id="3" creationId="{13B6A96C-8D86-7F21-3DA5-4A818CE6C4D6}"/>
-          </ac:spMkLst>
-        </pc:spChg>
-      </pc:sldChg>
-    </pc:docChg>
-  </pc:docChgLst>
-  <pc:docChgLst>
-    <pc:chgData name="Carroll, Claudia" userId="5513adb2-3315-47c6-853b-61e74126e783" providerId="ADAL" clId="{F1B7EFA3-B214-634E-BDB4-9AA61FCEBD50}"/>
-    <pc:docChg chg="undo custSel addSld delSld modSld sldOrd">
-      <pc:chgData name="Carroll, Claudia" userId="5513adb2-3315-47c6-853b-61e74126e783" providerId="ADAL" clId="{F1B7EFA3-B214-634E-BDB4-9AA61FCEBD50}" dt="2024-11-03T03:09:13.223" v="1607" actId="113"/>
-      <pc:docMkLst>
-        <pc:docMk/>
-      </pc:docMkLst>
-      <pc:sldChg chg="modSp mod">
-        <pc:chgData name="Carroll, Claudia" userId="5513adb2-3315-47c6-853b-61e74126e783" providerId="ADAL" clId="{F1B7EFA3-B214-634E-BDB4-9AA61FCEBD50}" dt="2024-11-03T02:47:22.254" v="63" actId="255"/>
-        <pc:sldMkLst>
-          <pc:docMk/>
-          <pc:sldMk cId="109857222" sldId="256"/>
-        </pc:sldMkLst>
-        <pc:spChg chg="mod">
-          <ac:chgData name="Carroll, Claudia" userId="5513adb2-3315-47c6-853b-61e74126e783" providerId="ADAL" clId="{F1B7EFA3-B214-634E-BDB4-9AA61FCEBD50}" dt="2024-11-03T02:46:20.283" v="20" actId="255"/>
-          <ac:spMkLst>
-            <pc:docMk/>
-            <pc:sldMk cId="109857222" sldId="256"/>
-            <ac:spMk id="2" creationId="{00000000-0000-0000-0000-000000000000}"/>
-          </ac:spMkLst>
-        </pc:spChg>
-        <pc:spChg chg="mod">
-          <ac:chgData name="Carroll, Claudia" userId="5513adb2-3315-47c6-853b-61e74126e783" providerId="ADAL" clId="{F1B7EFA3-B214-634E-BDB4-9AA61FCEBD50}" dt="2024-11-03T02:47:22.254" v="63" actId="255"/>
-          <ac:spMkLst>
-            <pc:docMk/>
-            <pc:sldMk cId="109857222" sldId="256"/>
-            <ac:spMk id="3" creationId="{00000000-0000-0000-0000-000000000000}"/>
-          </ac:spMkLst>
-        </pc:spChg>
-      </pc:sldChg>
-      <pc:sldChg chg="del">
-        <pc:chgData name="Carroll, Claudia" userId="5513adb2-3315-47c6-853b-61e74126e783" providerId="ADAL" clId="{F1B7EFA3-B214-634E-BDB4-9AA61FCEBD50}" dt="2024-11-03T02:47:27.881" v="65" actId="2696"/>
-        <pc:sldMkLst>
-          <pc:docMk/>
-          <pc:sldMk cId="4266118051" sldId="257"/>
-        </pc:sldMkLst>
-      </pc:sldChg>
-      <pc:sldChg chg="del">
-        <pc:chgData name="Carroll, Claudia" userId="5513adb2-3315-47c6-853b-61e74126e783" providerId="ADAL" clId="{F1B7EFA3-B214-634E-BDB4-9AA61FCEBD50}" dt="2024-11-03T02:47:27.386" v="64" actId="2696"/>
-        <pc:sldMkLst>
-          <pc:docMk/>
-          <pc:sldMk cId="1419661138" sldId="258"/>
-        </pc:sldMkLst>
-      </pc:sldChg>
-      <pc:sldChg chg="del">
-        <pc:chgData name="Carroll, Claudia" userId="5513adb2-3315-47c6-853b-61e74126e783" providerId="ADAL" clId="{F1B7EFA3-B214-634E-BDB4-9AA61FCEBD50}" dt="2024-11-03T02:47:28.421" v="66" actId="2696"/>
-        <pc:sldMkLst>
-          <pc:docMk/>
-          <pc:sldMk cId="3240474744" sldId="259"/>
-        </pc:sldMkLst>
-      </pc:sldChg>
-      <pc:sldChg chg="modSp mod">
-        <pc:chgData name="Carroll, Claudia" userId="5513adb2-3315-47c6-853b-61e74126e783" providerId="ADAL" clId="{F1B7EFA3-B214-634E-BDB4-9AA61FCEBD50}" dt="2024-11-03T02:49:24.774" v="482" actId="20577"/>
-        <pc:sldMkLst>
-          <pc:docMk/>
-          <pc:sldMk cId="1768155783" sldId="260"/>
-        </pc:sldMkLst>
-        <pc:spChg chg="mod">
-          <ac:chgData name="Carroll, Claudia" userId="5513adb2-3315-47c6-853b-61e74126e783" providerId="ADAL" clId="{F1B7EFA3-B214-634E-BDB4-9AA61FCEBD50}" dt="2024-11-03T02:49:24.774" v="482" actId="20577"/>
-          <ac:spMkLst>
-            <pc:docMk/>
-            <pc:sldMk cId="1768155783" sldId="260"/>
-            <ac:spMk id="3" creationId="{5B437E91-C3E2-8471-1F8E-7CC7BB0DE813}"/>
-          </ac:spMkLst>
-        </pc:spChg>
-      </pc:sldChg>
-      <pc:sldChg chg="del">
-        <pc:chgData name="Carroll, Claudia" userId="5513adb2-3315-47c6-853b-61e74126e783" providerId="ADAL" clId="{F1B7EFA3-B214-634E-BDB4-9AA61FCEBD50}" dt="2024-11-03T02:47:32.639" v="67" actId="2696"/>
-        <pc:sldMkLst>
-          <pc:docMk/>
-          <pc:sldMk cId="2187364593" sldId="261"/>
-        </pc:sldMkLst>
-      </pc:sldChg>
-      <pc:sldChg chg="addSp delSp modSp mod">
-        <pc:chgData name="Carroll, Claudia" userId="5513adb2-3315-47c6-853b-61e74126e783" providerId="ADAL" clId="{F1B7EFA3-B214-634E-BDB4-9AA61FCEBD50}" dt="2024-11-03T02:55:57.688" v="970" actId="11"/>
-        <pc:sldMkLst>
-          <pc:docMk/>
-          <pc:sldMk cId="1075985789" sldId="262"/>
-        </pc:sldMkLst>
-        <pc:spChg chg="add mod">
-          <ac:chgData name="Carroll, Claudia" userId="5513adb2-3315-47c6-853b-61e74126e783" providerId="ADAL" clId="{F1B7EFA3-B214-634E-BDB4-9AA61FCEBD50}" dt="2024-11-03T02:55:57.688" v="970" actId="11"/>
-          <ac:spMkLst>
-            <pc:docMk/>
-            <pc:sldMk cId="1075985789" sldId="262"/>
-            <ac:spMk id="3" creationId="{2749BB40-7626-A2CD-2237-3AEFD54F5F17}"/>
-          </ac:spMkLst>
-        </pc:spChg>
-        <pc:graphicFrameChg chg="del mod modGraphic">
-          <ac:chgData name="Carroll, Claudia" userId="5513adb2-3315-47c6-853b-61e74126e783" providerId="ADAL" clId="{F1B7EFA3-B214-634E-BDB4-9AA61FCEBD50}" dt="2024-11-03T02:50:26.276" v="491" actId="478"/>
+        <pc:graphicFrameChg chg="del">
+          <ac:chgData name="Carroll, Claudia" userId="5513adb2-3315-47c6-853b-61e74126e783" providerId="ADAL" clId="{FDB037B5-BC6E-529D-920A-0733451977A9}" dt="2025-11-03T02:59:15.828" v="70" actId="478"/>
           <ac:graphicFrameMkLst>
             <pc:docMk/>
-            <pc:sldMk cId="1075985789" sldId="262"/>
-            <ac:graphicFrameMk id="7" creationId="{AA648D55-2AF2-D1E6-A4D8-CC3A1F27F3F3}"/>
+            <pc:sldMk cId="1090698699" sldId="298"/>
+            <ac:graphicFrameMk id="4" creationId="{DE860761-4123-E35A-A669-316F50FD3797}"/>
           </ac:graphicFrameMkLst>
         </pc:graphicFrameChg>
-      </pc:sldChg>
-      <pc:sldChg chg="modSp mod">
-        <pc:chgData name="Carroll, Claudia" userId="5513adb2-3315-47c6-853b-61e74126e783" providerId="ADAL" clId="{F1B7EFA3-B214-634E-BDB4-9AA61FCEBD50}" dt="2024-11-03T03:06:54.381" v="1551" actId="20577"/>
-        <pc:sldMkLst>
-          <pc:docMk/>
-          <pc:sldMk cId="2077495510" sldId="267"/>
-        </pc:sldMkLst>
-        <pc:spChg chg="mod">
-          <ac:chgData name="Carroll, Claudia" userId="5513adb2-3315-47c6-853b-61e74126e783" providerId="ADAL" clId="{F1B7EFA3-B214-634E-BDB4-9AA61FCEBD50}" dt="2024-11-03T02:59:48.435" v="1272" actId="113"/>
-          <ac:spMkLst>
-            <pc:docMk/>
-            <pc:sldMk cId="2077495510" sldId="267"/>
-            <ac:spMk id="2" creationId="{E71D3CE9-A0CE-688A-8425-F676EA57FDDA}"/>
-          </ac:spMkLst>
-        </pc:spChg>
-        <pc:spChg chg="mod">
-          <ac:chgData name="Carroll, Claudia" userId="5513adb2-3315-47c6-853b-61e74126e783" providerId="ADAL" clId="{F1B7EFA3-B214-634E-BDB4-9AA61FCEBD50}" dt="2024-11-03T03:06:54.381" v="1551" actId="20577"/>
-          <ac:spMkLst>
-            <pc:docMk/>
-            <pc:sldMk cId="2077495510" sldId="267"/>
-            <ac:spMk id="3" creationId="{3E49142E-0FF7-3BD4-D714-FDB0A199AB58}"/>
-          </ac:spMkLst>
-        </pc:spChg>
-      </pc:sldChg>
-      <pc:sldChg chg="modSp mod">
-        <pc:chgData name="Carroll, Claudia" userId="5513adb2-3315-47c6-853b-61e74126e783" providerId="ADAL" clId="{F1B7EFA3-B214-634E-BDB4-9AA61FCEBD50}" dt="2024-11-03T02:56:43.236" v="1083" actId="20577"/>
-        <pc:sldMkLst>
-          <pc:docMk/>
-          <pc:sldMk cId="3839357258" sldId="268"/>
-        </pc:sldMkLst>
-        <pc:spChg chg="mod">
-          <ac:chgData name="Carroll, Claudia" userId="5513adb2-3315-47c6-853b-61e74126e783" providerId="ADAL" clId="{F1B7EFA3-B214-634E-BDB4-9AA61FCEBD50}" dt="2024-11-03T02:56:43.236" v="1083" actId="20577"/>
-          <ac:spMkLst>
-            <pc:docMk/>
-            <pc:sldMk cId="3839357258" sldId="268"/>
-            <ac:spMk id="3" creationId="{13B6A96C-8D86-7F21-3DA5-4A818CE6C4D6}"/>
-          </ac:spMkLst>
-        </pc:spChg>
-      </pc:sldChg>
-      <pc:sldChg chg="modSp mod">
-        <pc:chgData name="Carroll, Claudia" userId="5513adb2-3315-47c6-853b-61e74126e783" providerId="ADAL" clId="{F1B7EFA3-B214-634E-BDB4-9AA61FCEBD50}" dt="2024-11-03T02:57:10.779" v="1151" actId="20577"/>
-        <pc:sldMkLst>
-          <pc:docMk/>
-          <pc:sldMk cId="1715855539" sldId="279"/>
-        </pc:sldMkLst>
-        <pc:spChg chg="mod">
-          <ac:chgData name="Carroll, Claudia" userId="5513adb2-3315-47c6-853b-61e74126e783" providerId="ADAL" clId="{F1B7EFA3-B214-634E-BDB4-9AA61FCEBD50}" dt="2024-11-03T02:57:10.779" v="1151" actId="20577"/>
-          <ac:spMkLst>
-            <pc:docMk/>
-            <pc:sldMk cId="1715855539" sldId="279"/>
-            <ac:spMk id="3" creationId="{75E3AE28-7031-9892-6537-33C8011AFDDB}"/>
-          </ac:spMkLst>
-        </pc:spChg>
-      </pc:sldChg>
-      <pc:sldChg chg="del">
-        <pc:chgData name="Carroll, Claudia" userId="5513adb2-3315-47c6-853b-61e74126e783" providerId="ADAL" clId="{F1B7EFA3-B214-634E-BDB4-9AA61FCEBD50}" dt="2024-11-03T02:57:41.936" v="1195" actId="2696"/>
-        <pc:sldMkLst>
-          <pc:docMk/>
-          <pc:sldMk cId="3172886506" sldId="284"/>
-        </pc:sldMkLst>
-      </pc:sldChg>
-      <pc:sldChg chg="modSp mod">
-        <pc:chgData name="Carroll, Claudia" userId="5513adb2-3315-47c6-853b-61e74126e783" providerId="ADAL" clId="{F1B7EFA3-B214-634E-BDB4-9AA61FCEBD50}" dt="2024-11-03T03:06:12.077" v="1499" actId="20577"/>
-        <pc:sldMkLst>
-          <pc:docMk/>
-          <pc:sldMk cId="4155761544" sldId="287"/>
-        </pc:sldMkLst>
-        <pc:spChg chg="mod">
-          <ac:chgData name="Carroll, Claudia" userId="5513adb2-3315-47c6-853b-61e74126e783" providerId="ADAL" clId="{F1B7EFA3-B214-634E-BDB4-9AA61FCEBD50}" dt="2024-11-03T03:06:12.077" v="1499" actId="20577"/>
-          <ac:spMkLst>
-            <pc:docMk/>
-            <pc:sldMk cId="4155761544" sldId="287"/>
-            <ac:spMk id="2" creationId="{90170163-26B1-0710-1A4E-0E14077C4A6D}"/>
-          </ac:spMkLst>
-        </pc:spChg>
-        <pc:spChg chg="mod">
-          <ac:chgData name="Carroll, Claudia" userId="5513adb2-3315-47c6-853b-61e74126e783" providerId="ADAL" clId="{F1B7EFA3-B214-634E-BDB4-9AA61FCEBD50}" dt="2024-11-03T03:02:01.273" v="1290" actId="20577"/>
-          <ac:spMkLst>
-            <pc:docMk/>
-            <pc:sldMk cId="4155761544" sldId="287"/>
-            <ac:spMk id="3" creationId="{B54606DD-D6EC-D70C-7B82-5659099E459B}"/>
-          </ac:spMkLst>
-        </pc:spChg>
-      </pc:sldChg>
-      <pc:sldChg chg="modSp add mod ord">
-        <pc:chgData name="Carroll, Claudia" userId="5513adb2-3315-47c6-853b-61e74126e783" providerId="ADAL" clId="{F1B7EFA3-B214-634E-BDB4-9AA61FCEBD50}" dt="2024-11-03T02:57:37.181" v="1194" actId="20577"/>
-        <pc:sldMkLst>
-          <pc:docMk/>
-          <pc:sldMk cId="1781419879" sldId="288"/>
-        </pc:sldMkLst>
-        <pc:spChg chg="mod">
-          <ac:chgData name="Carroll, Claudia" userId="5513adb2-3315-47c6-853b-61e74126e783" providerId="ADAL" clId="{F1B7EFA3-B214-634E-BDB4-9AA61FCEBD50}" dt="2024-11-03T02:57:28.413" v="1163" actId="20577"/>
-          <ac:spMkLst>
-            <pc:docMk/>
-            <pc:sldMk cId="1781419879" sldId="288"/>
-            <ac:spMk id="2" creationId="{80A41CDD-3773-510B-4B7C-18D7C3D344E9}"/>
-          </ac:spMkLst>
-        </pc:spChg>
-        <pc:spChg chg="mod">
-          <ac:chgData name="Carroll, Claudia" userId="5513adb2-3315-47c6-853b-61e74126e783" providerId="ADAL" clId="{F1B7EFA3-B214-634E-BDB4-9AA61FCEBD50}" dt="2024-11-03T02:57:37.181" v="1194" actId="20577"/>
-          <ac:spMkLst>
-            <pc:docMk/>
-            <pc:sldMk cId="1781419879" sldId="288"/>
-            <ac:spMk id="3" creationId="{646F60EF-105A-0A4B-A926-D22C5F32B16B}"/>
-          </ac:spMkLst>
-        </pc:spChg>
-      </pc:sldChg>
-      <pc:sldChg chg="modSp add mod ord">
-        <pc:chgData name="Carroll, Claudia" userId="5513adb2-3315-47c6-853b-61e74126e783" providerId="ADAL" clId="{F1B7EFA3-B214-634E-BDB4-9AA61FCEBD50}" dt="2024-11-03T03:07:46.525" v="1570" actId="20577"/>
-        <pc:sldMkLst>
-          <pc:docMk/>
-          <pc:sldMk cId="1233050541" sldId="289"/>
-        </pc:sldMkLst>
-        <pc:spChg chg="mod">
-          <ac:chgData name="Carroll, Claudia" userId="5513adb2-3315-47c6-853b-61e74126e783" providerId="ADAL" clId="{F1B7EFA3-B214-634E-BDB4-9AA61FCEBD50}" dt="2024-11-03T03:07:37.388" v="1563" actId="113"/>
-          <ac:spMkLst>
-            <pc:docMk/>
-            <pc:sldMk cId="1233050541" sldId="289"/>
-            <ac:spMk id="2" creationId="{7A28C225-7FEC-52A3-B987-473B077F1908}"/>
-          </ac:spMkLst>
-        </pc:spChg>
-        <pc:spChg chg="mod">
-          <ac:chgData name="Carroll, Claudia" userId="5513adb2-3315-47c6-853b-61e74126e783" providerId="ADAL" clId="{F1B7EFA3-B214-634E-BDB4-9AA61FCEBD50}" dt="2024-11-03T03:07:46.525" v="1570" actId="20577"/>
-          <ac:spMkLst>
-            <pc:docMk/>
-            <pc:sldMk cId="1233050541" sldId="289"/>
-            <ac:spMk id="3" creationId="{0E673150-3883-F319-BB5A-DF12FA74F977}"/>
-          </ac:spMkLst>
-        </pc:spChg>
-      </pc:sldChg>
-      <pc:sldChg chg="modSp new mod">
-        <pc:chgData name="Carroll, Claudia" userId="5513adb2-3315-47c6-853b-61e74126e783" providerId="ADAL" clId="{F1B7EFA3-B214-634E-BDB4-9AA61FCEBD50}" dt="2024-11-03T03:06:27.902" v="1507" actId="20577"/>
-        <pc:sldMkLst>
-          <pc:docMk/>
-          <pc:sldMk cId="2620043797" sldId="290"/>
-        </pc:sldMkLst>
-        <pc:spChg chg="mod">
-          <ac:chgData name="Carroll, Claudia" userId="5513adb2-3315-47c6-853b-61e74126e783" providerId="ADAL" clId="{F1B7EFA3-B214-634E-BDB4-9AA61FCEBD50}" dt="2024-11-03T03:06:27.902" v="1507" actId="20577"/>
-          <ac:spMkLst>
-            <pc:docMk/>
-            <pc:sldMk cId="2620043797" sldId="290"/>
-            <ac:spMk id="2" creationId="{44CF086B-1BE5-457F-A394-A3366B7D1307}"/>
-          </ac:spMkLst>
-        </pc:spChg>
-        <pc:spChg chg="mod">
-          <ac:chgData name="Carroll, Claudia" userId="5513adb2-3315-47c6-853b-61e74126e783" providerId="ADAL" clId="{F1B7EFA3-B214-634E-BDB4-9AA61FCEBD50}" dt="2024-11-03T03:05:29.433" v="1447" actId="207"/>
-          <ac:spMkLst>
-            <pc:docMk/>
-            <pc:sldMk cId="2620043797" sldId="290"/>
-            <ac:spMk id="3" creationId="{4ABBB595-5D92-78DC-8EDE-C9C8806AB4A4}"/>
-          </ac:spMkLst>
-        </pc:spChg>
-      </pc:sldChg>
-      <pc:sldChg chg="modSp new mod">
-        <pc:chgData name="Carroll, Claudia" userId="5513adb2-3315-47c6-853b-61e74126e783" providerId="ADAL" clId="{F1B7EFA3-B214-634E-BDB4-9AA61FCEBD50}" dt="2024-11-03T03:09:13.223" v="1607" actId="113"/>
-        <pc:sldMkLst>
-          <pc:docMk/>
-          <pc:sldMk cId="1830920682" sldId="291"/>
-        </pc:sldMkLst>
-        <pc:spChg chg="mod">
-          <ac:chgData name="Carroll, Claudia" userId="5513adb2-3315-47c6-853b-61e74126e783" providerId="ADAL" clId="{F1B7EFA3-B214-634E-BDB4-9AA61FCEBD50}" dt="2024-11-03T03:08:58.652" v="1606" actId="20577"/>
-          <ac:spMkLst>
-            <pc:docMk/>
-            <pc:sldMk cId="1830920682" sldId="291"/>
-            <ac:spMk id="2" creationId="{C3ADF13C-081E-5DEF-312E-2F5493F33D69}"/>
-          </ac:spMkLst>
-        </pc:spChg>
-        <pc:spChg chg="mod">
-          <ac:chgData name="Carroll, Claudia" userId="5513adb2-3315-47c6-853b-61e74126e783" providerId="ADAL" clId="{F1B7EFA3-B214-634E-BDB4-9AA61FCEBD50}" dt="2024-11-03T03:09:13.223" v="1607" actId="113"/>
-          <ac:spMkLst>
-            <pc:docMk/>
-            <pc:sldMk cId="1830920682" sldId="291"/>
-            <ac:spMk id="3" creationId="{BB73002C-5BE4-7EAD-A836-ACEB91CF363F}"/>
-          </ac:spMkLst>
-        </pc:spChg>
-      </pc:sldChg>
-    </pc:docChg>
-  </pc:docChgLst>
-  <pc:docChgLst>
-    <pc:chgData name="Carroll, Claudia" userId="S::claudiac@wustl.edu::5513adb2-3315-47c6-853b-61e74126e783" providerId="AD" clId="Web-{2DE4DBE3-196C-A82A-0F29-CFD0656962D9}"/>
-    <pc:docChg chg="addSld delSld modSld sldOrd">
-      <pc:chgData name="Carroll, Claudia" userId="S::claudiac@wustl.edu::5513adb2-3315-47c6-853b-61e74126e783" providerId="AD" clId="Web-{2DE4DBE3-196C-A82A-0F29-CFD0656962D9}" dt="2024-01-22T08:23:39.963" v="583" actId="20577"/>
-      <pc:docMkLst>
-        <pc:docMk/>
-      </pc:docMkLst>
-      <pc:sldChg chg="modSp add mod modClrScheme chgLayout">
-        <pc:chgData name="Carroll, Claudia" userId="S::claudiac@wustl.edu::5513adb2-3315-47c6-853b-61e74126e783" providerId="AD" clId="Web-{2DE4DBE3-196C-A82A-0F29-CFD0656962D9}" dt="2024-01-22T06:39:12.243" v="1"/>
-        <pc:sldMkLst>
-          <pc:docMk/>
-          <pc:sldMk cId="109857222" sldId="256"/>
-        </pc:sldMkLst>
-        <pc:spChg chg="mod ord">
-          <ac:chgData name="Carroll, Claudia" userId="S::claudiac@wustl.edu::5513adb2-3315-47c6-853b-61e74126e783" providerId="AD" clId="Web-{2DE4DBE3-196C-A82A-0F29-CFD0656962D9}" dt="2024-01-22T06:39:12.243" v="1"/>
-          <ac:spMkLst>
-            <pc:docMk/>
-            <pc:sldMk cId="109857222" sldId="256"/>
-            <ac:spMk id="2" creationId="{00000000-0000-0000-0000-000000000000}"/>
-          </ac:spMkLst>
-        </pc:spChg>
-        <pc:spChg chg="mod ord">
-          <ac:chgData name="Carroll, Claudia" userId="S::claudiac@wustl.edu::5513adb2-3315-47c6-853b-61e74126e783" providerId="AD" clId="Web-{2DE4DBE3-196C-A82A-0F29-CFD0656962D9}" dt="2024-01-22T06:39:12.243" v="1"/>
-          <ac:spMkLst>
-            <pc:docMk/>
-            <pc:sldMk cId="109857222" sldId="256"/>
-            <ac:spMk id="3" creationId="{00000000-0000-0000-0000-000000000000}"/>
-          </ac:spMkLst>
-        </pc:spChg>
-      </pc:sldChg>
-      <pc:sldChg chg="modSp add">
-        <pc:chgData name="Carroll, Claudia" userId="S::claudiac@wustl.edu::5513adb2-3315-47c6-853b-61e74126e783" providerId="AD" clId="Web-{2DE4DBE3-196C-A82A-0F29-CFD0656962D9}" dt="2024-01-22T06:46:40.227" v="66"/>
-        <pc:sldMkLst>
-          <pc:docMk/>
-          <pc:sldMk cId="4266118051" sldId="257"/>
-        </pc:sldMkLst>
-        <pc:spChg chg="mod">
-          <ac:chgData name="Carroll, Claudia" userId="S::claudiac@wustl.edu::5513adb2-3315-47c6-853b-61e74126e783" providerId="AD" clId="Web-{2DE4DBE3-196C-A82A-0F29-CFD0656962D9}" dt="2024-01-22T06:46:40.227" v="66"/>
-          <ac:spMkLst>
-            <pc:docMk/>
-            <pc:sldMk cId="4266118051" sldId="257"/>
-            <ac:spMk id="2" creationId="{7DB235B4-5F36-2812-C826-AE8560B6F043}"/>
-          </ac:spMkLst>
-        </pc:spChg>
-        <pc:spChg chg="mod">
-          <ac:chgData name="Carroll, Claudia" userId="S::claudiac@wustl.edu::5513adb2-3315-47c6-853b-61e74126e783" providerId="AD" clId="Web-{2DE4DBE3-196C-A82A-0F29-CFD0656962D9}" dt="2024-01-22T06:41:14.513" v="21"/>
-          <ac:spMkLst>
-            <pc:docMk/>
-            <pc:sldMk cId="4266118051" sldId="257"/>
-            <ac:spMk id="3" creationId="{CFC94F8C-4F28-1791-A278-0523A758DE44}"/>
-          </ac:spMkLst>
-        </pc:spChg>
-      </pc:sldChg>
-      <pc:sldChg chg="modSp add">
-        <pc:chgData name="Carroll, Claudia" userId="S::claudiac@wustl.edu::5513adb2-3315-47c6-853b-61e74126e783" providerId="AD" clId="Web-{2DE4DBE3-196C-A82A-0F29-CFD0656962D9}" dt="2024-01-22T06:46:35.587" v="65"/>
-        <pc:sldMkLst>
-          <pc:docMk/>
-          <pc:sldMk cId="1419661138" sldId="258"/>
-        </pc:sldMkLst>
-        <pc:spChg chg="mod">
-          <ac:chgData name="Carroll, Claudia" userId="S::claudiac@wustl.edu::5513adb2-3315-47c6-853b-61e74126e783" providerId="AD" clId="Web-{2DE4DBE3-196C-A82A-0F29-CFD0656962D9}" dt="2024-01-22T06:46:35.587" v="65"/>
-          <ac:spMkLst>
-            <pc:docMk/>
-            <pc:sldMk cId="1419661138" sldId="258"/>
-            <ac:spMk id="2" creationId="{E502B127-D811-DD9E-705C-5BAAC48EB653}"/>
-          </ac:spMkLst>
-        </pc:spChg>
-        <pc:picChg chg="mod">
-          <ac:chgData name="Carroll, Claudia" userId="S::claudiac@wustl.edu::5513adb2-3315-47c6-853b-61e74126e783" providerId="AD" clId="Web-{2DE4DBE3-196C-A82A-0F29-CFD0656962D9}" dt="2024-01-22T06:41:29.748" v="23" actId="1076"/>
+        <pc:picChg chg="add mod">
+          <ac:chgData name="Carroll, Claudia" userId="5513adb2-3315-47c6-853b-61e74126e783" providerId="ADAL" clId="{FDB037B5-BC6E-529D-920A-0733451977A9}" dt="2025-11-03T02:59:27.418" v="75" actId="1076"/>
           <ac:picMkLst>
             <pc:docMk/>
-            <pc:sldMk cId="1419661138" sldId="258"/>
-            <ac:picMk id="4" creationId="{1FA41F62-AAB3-2B39-8CF8-870C5B97C382}"/>
+            <pc:sldMk cId="1090698699" sldId="298"/>
+            <ac:picMk id="1026" creationId="{0C2BF2A6-DB2C-BED6-BE6A-207E28E96939}"/>
           </ac:picMkLst>
         </pc:picChg>
       </pc:sldChg>
-      <pc:sldChg chg="del">
-        <pc:chgData name="Carroll, Claudia" userId="S::claudiac@wustl.edu::5513adb2-3315-47c6-853b-61e74126e783" providerId="AD" clId="Web-{2DE4DBE3-196C-A82A-0F29-CFD0656962D9}" dt="2024-01-22T06:39:19.337" v="2"/>
+      <pc:sldChg chg="addSp delSp modSp add mod ord">
+        <pc:chgData name="Carroll, Claudia" userId="5513adb2-3315-47c6-853b-61e74126e783" providerId="ADAL" clId="{FDB037B5-BC6E-529D-920A-0733451977A9}" dt="2025-11-03T03:03:21.848" v="361" actId="20578"/>
         <pc:sldMkLst>
           <pc:docMk/>
-          <pc:sldMk cId="1584286757" sldId="259"/>
+          <pc:sldMk cId="3780415026" sldId="299"/>
         </pc:sldMkLst>
-      </pc:sldChg>
-      <pc:sldChg chg="modSp add ord">
-        <pc:chgData name="Carroll, Claudia" userId="S::claudiac@wustl.edu::5513adb2-3315-47c6-853b-61e74126e783" providerId="AD" clId="Web-{2DE4DBE3-196C-A82A-0F29-CFD0656962D9}" dt="2024-01-22T07:02:51.963" v="269"/>
-        <pc:sldMkLst>
-          <pc:docMk/>
-          <pc:sldMk cId="3240474744" sldId="259"/>
-        </pc:sldMkLst>
-        <pc:spChg chg="mod">
-          <ac:chgData name="Carroll, Claudia" userId="S::claudiac@wustl.edu::5513adb2-3315-47c6-853b-61e74126e783" providerId="AD" clId="Web-{2DE4DBE3-196C-A82A-0F29-CFD0656962D9}" dt="2024-01-22T06:46:57.259" v="70" actId="20577"/>
+        <pc:spChg chg="add del mod">
+          <ac:chgData name="Carroll, Claudia" userId="5513adb2-3315-47c6-853b-61e74126e783" providerId="ADAL" clId="{FDB037B5-BC6E-529D-920A-0733451977A9}" dt="2025-11-03T03:03:00.655" v="356" actId="478"/>
           <ac:spMkLst>
             <pc:docMk/>
-            <pc:sldMk cId="3240474744" sldId="259"/>
-            <ac:spMk id="3" creationId="{6B2269CA-A6E4-5F83-9E02-D5591D5EF374}"/>
+            <pc:sldMk cId="3780415026" sldId="299"/>
+            <ac:spMk id="4" creationId="{F973F42B-328E-44BD-1043-492066A15D2D}"/>
           </ac:spMkLst>
         </pc:spChg>
-        <pc:spChg chg="mod">
-          <ac:chgData name="Carroll, Claudia" userId="S::claudiac@wustl.edu::5513adb2-3315-47c6-853b-61e74126e783" providerId="AD" clId="Web-{2DE4DBE3-196C-A82A-0F29-CFD0656962D9}" dt="2024-01-22T06:46:47.353" v="67"/>
+        <pc:spChg chg="del">
+          <ac:chgData name="Carroll, Claudia" userId="5513adb2-3315-47c6-853b-61e74126e783" providerId="ADAL" clId="{FDB037B5-BC6E-529D-920A-0733451977A9}" dt="2025-11-03T03:02:58.314" v="355" actId="478"/>
           <ac:spMkLst>
             <pc:docMk/>
-            <pc:sldMk cId="3240474744" sldId="259"/>
-            <ac:spMk id="5" creationId="{09F55389-22CC-AB78-DBF6-B2FCEF669DFC}"/>
+            <pc:sldMk cId="3780415026" sldId="299"/>
+            <ac:spMk id="5" creationId="{41695123-3A20-BA3D-9EB0-381BF4A8822B}"/>
           </ac:spMkLst>
         </pc:spChg>
-      </pc:sldChg>
-      <pc:sldChg chg="del">
-        <pc:chgData name="Carroll, Claudia" userId="S::claudiac@wustl.edu::5513adb2-3315-47c6-853b-61e74126e783" providerId="AD" clId="Web-{2DE4DBE3-196C-A82A-0F29-CFD0656962D9}" dt="2024-01-22T06:39:31.182" v="3"/>
-        <pc:sldMkLst>
-          <pc:docMk/>
-          <pc:sldMk cId="1035593031" sldId="260"/>
-        </pc:sldMkLst>
-      </pc:sldChg>
-      <pc:sldChg chg="modSp add">
-        <pc:chgData name="Carroll, Claudia" userId="S::claudiac@wustl.edu::5513adb2-3315-47c6-853b-61e74126e783" providerId="AD" clId="Web-{2DE4DBE3-196C-A82A-0F29-CFD0656962D9}" dt="2024-01-22T07:00:34.271" v="247"/>
-        <pc:sldMkLst>
-          <pc:docMk/>
-          <pc:sldMk cId="1768155783" sldId="260"/>
-        </pc:sldMkLst>
-        <pc:spChg chg="mod">
-          <ac:chgData name="Carroll, Claudia" userId="S::claudiac@wustl.edu::5513adb2-3315-47c6-853b-61e74126e783" providerId="AD" clId="Web-{2DE4DBE3-196C-A82A-0F29-CFD0656962D9}" dt="2024-01-22T06:47:22.307" v="76" actId="20577"/>
-          <ac:spMkLst>
-            <pc:docMk/>
-            <pc:sldMk cId="1768155783" sldId="260"/>
-            <ac:spMk id="2" creationId="{D2049B13-415D-20B0-E2FC-09B1657637D4}"/>
-          </ac:spMkLst>
-        </pc:spChg>
-        <pc:spChg chg="mod">
-          <ac:chgData name="Carroll, Claudia" userId="S::claudiac@wustl.edu::5513adb2-3315-47c6-853b-61e74126e783" providerId="AD" clId="Web-{2DE4DBE3-196C-A82A-0F29-CFD0656962D9}" dt="2024-01-22T07:00:34.271" v="247"/>
-          <ac:spMkLst>
-            <pc:docMk/>
-            <pc:sldMk cId="1768155783" sldId="260"/>
-            <ac:spMk id="3" creationId="{5B437E91-C3E2-8471-1F8E-7CC7BB0DE813}"/>
-          </ac:spMkLst>
-        </pc:spChg>
-      </pc:sldChg>
-      <pc:sldChg chg="del">
-        <pc:chgData name="Carroll, Claudia" userId="S::claudiac@wustl.edu::5513adb2-3315-47c6-853b-61e74126e783" providerId="AD" clId="Web-{2DE4DBE3-196C-A82A-0F29-CFD0656962D9}" dt="2024-01-22T06:39:49.401" v="7"/>
-        <pc:sldMkLst>
-          <pc:docMk/>
-          <pc:sldMk cId="1183157484" sldId="261"/>
-        </pc:sldMkLst>
-      </pc:sldChg>
-      <pc:sldChg chg="modSp add">
-        <pc:chgData name="Carroll, Claudia" userId="S::claudiac@wustl.edu::5513adb2-3315-47c6-853b-61e74126e783" providerId="AD" clId="Web-{2DE4DBE3-196C-A82A-0F29-CFD0656962D9}" dt="2024-01-22T06:48:49.013" v="104" actId="20577"/>
-        <pc:sldMkLst>
-          <pc:docMk/>
-          <pc:sldMk cId="2187364593" sldId="261"/>
-        </pc:sldMkLst>
-        <pc:spChg chg="mod">
-          <ac:chgData name="Carroll, Claudia" userId="S::claudiac@wustl.edu::5513adb2-3315-47c6-853b-61e74126e783" providerId="AD" clId="Web-{2DE4DBE3-196C-A82A-0F29-CFD0656962D9}" dt="2024-01-22T06:47:59.027" v="84"/>
-          <ac:spMkLst>
-            <pc:docMk/>
-            <pc:sldMk cId="2187364593" sldId="261"/>
-            <ac:spMk id="2" creationId="{2F15FD6A-22D6-CF26-AB72-1F5BFC6B2AAF}"/>
-          </ac:spMkLst>
-        </pc:spChg>
-        <pc:spChg chg="mod">
-          <ac:chgData name="Carroll, Claudia" userId="S::claudiac@wustl.edu::5513adb2-3315-47c6-853b-61e74126e783" providerId="AD" clId="Web-{2DE4DBE3-196C-A82A-0F29-CFD0656962D9}" dt="2024-01-22T06:48:49.013" v="104" actId="20577"/>
-          <ac:spMkLst>
-            <pc:docMk/>
-            <pc:sldMk cId="2187364593" sldId="261"/>
-            <ac:spMk id="3" creationId="{850205FB-88B8-A56C-93D0-6EDD16A1678B}"/>
-          </ac:spMkLst>
-        </pc:spChg>
-      </pc:sldChg>
-      <pc:sldChg chg="modSp add ord">
-        <pc:chgData name="Carroll, Claudia" userId="S::claudiac@wustl.edu::5513adb2-3315-47c6-853b-61e74126e783" providerId="AD" clId="Web-{2DE4DBE3-196C-A82A-0F29-CFD0656962D9}" dt="2024-01-22T07:02:44.838" v="268"/>
-        <pc:sldMkLst>
-          <pc:docMk/>
-          <pc:sldMk cId="1075985789" sldId="262"/>
-        </pc:sldMkLst>
-        <pc:spChg chg="mod">
-          <ac:chgData name="Carroll, Claudia" userId="S::claudiac@wustl.edu::5513adb2-3315-47c6-853b-61e74126e783" providerId="AD" clId="Web-{2DE4DBE3-196C-A82A-0F29-CFD0656962D9}" dt="2024-01-22T06:47:27.713" v="77"/>
-          <ac:spMkLst>
-            <pc:docMk/>
-            <pc:sldMk cId="1075985789" sldId="262"/>
-            <ac:spMk id="2" creationId="{E991BDDB-6BD5-043A-AD29-EFF4C154CD58}"/>
-          </ac:spMkLst>
-        </pc:spChg>
-      </pc:sldChg>
-      <pc:sldChg chg="del">
-        <pc:chgData name="Carroll, Claudia" userId="S::claudiac@wustl.edu::5513adb2-3315-47c6-853b-61e74126e783" providerId="AD" clId="Web-{2DE4DBE3-196C-A82A-0F29-CFD0656962D9}" dt="2024-01-22T06:40:16.386" v="11"/>
-        <pc:sldMkLst>
-          <pc:docMk/>
-          <pc:sldMk cId="1123038945" sldId="262"/>
-        </pc:sldMkLst>
-      </pc:sldChg>
-      <pc:sldChg chg="del">
-        <pc:chgData name="Carroll, Claudia" userId="S::claudiac@wustl.edu::5513adb2-3315-47c6-853b-61e74126e783" providerId="AD" clId="Web-{2DE4DBE3-196C-A82A-0F29-CFD0656962D9}" dt="2024-01-22T06:40:38.403" v="19"/>
-        <pc:sldMkLst>
-          <pc:docMk/>
-          <pc:sldMk cId="4102474458" sldId="263"/>
-        </pc:sldMkLst>
-      </pc:sldChg>
-      <pc:sldChg chg="del">
-        <pc:chgData name="Carroll, Claudia" userId="S::claudiac@wustl.edu::5513adb2-3315-47c6-853b-61e74126e783" providerId="AD" clId="Web-{2DE4DBE3-196C-A82A-0F29-CFD0656962D9}" dt="2024-01-22T06:43:07.439" v="37"/>
-        <pc:sldMkLst>
-          <pc:docMk/>
-          <pc:sldMk cId="1667539675" sldId="264"/>
-        </pc:sldMkLst>
-      </pc:sldChg>
-      <pc:sldChg chg="del">
-        <pc:chgData name="Carroll, Claudia" userId="S::claudiac@wustl.edu::5513adb2-3315-47c6-853b-61e74126e783" providerId="AD" clId="Web-{2DE4DBE3-196C-A82A-0F29-CFD0656962D9}" dt="2024-01-22T06:45:45.272" v="63"/>
-        <pc:sldMkLst>
-          <pc:docMk/>
-          <pc:sldMk cId="51798783" sldId="265"/>
-        </pc:sldMkLst>
-      </pc:sldChg>
-      <pc:sldChg chg="del">
-        <pc:chgData name="Carroll, Claudia" userId="S::claudiac@wustl.edu::5513adb2-3315-47c6-853b-61e74126e783" providerId="AD" clId="Web-{2DE4DBE3-196C-A82A-0F29-CFD0656962D9}" dt="2024-01-22T06:45:48.319" v="64"/>
-        <pc:sldMkLst>
-          <pc:docMk/>
-          <pc:sldMk cId="4190642258" sldId="266"/>
-        </pc:sldMkLst>
-      </pc:sldChg>
-      <pc:sldChg chg="new del">
-        <pc:chgData name="Carroll, Claudia" userId="S::claudiac@wustl.edu::5513adb2-3315-47c6-853b-61e74126e783" providerId="AD" clId="Web-{2DE4DBE3-196C-A82A-0F29-CFD0656962D9}" dt="2024-01-22T06:40:15.605" v="10"/>
-        <pc:sldMkLst>
-          <pc:docMk/>
-          <pc:sldMk cId="684634084" sldId="267"/>
-        </pc:sldMkLst>
-      </pc:sldChg>
-      <pc:sldChg chg="add del">
-        <pc:chgData name="Carroll, Claudia" userId="S::claudiac@wustl.edu::5513adb2-3315-47c6-853b-61e74126e783" providerId="AD" clId="Web-{2DE4DBE3-196C-A82A-0F29-CFD0656962D9}" dt="2024-01-22T06:39:45.838" v="6"/>
-        <pc:sldMkLst>
-          <pc:docMk/>
-          <pc:sldMk cId="969047029" sldId="267"/>
-        </pc:sldMkLst>
-      </pc:sldChg>
-      <pc:sldChg chg="modSp add">
-        <pc:chgData name="Carroll, Claudia" userId="S::claudiac@wustl.edu::5513adb2-3315-47c6-853b-61e74126e783" providerId="AD" clId="Web-{2DE4DBE3-196C-A82A-0F29-CFD0656962D9}" dt="2024-01-22T06:49:23.873" v="109" actId="20577"/>
-        <pc:sldMkLst>
-          <pc:docMk/>
-          <pc:sldMk cId="2077495510" sldId="267"/>
-        </pc:sldMkLst>
-        <pc:spChg chg="mod">
-          <ac:chgData name="Carroll, Claudia" userId="S::claudiac@wustl.edu::5513adb2-3315-47c6-853b-61e74126e783" providerId="AD" clId="Web-{2DE4DBE3-196C-A82A-0F29-CFD0656962D9}" dt="2024-01-22T06:49:04.498" v="106"/>
-          <ac:spMkLst>
-            <pc:docMk/>
-            <pc:sldMk cId="2077495510" sldId="267"/>
-            <ac:spMk id="2" creationId="{E71D3CE9-A0CE-688A-8425-F676EA57FDDA}"/>
-          </ac:spMkLst>
-        </pc:spChg>
-        <pc:spChg chg="mod">
-          <ac:chgData name="Carroll, Claudia" userId="S::claudiac@wustl.edu::5513adb2-3315-47c6-853b-61e74126e783" providerId="AD" clId="Web-{2DE4DBE3-196C-A82A-0F29-CFD0656962D9}" dt="2024-01-22T06:49:23.873" v="109" actId="20577"/>
-          <ac:spMkLst>
-            <pc:docMk/>
-            <pc:sldMk cId="2077495510" sldId="267"/>
-            <ac:spMk id="3" creationId="{3E49142E-0FF7-3BD4-D714-FDB0A199AB58}"/>
-          </ac:spMkLst>
-        </pc:spChg>
-      </pc:sldChg>
-      <pc:sldChg chg="modSp add">
-        <pc:chgData name="Carroll, Claudia" userId="S::claudiac@wustl.edu::5513adb2-3315-47c6-853b-61e74126e783" providerId="AD" clId="Web-{2DE4DBE3-196C-A82A-0F29-CFD0656962D9}" dt="2024-01-22T06:47:55.792" v="83" actId="20577"/>
-        <pc:sldMkLst>
-          <pc:docMk/>
-          <pc:sldMk cId="3839357258" sldId="268"/>
-        </pc:sldMkLst>
-        <pc:spChg chg="mod">
-          <ac:chgData name="Carroll, Claudia" userId="S::claudiac@wustl.edu::5513adb2-3315-47c6-853b-61e74126e783" providerId="AD" clId="Web-{2DE4DBE3-196C-A82A-0F29-CFD0656962D9}" dt="2024-01-22T06:47:36.854" v="78"/>
-          <ac:spMkLst>
-            <pc:docMk/>
-            <pc:sldMk cId="3839357258" sldId="268"/>
-            <ac:spMk id="2" creationId="{FF02E442-5BD2-C7E7-D487-182D2EC0E4FF}"/>
-          </ac:spMkLst>
-        </pc:spChg>
-        <pc:spChg chg="mod">
-          <ac:chgData name="Carroll, Claudia" userId="S::claudiac@wustl.edu::5513adb2-3315-47c6-853b-61e74126e783" providerId="AD" clId="Web-{2DE4DBE3-196C-A82A-0F29-CFD0656962D9}" dt="2024-01-22T06:47:55.792" v="83" actId="20577"/>
-          <ac:spMkLst>
-            <pc:docMk/>
-            <pc:sldMk cId="3839357258" sldId="268"/>
-            <ac:spMk id="3" creationId="{13B6A96C-8D86-7F21-3DA5-4A818CE6C4D6}"/>
-          </ac:spMkLst>
-        </pc:spChg>
-      </pc:sldChg>
-      <pc:sldChg chg="modSp add">
-        <pc:chgData name="Carroll, Claudia" userId="S::claudiac@wustl.edu::5513adb2-3315-47c6-853b-61e74126e783" providerId="AD" clId="Web-{2DE4DBE3-196C-A82A-0F29-CFD0656962D9}" dt="2024-01-22T06:57:23.374" v="213" actId="20577"/>
-        <pc:sldMkLst>
-          <pc:docMk/>
-          <pc:sldMk cId="1063925012" sldId="269"/>
-        </pc:sldMkLst>
-        <pc:spChg chg="mod">
-          <ac:chgData name="Carroll, Claudia" userId="S::claudiac@wustl.edu::5513adb2-3315-47c6-853b-61e74126e783" providerId="AD" clId="Web-{2DE4DBE3-196C-A82A-0F29-CFD0656962D9}" dt="2024-01-22T06:53:56.430" v="160"/>
-          <ac:spMkLst>
-            <pc:docMk/>
-            <pc:sldMk cId="1063925012" sldId="269"/>
-            <ac:spMk id="2" creationId="{F10936FC-91BC-6F18-E4B0-10EF4EB1AAF7}"/>
-          </ac:spMkLst>
-        </pc:spChg>
-        <pc:spChg chg="mod">
-          <ac:chgData name="Carroll, Claudia" userId="S::claudiac@wustl.edu::5513adb2-3315-47c6-853b-61e74126e783" providerId="AD" clId="Web-{2DE4DBE3-196C-A82A-0F29-CFD0656962D9}" dt="2024-01-22T06:57:23.374" v="213" actId="20577"/>
-          <ac:spMkLst>
-            <pc:docMk/>
-            <pc:sldMk cId="1063925012" sldId="269"/>
-            <ac:spMk id="3" creationId="{19BF0F97-5BAA-06CC-A512-D46EC0C17E37}"/>
-          </ac:spMkLst>
-        </pc:spChg>
-      </pc:sldChg>
-      <pc:sldChg chg="modSp add ord">
-        <pc:chgData name="Carroll, Claudia" userId="S::claudiac@wustl.edu::5513adb2-3315-47c6-853b-61e74126e783" providerId="AD" clId="Web-{2DE4DBE3-196C-A82A-0F29-CFD0656962D9}" dt="2024-01-22T07:02:14.290" v="266" actId="20577"/>
-        <pc:sldMkLst>
-          <pc:docMk/>
-          <pc:sldMk cId="2821551489" sldId="270"/>
-        </pc:sldMkLst>
-        <pc:spChg chg="mod">
-          <ac:chgData name="Carroll, Claudia" userId="S::claudiac@wustl.edu::5513adb2-3315-47c6-853b-61e74126e783" providerId="AD" clId="Web-{2DE4DBE3-196C-A82A-0F29-CFD0656962D9}" dt="2024-01-22T06:54:07.336" v="163"/>
-          <ac:spMkLst>
-            <pc:docMk/>
-            <pc:sldMk cId="2821551489" sldId="270"/>
-            <ac:spMk id="2" creationId="{02F7649D-1216-701F-DDC7-3D654E6CA8B4}"/>
-          </ac:spMkLst>
-        </pc:spChg>
-        <pc:spChg chg="mod">
-          <ac:chgData name="Carroll, Claudia" userId="S::claudiac@wustl.edu::5513adb2-3315-47c6-853b-61e74126e783" providerId="AD" clId="Web-{2DE4DBE3-196C-A82A-0F29-CFD0656962D9}" dt="2024-01-22T07:02:14.290" v="266" actId="20577"/>
-          <ac:spMkLst>
-            <pc:docMk/>
-            <pc:sldMk cId="2821551489" sldId="270"/>
-            <ac:spMk id="3" creationId="{FC6F496C-2869-217F-4678-F4A2C39A0FE9}"/>
-          </ac:spMkLst>
-        </pc:spChg>
-      </pc:sldChg>
-      <pc:sldChg chg="modSp add">
-        <pc:chgData name="Carroll, Claudia" userId="S::claudiac@wustl.edu::5513adb2-3315-47c6-853b-61e74126e783" providerId="AD" clId="Web-{2DE4DBE3-196C-A82A-0F29-CFD0656962D9}" dt="2024-01-22T06:44:44.270" v="53" actId="1076"/>
-        <pc:sldMkLst>
-          <pc:docMk/>
-          <pc:sldMk cId="817878283" sldId="271"/>
-        </pc:sldMkLst>
-        <pc:spChg chg="mod">
-          <ac:chgData name="Carroll, Claudia" userId="S::claudiac@wustl.edu::5513adb2-3315-47c6-853b-61e74126e783" providerId="AD" clId="Web-{2DE4DBE3-196C-A82A-0F29-CFD0656962D9}" dt="2024-01-22T06:44:44.270" v="53" actId="1076"/>
-          <ac:spMkLst>
-            <pc:docMk/>
-            <pc:sldMk cId="817878283" sldId="271"/>
-            <ac:spMk id="6" creationId="{82C79800-D8B1-99BE-680D-B545EE87A5AA}"/>
-          </ac:spMkLst>
-        </pc:spChg>
-        <pc:picChg chg="mod">
-          <ac:chgData name="Carroll, Claudia" userId="S::claudiac@wustl.edu::5513adb2-3315-47c6-853b-61e74126e783" providerId="AD" clId="Web-{2DE4DBE3-196C-A82A-0F29-CFD0656962D9}" dt="2024-01-22T06:44:18.519" v="47" actId="1076"/>
+        <pc:picChg chg="add mod">
+          <ac:chgData name="Carroll, Claudia" userId="5513adb2-3315-47c6-853b-61e74126e783" providerId="ADAL" clId="{FDB037B5-BC6E-529D-920A-0733451977A9}" dt="2025-11-03T03:03:11.673" v="360" actId="1076"/>
           <ac:picMkLst>
             <pc:docMk/>
-            <pc:sldMk cId="817878283" sldId="271"/>
-            <ac:picMk id="4" creationId="{10E72BF6-8875-031E-13D7-4A1D8CC8368D}"/>
+            <pc:sldMk cId="3780415026" sldId="299"/>
+            <ac:picMk id="7" creationId="{DDC248A4-B565-0B12-F9CD-AE227B9B7D86}"/>
           </ac:picMkLst>
         </pc:picChg>
-      </pc:sldChg>
-      <pc:sldChg chg="modSp add">
-        <pc:chgData name="Carroll, Claudia" userId="S::claudiac@wustl.edu::5513adb2-3315-47c6-853b-61e74126e783" providerId="AD" clId="Web-{2DE4DBE3-196C-A82A-0F29-CFD0656962D9}" dt="2024-01-22T06:59:07.003" v="235"/>
-        <pc:sldMkLst>
-          <pc:docMk/>
-          <pc:sldMk cId="913908910" sldId="273"/>
-        </pc:sldMkLst>
-        <pc:spChg chg="mod">
-          <ac:chgData name="Carroll, Claudia" userId="S::claudiac@wustl.edu::5513adb2-3315-47c6-853b-61e74126e783" providerId="AD" clId="Web-{2DE4DBE3-196C-A82A-0F29-CFD0656962D9}" dt="2024-01-22T06:59:07.003" v="235"/>
-          <ac:spMkLst>
-            <pc:docMk/>
-            <pc:sldMk cId="913908910" sldId="273"/>
-            <ac:spMk id="2" creationId="{70659ADD-6D61-5771-1643-9A1D2741B771}"/>
-          </ac:spMkLst>
-        </pc:spChg>
-      </pc:sldChg>
-      <pc:sldChg chg="modSp add">
-        <pc:chgData name="Carroll, Claudia" userId="S::claudiac@wustl.edu::5513adb2-3315-47c6-853b-61e74126e783" providerId="AD" clId="Web-{2DE4DBE3-196C-A82A-0F29-CFD0656962D9}" dt="2024-01-22T06:58:56.799" v="234" actId="20577"/>
-        <pc:sldMkLst>
-          <pc:docMk/>
-          <pc:sldMk cId="3570399089" sldId="274"/>
-        </pc:sldMkLst>
-        <pc:spChg chg="mod">
-          <ac:chgData name="Carroll, Claudia" userId="S::claudiac@wustl.edu::5513adb2-3315-47c6-853b-61e74126e783" providerId="AD" clId="Web-{2DE4DBE3-196C-A82A-0F29-CFD0656962D9}" dt="2024-01-22T06:58:47.721" v="231"/>
-          <ac:spMkLst>
-            <pc:docMk/>
-            <pc:sldMk cId="3570399089" sldId="274"/>
-            <ac:spMk id="2" creationId="{B9D39F5F-3657-DCE3-3903-1419EDD3E3DD}"/>
-          </ac:spMkLst>
-        </pc:spChg>
-        <pc:spChg chg="mod">
-          <ac:chgData name="Carroll, Claudia" userId="S::claudiac@wustl.edu::5513adb2-3315-47c6-853b-61e74126e783" providerId="AD" clId="Web-{2DE4DBE3-196C-A82A-0F29-CFD0656962D9}" dt="2024-01-22T06:58:56.799" v="234" actId="20577"/>
-          <ac:spMkLst>
-            <pc:docMk/>
-            <pc:sldMk cId="3570399089" sldId="274"/>
-            <ac:spMk id="5" creationId="{891BC23B-5848-A776-22EE-7267A96F6DBF}"/>
-          </ac:spMkLst>
-        </pc:spChg>
-      </pc:sldChg>
-      <pc:sldChg chg="add">
-        <pc:chgData name="Carroll, Claudia" userId="S::claudiac@wustl.edu::5513adb2-3315-47c6-853b-61e74126e783" providerId="AD" clId="Web-{2DE4DBE3-196C-A82A-0F29-CFD0656962D9}" dt="2024-01-22T06:42:27.359" v="30"/>
-        <pc:sldMkLst>
-          <pc:docMk/>
-          <pc:sldMk cId="2164786919" sldId="276"/>
-        </pc:sldMkLst>
-      </pc:sldChg>
-      <pc:sldChg chg="modSp add">
-        <pc:chgData name="Carroll, Claudia" userId="S::claudiac@wustl.edu::5513adb2-3315-47c6-853b-61e74126e783" providerId="AD" clId="Web-{2DE4DBE3-196C-A82A-0F29-CFD0656962D9}" dt="2024-01-22T06:44:57.833" v="57" actId="20577"/>
-        <pc:sldMkLst>
-          <pc:docMk/>
-          <pc:sldMk cId="3918721913" sldId="277"/>
-        </pc:sldMkLst>
-        <pc:spChg chg="mod">
-          <ac:chgData name="Carroll, Claudia" userId="S::claudiac@wustl.edu::5513adb2-3315-47c6-853b-61e74126e783" providerId="AD" clId="Web-{2DE4DBE3-196C-A82A-0F29-CFD0656962D9}" dt="2024-01-22T06:44:51.505" v="55" actId="20577"/>
-          <ac:spMkLst>
-            <pc:docMk/>
-            <pc:sldMk cId="3918721913" sldId="277"/>
-            <ac:spMk id="2" creationId="{68BBC2B6-042D-349A-DEAC-41DF1460151E}"/>
-          </ac:spMkLst>
-        </pc:spChg>
-        <pc:spChg chg="mod">
-          <ac:chgData name="Carroll, Claudia" userId="S::claudiac@wustl.edu::5513adb2-3315-47c6-853b-61e74126e783" providerId="AD" clId="Web-{2DE4DBE3-196C-A82A-0F29-CFD0656962D9}" dt="2024-01-22T06:44:57.833" v="57" actId="20577"/>
-          <ac:spMkLst>
-            <pc:docMk/>
-            <pc:sldMk cId="3918721913" sldId="277"/>
-            <ac:spMk id="3" creationId="{0F66D310-EF51-88EB-4FC0-C2858B730094}"/>
-          </ac:spMkLst>
-        </pc:spChg>
-      </pc:sldChg>
-      <pc:sldChg chg="modSp add">
-        <pc:chgData name="Carroll, Claudia" userId="S::claudiac@wustl.edu::5513adb2-3315-47c6-853b-61e74126e783" providerId="AD" clId="Web-{2DE4DBE3-196C-A82A-0F29-CFD0656962D9}" dt="2024-01-22T06:43:26.143" v="41" actId="20577"/>
-        <pc:sldMkLst>
-          <pc:docMk/>
-          <pc:sldMk cId="1715855539" sldId="279"/>
-        </pc:sldMkLst>
-        <pc:spChg chg="mod">
-          <ac:chgData name="Carroll, Claudia" userId="S::claudiac@wustl.edu::5513adb2-3315-47c6-853b-61e74126e783" providerId="AD" clId="Web-{2DE4DBE3-196C-A82A-0F29-CFD0656962D9}" dt="2024-01-22T06:43:26.143" v="41" actId="20577"/>
-          <ac:spMkLst>
-            <pc:docMk/>
-            <pc:sldMk cId="1715855539" sldId="279"/>
-            <ac:spMk id="3" creationId="{75E3AE28-7031-9892-6537-33C8011AFDDB}"/>
-          </ac:spMkLst>
-        </pc:spChg>
-      </pc:sldChg>
-      <pc:sldChg chg="modSp add">
-        <pc:chgData name="Carroll, Claudia" userId="S::claudiac@wustl.edu::5513adb2-3315-47c6-853b-61e74126e783" providerId="AD" clId="Web-{2DE4DBE3-196C-A82A-0F29-CFD0656962D9}" dt="2024-01-22T07:09:33.764" v="287"/>
-        <pc:sldMkLst>
-          <pc:docMk/>
-          <pc:sldMk cId="1013305701" sldId="280"/>
-        </pc:sldMkLst>
-        <pc:spChg chg="mod">
-          <ac:chgData name="Carroll, Claudia" userId="S::claudiac@wustl.edu::5513adb2-3315-47c6-853b-61e74126e783" providerId="AD" clId="Web-{2DE4DBE3-196C-A82A-0F29-CFD0656962D9}" dt="2024-01-22T07:09:33.764" v="287"/>
-          <ac:spMkLst>
-            <pc:docMk/>
-            <pc:sldMk cId="1013305701" sldId="280"/>
-            <ac:spMk id="2" creationId="{14001CB8-5500-C1A6-DCD2-EB48EA2F4784}"/>
-          </ac:spMkLst>
-        </pc:spChg>
-        <pc:spChg chg="mod">
-          <ac:chgData name="Carroll, Claudia" userId="S::claudiac@wustl.edu::5513adb2-3315-47c6-853b-61e74126e783" providerId="AD" clId="Web-{2DE4DBE3-196C-A82A-0F29-CFD0656962D9}" dt="2024-01-22T06:45:42.538" v="62" actId="20577"/>
-          <ac:spMkLst>
-            <pc:docMk/>
-            <pc:sldMk cId="1013305701" sldId="280"/>
-            <ac:spMk id="3" creationId="{96E4724A-F30F-11E5-81D8-3924BE5D52BB}"/>
-          </ac:spMkLst>
-        </pc:spChg>
-      </pc:sldChg>
-      <pc:sldChg chg="modSp add ord">
-        <pc:chgData name="Carroll, Claudia" userId="S::claudiac@wustl.edu::5513adb2-3315-47c6-853b-61e74126e783" providerId="AD" clId="Web-{2DE4DBE3-196C-A82A-0F29-CFD0656962D9}" dt="2024-01-22T07:09:19.263" v="286"/>
-        <pc:sldMkLst>
-          <pc:docMk/>
-          <pc:sldMk cId="1760213573" sldId="281"/>
-        </pc:sldMkLst>
-        <pc:spChg chg="mod">
-          <ac:chgData name="Carroll, Claudia" userId="S::claudiac@wustl.edu::5513adb2-3315-47c6-853b-61e74126e783" providerId="AD" clId="Web-{2DE4DBE3-196C-A82A-0F29-CFD0656962D9}" dt="2024-01-22T06:59:35.253" v="238"/>
-          <ac:spMkLst>
-            <pc:docMk/>
-            <pc:sldMk cId="1760213573" sldId="281"/>
-            <ac:spMk id="2" creationId="{657BA884-2F10-BCAB-6C03-66DE5F3B913E}"/>
-          </ac:spMkLst>
-        </pc:spChg>
-        <pc:spChg chg="mod">
-          <ac:chgData name="Carroll, Claudia" userId="S::claudiac@wustl.edu::5513adb2-3315-47c6-853b-61e74126e783" providerId="AD" clId="Web-{2DE4DBE3-196C-A82A-0F29-CFD0656962D9}" dt="2024-01-22T06:59:54.410" v="246" actId="20577"/>
-          <ac:spMkLst>
-            <pc:docMk/>
-            <pc:sldMk cId="1760213573" sldId="281"/>
-            <ac:spMk id="3" creationId="{8DEB31ED-E7DC-CC59-E76F-72C57BA85B4C}"/>
-          </ac:spMkLst>
-        </pc:spChg>
-      </pc:sldChg>
-      <pc:sldChg chg="modSp add">
-        <pc:chgData name="Carroll, Claudia" userId="S::claudiac@wustl.edu::5513adb2-3315-47c6-853b-61e74126e783" providerId="AD" clId="Web-{2DE4DBE3-196C-A82A-0F29-CFD0656962D9}" dt="2024-01-22T06:59:22.425" v="237"/>
-        <pc:sldMkLst>
-          <pc:docMk/>
-          <pc:sldMk cId="702624774" sldId="282"/>
-        </pc:sldMkLst>
-        <pc:spChg chg="mod">
-          <ac:chgData name="Carroll, Claudia" userId="S::claudiac@wustl.edu::5513adb2-3315-47c6-853b-61e74126e783" providerId="AD" clId="Web-{2DE4DBE3-196C-A82A-0F29-CFD0656962D9}" dt="2024-01-22T06:59:19.925" v="236"/>
-          <ac:spMkLst>
-            <pc:docMk/>
-            <pc:sldMk cId="702624774" sldId="282"/>
-            <ac:spMk id="2" creationId="{80E90C0C-B43F-5580-65EA-BCF0306311E3}"/>
-          </ac:spMkLst>
-        </pc:spChg>
-        <pc:spChg chg="mod">
-          <ac:chgData name="Carroll, Claudia" userId="S::claudiac@wustl.edu::5513adb2-3315-47c6-853b-61e74126e783" providerId="AD" clId="Web-{2DE4DBE3-196C-A82A-0F29-CFD0656962D9}" dt="2024-01-22T06:59:22.425" v="237"/>
-          <ac:spMkLst>
-            <pc:docMk/>
-            <pc:sldMk cId="702624774" sldId="282"/>
-            <ac:spMk id="3" creationId="{C9601FBB-18F9-B52B-A114-C2E4BF8D9678}"/>
-          </ac:spMkLst>
-        </pc:spChg>
-      </pc:sldChg>
-      <pc:sldChg chg="delSp add">
-        <pc:chgData name="Carroll, Claudia" userId="S::claudiac@wustl.edu::5513adb2-3315-47c6-853b-61e74126e783" providerId="AD" clId="Web-{2DE4DBE3-196C-A82A-0F29-CFD0656962D9}" dt="2024-01-22T06:43:42.424" v="42"/>
-        <pc:sldMkLst>
-          <pc:docMk/>
-          <pc:sldMk cId="2247768815" sldId="283"/>
-        </pc:sldMkLst>
-        <pc:spChg chg="del">
-          <ac:chgData name="Carroll, Claudia" userId="S::claudiac@wustl.edu::5513adb2-3315-47c6-853b-61e74126e783" providerId="AD" clId="Web-{2DE4DBE3-196C-A82A-0F29-CFD0656962D9}" dt="2024-01-22T06:43:42.424" v="42"/>
-          <ac:spMkLst>
-            <pc:docMk/>
-            <pc:sldMk cId="2247768815" sldId="283"/>
-            <ac:spMk id="3" creationId="{EAF01BC5-235B-84F2-FEEA-234CD1602080}"/>
-          </ac:spMkLst>
-        </pc:spChg>
-      </pc:sldChg>
-      <pc:sldChg chg="modSp add">
-        <pc:chgData name="Carroll, Claudia" userId="S::claudiac@wustl.edu::5513adb2-3315-47c6-853b-61e74126e783" providerId="AD" clId="Web-{2DE4DBE3-196C-A82A-0F29-CFD0656962D9}" dt="2024-01-22T07:40:15.720" v="467" actId="20577"/>
-        <pc:sldMkLst>
-          <pc:docMk/>
-          <pc:sldMk cId="3172886506" sldId="284"/>
-        </pc:sldMkLst>
-        <pc:spChg chg="mod">
-          <ac:chgData name="Carroll, Claudia" userId="S::claudiac@wustl.edu::5513adb2-3315-47c6-853b-61e74126e783" providerId="AD" clId="Web-{2DE4DBE3-196C-A82A-0F29-CFD0656962D9}" dt="2024-01-22T06:49:34.764" v="110"/>
-          <ac:spMkLst>
-            <pc:docMk/>
-            <pc:sldMk cId="3172886506" sldId="284"/>
-            <ac:spMk id="2" creationId="{26239ECD-84D7-423D-A7A5-30102159DD8F}"/>
-          </ac:spMkLst>
-        </pc:spChg>
-        <pc:spChg chg="mod">
-          <ac:chgData name="Carroll, Claudia" userId="S::claudiac@wustl.edu::5513adb2-3315-47c6-853b-61e74126e783" providerId="AD" clId="Web-{2DE4DBE3-196C-A82A-0F29-CFD0656962D9}" dt="2024-01-22T07:40:15.720" v="467" actId="20577"/>
-          <ac:spMkLst>
-            <pc:docMk/>
-            <pc:sldMk cId="3172886506" sldId="284"/>
-            <ac:spMk id="3" creationId="{5C711193-AD05-4AB5-7776-DEEF59AF5433}"/>
-          </ac:spMkLst>
-        </pc:spChg>
-      </pc:sldChg>
-      <pc:sldChg chg="modSp new">
-        <pc:chgData name="Carroll, Claudia" userId="S::claudiac@wustl.edu::5513adb2-3315-47c6-853b-61e74126e783" providerId="AD" clId="Web-{2DE4DBE3-196C-A82A-0F29-CFD0656962D9}" dt="2024-01-22T07:09:02.184" v="284" actId="20577"/>
-        <pc:sldMkLst>
-          <pc:docMk/>
-          <pc:sldMk cId="1699678302" sldId="285"/>
-        </pc:sldMkLst>
-        <pc:spChg chg="mod">
-          <ac:chgData name="Carroll, Claudia" userId="S::claudiac@wustl.edu::5513adb2-3315-47c6-853b-61e74126e783" providerId="AD" clId="Web-{2DE4DBE3-196C-A82A-0F29-CFD0656962D9}" dt="2024-01-22T07:09:02.184" v="284" actId="20577"/>
-          <ac:spMkLst>
-            <pc:docMk/>
-            <pc:sldMk cId="1699678302" sldId="285"/>
-            <ac:spMk id="2" creationId="{90F7FC59-CF4C-5071-86AE-4A3B4961F1F5}"/>
-          </ac:spMkLst>
-        </pc:spChg>
-        <pc:spChg chg="mod">
-          <ac:chgData name="Carroll, Claudia" userId="S::claudiac@wustl.edu::5513adb2-3315-47c6-853b-61e74126e783" providerId="AD" clId="Web-{2DE4DBE3-196C-A82A-0F29-CFD0656962D9}" dt="2024-01-22T07:08:44.074" v="282" actId="20577"/>
-          <ac:spMkLst>
-            <pc:docMk/>
-            <pc:sldMk cId="1699678302" sldId="285"/>
-            <ac:spMk id="3" creationId="{B7F13109-A066-E36F-862D-B7B792682A99}"/>
-          </ac:spMkLst>
-        </pc:spChg>
-      </pc:sldChg>
-      <pc:sldChg chg="modSp new">
-        <pc:chgData name="Carroll, Claudia" userId="S::claudiac@wustl.edu::5513adb2-3315-47c6-853b-61e74126e783" providerId="AD" clId="Web-{2DE4DBE3-196C-A82A-0F29-CFD0656962D9}" dt="2024-01-22T08:23:39.963" v="583" actId="20577"/>
-        <pc:sldMkLst>
-          <pc:docMk/>
-          <pc:sldMk cId="3143217917" sldId="286"/>
-        </pc:sldMkLst>
-        <pc:spChg chg="mod">
-          <ac:chgData name="Carroll, Claudia" userId="S::claudiac@wustl.edu::5513adb2-3315-47c6-853b-61e74126e783" providerId="AD" clId="Web-{2DE4DBE3-196C-A82A-0F29-CFD0656962D9}" dt="2024-01-22T08:23:39.963" v="583" actId="20577"/>
-          <ac:spMkLst>
-            <pc:docMk/>
-            <pc:sldMk cId="3143217917" sldId="286"/>
-            <ac:spMk id="2" creationId="{C3B60153-31EE-EE67-6EBC-192E9EE7A238}"/>
-          </ac:spMkLst>
-        </pc:spChg>
-        <pc:spChg chg="mod">
-          <ac:chgData name="Carroll, Claudia" userId="S::claudiac@wustl.edu::5513adb2-3315-47c6-853b-61e74126e783" providerId="AD" clId="Web-{2DE4DBE3-196C-A82A-0F29-CFD0656962D9}" dt="2024-01-22T07:20:05.894" v="293" actId="20577"/>
-          <ac:spMkLst>
-            <pc:docMk/>
-            <pc:sldMk cId="3143217917" sldId="286"/>
-            <ac:spMk id="3" creationId="{55C414E5-E670-63E3-2ACE-E8D1BD751495}"/>
-          </ac:spMkLst>
-        </pc:spChg>
-      </pc:sldChg>
-    </pc:docChg>
-  </pc:docChgLst>
-  <pc:docChgLst>
-    <pc:chgData name="Carroll, Claudia" userId="5513adb2-3315-47c6-853b-61e74126e783" providerId="ADAL" clId="{FB075658-0DC1-4C4F-B825-059DFA9E62B3}"/>
-    <pc:docChg chg="custSel addSld modSld">
-      <pc:chgData name="Carroll, Claudia" userId="5513adb2-3315-47c6-853b-61e74126e783" providerId="ADAL" clId="{FB075658-0DC1-4C4F-B825-059DFA9E62B3}" dt="2024-01-26T19:05:45.161" v="492" actId="1076"/>
-      <pc:docMkLst>
-        <pc:docMk/>
-      </pc:docMkLst>
-      <pc:sldChg chg="modSp mod">
-        <pc:chgData name="Carroll, Claudia" userId="5513adb2-3315-47c6-853b-61e74126e783" providerId="ADAL" clId="{FB075658-0DC1-4C4F-B825-059DFA9E62B3}" dt="2024-01-26T19:05:45.161" v="492" actId="1076"/>
-        <pc:sldMkLst>
-          <pc:docMk/>
-          <pc:sldMk cId="3172886506" sldId="284"/>
-        </pc:sldMkLst>
-        <pc:spChg chg="mod">
-          <ac:chgData name="Carroll, Claudia" userId="5513adb2-3315-47c6-853b-61e74126e783" providerId="ADAL" clId="{FB075658-0DC1-4C4F-B825-059DFA9E62B3}" dt="2024-01-26T19:05:45.161" v="492" actId="1076"/>
-          <ac:spMkLst>
-            <pc:docMk/>
-            <pc:sldMk cId="3172886506" sldId="284"/>
-            <ac:spMk id="2" creationId="{26239ECD-84D7-423D-A7A5-30102159DD8F}"/>
-          </ac:spMkLst>
-        </pc:spChg>
-      </pc:sldChg>
-      <pc:sldChg chg="modSp new mod">
-        <pc:chgData name="Carroll, Claudia" userId="5513adb2-3315-47c6-853b-61e74126e783" providerId="ADAL" clId="{FB075658-0DC1-4C4F-B825-059DFA9E62B3}" dt="2024-01-26T18:13:07.499" v="491" actId="20577"/>
-        <pc:sldMkLst>
-          <pc:docMk/>
-          <pc:sldMk cId="4155761544" sldId="287"/>
-        </pc:sldMkLst>
-        <pc:spChg chg="mod">
-          <ac:chgData name="Carroll, Claudia" userId="5513adb2-3315-47c6-853b-61e74126e783" providerId="ADAL" clId="{FB075658-0DC1-4C4F-B825-059DFA9E62B3}" dt="2024-01-26T18:13:07.499" v="491" actId="20577"/>
-          <ac:spMkLst>
-            <pc:docMk/>
-            <pc:sldMk cId="4155761544" sldId="287"/>
-            <ac:spMk id="2" creationId="{90170163-26B1-0710-1A4E-0E14077C4A6D}"/>
-          </ac:spMkLst>
-        </pc:spChg>
-        <pc:spChg chg="mod">
-          <ac:chgData name="Carroll, Claudia" userId="5513adb2-3315-47c6-853b-61e74126e783" providerId="ADAL" clId="{FB075658-0DC1-4C4F-B825-059DFA9E62B3}" dt="2024-01-26T18:11:16.954" v="188" actId="122"/>
-          <ac:spMkLst>
-            <pc:docMk/>
-            <pc:sldMk cId="4155761544" sldId="287"/>
-            <ac:spMk id="3" creationId="{B54606DD-D6EC-D70C-7B82-5659099E459B}"/>
-          </ac:spMkLst>
-        </pc:spChg>
-      </pc:sldChg>
-    </pc:docChg>
-  </pc:docChgLst>
-  <pc:docChgLst>
-    <pc:chgData name="Carroll, Claudia" userId="S::claudiac@wustl.edu::5513adb2-3315-47c6-853b-61e74126e783" providerId="AD" clId="Web-{7CB46537-C683-195A-73A2-43EF4837049F}"/>
-    <pc:docChg chg="modSld">
-      <pc:chgData name="Carroll, Claudia" userId="S::claudiac@wustl.edu::5513adb2-3315-47c6-853b-61e74126e783" providerId="AD" clId="Web-{7CB46537-C683-195A-73A2-43EF4837049F}" dt="2024-01-24T17:43:39.059" v="40" actId="20577"/>
-      <pc:docMkLst>
-        <pc:docMk/>
-      </pc:docMkLst>
-      <pc:sldChg chg="modSp">
-        <pc:chgData name="Carroll, Claudia" userId="S::claudiac@wustl.edu::5513adb2-3315-47c6-853b-61e74126e783" providerId="AD" clId="Web-{7CB46537-C683-195A-73A2-43EF4837049F}" dt="2024-01-24T17:43:39.059" v="40" actId="20577"/>
-        <pc:sldMkLst>
-          <pc:docMk/>
-          <pc:sldMk cId="3839357258" sldId="268"/>
-        </pc:sldMkLst>
-        <pc:spChg chg="mod">
-          <ac:chgData name="Carroll, Claudia" userId="S::claudiac@wustl.edu::5513adb2-3315-47c6-853b-61e74126e783" providerId="AD" clId="Web-{7CB46537-C683-195A-73A2-43EF4837049F}" dt="2024-01-24T17:43:39.059" v="40" actId="20577"/>
-          <ac:spMkLst>
-            <pc:docMk/>
-            <pc:sldMk cId="3839357258" sldId="268"/>
-            <ac:spMk id="3" creationId="{13B6A96C-8D86-7F21-3DA5-4A818CE6C4D6}"/>
-          </ac:spMkLst>
-        </pc:spChg>
-      </pc:sldChg>
-      <pc:sldChg chg="modSp">
-        <pc:chgData name="Carroll, Claudia" userId="S::claudiac@wustl.edu::5513adb2-3315-47c6-853b-61e74126e783" providerId="AD" clId="Web-{7CB46537-C683-195A-73A2-43EF4837049F}" dt="2024-01-24T17:21:17.779" v="5"/>
-        <pc:sldMkLst>
-          <pc:docMk/>
-          <pc:sldMk cId="913908910" sldId="273"/>
-        </pc:sldMkLst>
-        <pc:graphicFrameChg chg="mod modGraphic">
-          <ac:chgData name="Carroll, Claudia" userId="S::claudiac@wustl.edu::5513adb2-3315-47c6-853b-61e74126e783" providerId="AD" clId="Web-{7CB46537-C683-195A-73A2-43EF4837049F}" dt="2024-01-24T17:21:17.779" v="5"/>
-          <ac:graphicFrameMkLst>
-            <pc:docMk/>
-            <pc:sldMk cId="913908910" sldId="273"/>
-            <ac:graphicFrameMk id="6" creationId="{5910F0D5-172E-18F7-5422-5D3DAE5AC9DE}"/>
-          </ac:graphicFrameMkLst>
-        </pc:graphicFrameChg>
-      </pc:sldChg>
-      <pc:sldChg chg="modSp">
-        <pc:chgData name="Carroll, Claudia" userId="S::claudiac@wustl.edu::5513adb2-3315-47c6-853b-61e74126e783" providerId="AD" clId="Web-{7CB46537-C683-195A-73A2-43EF4837049F}" dt="2024-01-24T17:27:59.199" v="11" actId="20577"/>
-        <pc:sldMkLst>
-          <pc:docMk/>
-          <pc:sldMk cId="702624774" sldId="282"/>
-        </pc:sldMkLst>
-        <pc:spChg chg="mod">
-          <ac:chgData name="Carroll, Claudia" userId="S::claudiac@wustl.edu::5513adb2-3315-47c6-853b-61e74126e783" providerId="AD" clId="Web-{7CB46537-C683-195A-73A2-43EF4837049F}" dt="2024-01-24T17:27:59.199" v="11" actId="20577"/>
-          <ac:spMkLst>
-            <pc:docMk/>
-            <pc:sldMk cId="702624774" sldId="282"/>
-            <ac:spMk id="3" creationId="{C9601FBB-18F9-B52B-A114-C2E4BF8D9678}"/>
-          </ac:spMkLst>
-        </pc:spChg>
-      </pc:sldChg>
-      <pc:sldChg chg="modSp">
-        <pc:chgData name="Carroll, Claudia" userId="S::claudiac@wustl.edu::5513adb2-3315-47c6-853b-61e74126e783" providerId="AD" clId="Web-{7CB46537-C683-195A-73A2-43EF4837049F}" dt="2024-01-24T17:42:37.150" v="33" actId="20577"/>
-        <pc:sldMkLst>
-          <pc:docMk/>
-          <pc:sldMk cId="3143217917" sldId="286"/>
-        </pc:sldMkLst>
-        <pc:spChg chg="mod">
-          <ac:chgData name="Carroll, Claudia" userId="S::claudiac@wustl.edu::5513adb2-3315-47c6-853b-61e74126e783" providerId="AD" clId="Web-{7CB46537-C683-195A-73A2-43EF4837049F}" dt="2024-01-24T17:42:37.150" v="33" actId="20577"/>
-          <ac:spMkLst>
-            <pc:docMk/>
-            <pc:sldMk cId="3143217917" sldId="286"/>
-            <ac:spMk id="2" creationId="{C3B60153-31EE-EE67-6EBC-192E9EE7A238}"/>
-          </ac:spMkLst>
-        </pc:spChg>
       </pc:sldChg>
     </pc:docChg>
   </pc:docChgLst>
@@ -1794,7 +439,7 @@
           <a:p>
             <a:fld id="{41E3AD09-9720-9047-BB14-484CD98DBB2F}" type="datetimeFigureOut">
               <a:rPr lang="en-US" smtClean="0"/>
-              <a:t>11/6/24</a:t>
+              <a:t>11/2/25</a:t>
             </a:fld>
             <a:endParaRPr lang="en-US"/>
           </a:p>
@@ -4322,7 +2967,225 @@
 </p:sld>
 </file>
 
-<file path=ppt/slides/slide10.xml><?xml version="1.0" encoding="utf-8"?>
+<file path=ppt/slides/slide2.xml><?xml version="1.0" encoding="utf-8"?>
+<p:sld xmlns:a="http://schemas.openxmlformats.org/drawingml/2006/main" xmlns:r="http://schemas.openxmlformats.org/officeDocument/2006/relationships" xmlns:p="http://schemas.openxmlformats.org/presentationml/2006/main">
+  <p:cSld>
+    <p:spTree>
+      <p:nvGrpSpPr>
+        <p:cNvPr id="1" name=""/>
+        <p:cNvGrpSpPr/>
+        <p:nvPr/>
+      </p:nvGrpSpPr>
+      <p:grpSpPr>
+        <a:xfrm>
+          <a:off x="0" y="0"/>
+          <a:ext cx="0" cy="0"/>
+          <a:chOff x="0" y="0"/>
+          <a:chExt cx="0" cy="0"/>
+        </a:xfrm>
+      </p:grpSpPr>
+      <p:sp>
+        <p:nvSpPr>
+          <p:cNvPr id="2" name="Title 1">
+            <a:extLst>
+              <a:ext uri="{FF2B5EF4-FFF2-40B4-BE49-F238E27FC236}">
+                <a16:creationId xmlns:a16="http://schemas.microsoft.com/office/drawing/2014/main" id="{FF02E442-5BD2-C7E7-D487-182D2EC0E4FF}"/>
+              </a:ext>
+            </a:extLst>
+          </p:cNvPr>
+          <p:cNvSpPr>
+            <a:spLocks noGrp="1"/>
+          </p:cNvSpPr>
+          <p:nvPr>
+            <p:ph type="title"/>
+          </p:nvPr>
+        </p:nvSpPr>
+        <p:spPr/>
+        <p:txBody>
+          <a:bodyPr/>
+          <a:lstStyle/>
+          <a:p>
+            <a:pPr algn="ctr"/>
+            <a:r>
+              <a:rPr lang="en-US" dirty="0">
+                <a:solidFill>
+                  <a:srgbClr val="000000"/>
+                </a:solidFill>
+                <a:cs typeface="Calibri Light"/>
+              </a:rPr>
+              <a:t>Today's Lesson</a:t>
+            </a:r>
+            <a:endParaRPr lang="en-US" dirty="0">
+              <a:solidFill>
+                <a:srgbClr val="000000"/>
+              </a:solidFill>
+            </a:endParaRPr>
+          </a:p>
+        </p:txBody>
+      </p:sp>
+      <p:sp>
+        <p:nvSpPr>
+          <p:cNvPr id="3" name="Content Placeholder 2">
+            <a:extLst>
+              <a:ext uri="{FF2B5EF4-FFF2-40B4-BE49-F238E27FC236}">
+                <a16:creationId xmlns:a16="http://schemas.microsoft.com/office/drawing/2014/main" id="{13B6A96C-8D86-7F21-3DA5-4A818CE6C4D6}"/>
+              </a:ext>
+            </a:extLst>
+          </p:cNvPr>
+          <p:cNvSpPr>
+            <a:spLocks noGrp="1"/>
+          </p:cNvSpPr>
+          <p:nvPr>
+            <p:ph idx="1"/>
+          </p:nvPr>
+        </p:nvSpPr>
+        <p:spPr>
+          <a:xfrm>
+            <a:off x="265289" y="1600200"/>
+            <a:ext cx="8370711" cy="4778022"/>
+          </a:xfrm>
+        </p:spPr>
+        <p:txBody>
+          <a:bodyPr vert="horz" lIns="68580" tIns="34290" rIns="68580" bIns="34290" rtlCol="0" anchor="t">
+            <a:normAutofit/>
+          </a:bodyPr>
+          <a:lstStyle/>
+          <a:p>
+            <a:pPr marL="385445" indent="-385445">
+              <a:buAutoNum type="arabicPeriod"/>
+            </a:pPr>
+            <a:endParaRPr lang="en-US" sz="3200" dirty="0">
+              <a:solidFill>
+                <a:schemeClr val="tx1"/>
+              </a:solidFill>
+              <a:latin typeface="Times New Roman"/>
+              <a:cs typeface="Calibri" panose="020F0502020204030204"/>
+            </a:endParaRPr>
+          </a:p>
+          <a:p>
+            <a:pPr marL="1036638" indent="-373063">
+              <a:buAutoNum type="arabicPeriod"/>
+            </a:pPr>
+            <a:r>
+              <a:rPr lang="en-US" sz="3200" dirty="0">
+                <a:solidFill>
+                  <a:schemeClr val="tx1"/>
+                </a:solidFill>
+                <a:latin typeface="Times New Roman"/>
+                <a:cs typeface="Calibri" panose="020F0502020204030204"/>
+              </a:rPr>
+              <a:t>Sentiment Analysis</a:t>
+            </a:r>
+          </a:p>
+          <a:p>
+            <a:pPr marL="1036638" indent="-373063">
+              <a:buAutoNum type="arabicPeriod"/>
+            </a:pPr>
+            <a:r>
+              <a:rPr lang="en-US" sz="3200" dirty="0">
+                <a:solidFill>
+                  <a:schemeClr val="tx1"/>
+                </a:solidFill>
+                <a:latin typeface="Times New Roman"/>
+                <a:cs typeface="Calibri" panose="020F0502020204030204"/>
+              </a:rPr>
+              <a:t>Part of Speech Tagging</a:t>
+            </a:r>
+          </a:p>
+          <a:p>
+            <a:pPr marL="1036638" indent="-373063">
+              <a:buAutoNum type="arabicPeriod"/>
+            </a:pPr>
+            <a:r>
+              <a:rPr lang="en-US" sz="3200" dirty="0">
+                <a:solidFill>
+                  <a:schemeClr val="tx1"/>
+                </a:solidFill>
+                <a:latin typeface="Times New Roman"/>
+                <a:cs typeface="Calibri" panose="020F0502020204030204"/>
+              </a:rPr>
+              <a:t>Named Entity Recognition</a:t>
+            </a:r>
+          </a:p>
+          <a:p>
+            <a:pPr marL="1036638" indent="-373063">
+              <a:buAutoNum type="arabicPeriod"/>
+            </a:pPr>
+            <a:endParaRPr lang="en-US" sz="3200" dirty="0">
+              <a:solidFill>
+                <a:schemeClr val="tx1"/>
+              </a:solidFill>
+              <a:latin typeface="Times New Roman"/>
+              <a:cs typeface="Calibri" panose="020F0502020204030204"/>
+            </a:endParaRPr>
+          </a:p>
+          <a:p>
+            <a:pPr marL="0" indent="0" algn="ctr">
+              <a:buNone/>
+            </a:pPr>
+            <a:r>
+              <a:rPr lang="en-US" dirty="0">
+                <a:solidFill>
+                  <a:schemeClr val="tx1"/>
+                </a:solidFill>
+                <a:latin typeface="Times New Roman"/>
+                <a:cs typeface="Arial"/>
+              </a:rPr>
+              <a:t>https://github.com/</a:t>
+            </a:r>
+            <a:r>
+              <a:rPr lang="en-US" dirty="0" err="1">
+                <a:solidFill>
+                  <a:schemeClr val="tx1"/>
+                </a:solidFill>
+                <a:latin typeface="Times New Roman"/>
+                <a:cs typeface="Arial"/>
+              </a:rPr>
+              <a:t>ClaudiaECarroll</a:t>
+            </a:r>
+            <a:r>
+              <a:rPr lang="en-US" dirty="0">
+                <a:solidFill>
+                  <a:schemeClr val="tx1"/>
+                </a:solidFill>
+                <a:latin typeface="Times New Roman"/>
+                <a:cs typeface="Arial"/>
+              </a:rPr>
+              <a:t>/</a:t>
+            </a:r>
+            <a:r>
+              <a:rPr lang="en-US" dirty="0" err="1">
+                <a:solidFill>
+                  <a:schemeClr val="tx1"/>
+                </a:solidFill>
+                <a:latin typeface="Times New Roman"/>
+                <a:cs typeface="Arial"/>
+              </a:rPr>
+              <a:t>intro_text_analysis</a:t>
+            </a:r>
+            <a:endParaRPr lang="en-US" dirty="0">
+              <a:solidFill>
+                <a:schemeClr val="tx1"/>
+              </a:solidFill>
+              <a:latin typeface="Times New Roman"/>
+            </a:endParaRPr>
+          </a:p>
+        </p:txBody>
+      </p:sp>
+    </p:spTree>
+    <p:extLst>
+      <p:ext uri="{BB962C8B-B14F-4D97-AF65-F5344CB8AC3E}">
+        <p14:creationId xmlns:p14="http://schemas.microsoft.com/office/powerpoint/2010/main" val="3839357258"/>
+      </p:ext>
+    </p:extLst>
+  </p:cSld>
+  <p:clrMapOvr>
+    <a:masterClrMapping/>
+  </p:clrMapOvr>
+</p:sld>
+</file>
+
+<file path=ppt/slides/slide3.xml><?xml version="1.0" encoding="utf-8"?>
 <p:sld xmlns:a="http://schemas.openxmlformats.org/drawingml/2006/main" xmlns:r="http://schemas.openxmlformats.org/officeDocument/2006/relationships" xmlns:p="http://schemas.openxmlformats.org/presentationml/2006/main">
   <p:cSld>
     <p:spTree>
@@ -5241,7 +4104,404 @@
 </p:sld>
 </file>
 
-<file path=ppt/slides/slide11.xml><?xml version="1.0" encoding="utf-8"?>
+<file path=ppt/slides/slide4.xml><?xml version="1.0" encoding="utf-8"?>
+<p:sld xmlns:a="http://schemas.openxmlformats.org/drawingml/2006/main" xmlns:r="http://schemas.openxmlformats.org/officeDocument/2006/relationships" xmlns:p="http://schemas.openxmlformats.org/presentationml/2006/main">
+  <p:cSld>
+    <p:spTree>
+      <p:nvGrpSpPr>
+        <p:cNvPr id="1" name="">
+          <a:extLst>
+            <a:ext uri="{FF2B5EF4-FFF2-40B4-BE49-F238E27FC236}">
+              <a16:creationId xmlns:a16="http://schemas.microsoft.com/office/drawing/2014/main" id="{591E5940-C138-FD43-2821-101A74DF01B7}"/>
+            </a:ext>
+          </a:extLst>
+        </p:cNvPr>
+        <p:cNvGrpSpPr/>
+        <p:nvPr/>
+      </p:nvGrpSpPr>
+      <p:grpSpPr>
+        <a:xfrm>
+          <a:off x="0" y="0"/>
+          <a:ext cx="0" cy="0"/>
+          <a:chOff x="0" y="0"/>
+          <a:chExt cx="0" cy="0"/>
+        </a:xfrm>
+      </p:grpSpPr>
+      <p:sp>
+        <p:nvSpPr>
+          <p:cNvPr id="2" name="Title 1">
+            <a:extLst>
+              <a:ext uri="{FF2B5EF4-FFF2-40B4-BE49-F238E27FC236}">
+                <a16:creationId xmlns:a16="http://schemas.microsoft.com/office/drawing/2014/main" id="{5E59989C-AAC7-E35E-9C52-641637E90DFA}"/>
+              </a:ext>
+            </a:extLst>
+          </p:cNvPr>
+          <p:cNvSpPr>
+            <a:spLocks noGrp="1"/>
+          </p:cNvSpPr>
+          <p:nvPr>
+            <p:ph type="title"/>
+          </p:nvPr>
+        </p:nvSpPr>
+        <p:spPr/>
+        <p:txBody>
+          <a:bodyPr/>
+          <a:lstStyle/>
+          <a:p>
+            <a:pPr algn="ctr"/>
+            <a:r>
+              <a:rPr lang="en-US" b="1" dirty="0">
+                <a:solidFill>
+                  <a:srgbClr val="000000"/>
+                </a:solidFill>
+                <a:latin typeface="Times New Roman"/>
+                <a:cs typeface="Calibri Light"/>
+              </a:rPr>
+              <a:t>Part of Speech Tagging</a:t>
+            </a:r>
+          </a:p>
+        </p:txBody>
+      </p:sp>
+      <p:pic>
+        <p:nvPicPr>
+          <p:cNvPr id="1026" name="Picture 2" descr="POS(Parts-Of-Speech) Tagging in NLP - GeeksforGeeks">
+            <a:extLst>
+              <a:ext uri="{FF2B5EF4-FFF2-40B4-BE49-F238E27FC236}">
+                <a16:creationId xmlns:a16="http://schemas.microsoft.com/office/drawing/2014/main" id="{0C2BF2A6-DB2C-BED6-BE6A-207E28E96939}"/>
+              </a:ext>
+            </a:extLst>
+          </p:cNvPr>
+          <p:cNvPicPr>
+            <a:picLocks noChangeAspect="1" noChangeArrowheads="1"/>
+          </p:cNvPicPr>
+          <p:nvPr/>
+        </p:nvPicPr>
+        <p:blipFill>
+          <a:blip r:embed="rId2">
+            <a:extLst>
+              <a:ext uri="{28A0092B-C50C-407E-A947-70E740481C1C}">
+                <a14:useLocalDpi xmlns:a14="http://schemas.microsoft.com/office/drawing/2010/main" val="0"/>
+              </a:ext>
+            </a:extLst>
+          </a:blip>
+          <a:srcRect/>
+          <a:stretch>
+            <a:fillRect/>
+          </a:stretch>
+        </p:blipFill>
+        <p:spPr bwMode="auto">
+          <a:xfrm>
+            <a:off x="602205" y="1723292"/>
+            <a:ext cx="7889630" cy="3944815"/>
+          </a:xfrm>
+          <a:prstGeom prst="rect">
+            <a:avLst/>
+          </a:prstGeom>
+          <a:noFill/>
+          <a:extLst>
+            <a:ext uri="{909E8E84-426E-40DD-AFC4-6F175D3DCCD1}">
+              <a14:hiddenFill xmlns:a14="http://schemas.microsoft.com/office/drawing/2010/main">
+                <a:solidFill>
+                  <a:srgbClr val="FFFFFF"/>
+                </a:solidFill>
+              </a14:hiddenFill>
+            </a:ext>
+          </a:extLst>
+        </p:spPr>
+      </p:pic>
+    </p:spTree>
+    <p:extLst>
+      <p:ext uri="{BB962C8B-B14F-4D97-AF65-F5344CB8AC3E}">
+        <p14:creationId xmlns:p14="http://schemas.microsoft.com/office/powerpoint/2010/main" val="1090698699"/>
+      </p:ext>
+    </p:extLst>
+  </p:cSld>
+  <p:clrMapOvr>
+    <a:masterClrMapping/>
+  </p:clrMapOvr>
+</p:sld>
+</file>
+
+<file path=ppt/slides/slide5.xml><?xml version="1.0" encoding="utf-8"?>
+<p:sld xmlns:a="http://schemas.openxmlformats.org/drawingml/2006/main" xmlns:r="http://schemas.openxmlformats.org/officeDocument/2006/relationships" xmlns:p="http://schemas.openxmlformats.org/presentationml/2006/main">
+  <p:cSld>
+    <p:spTree>
+      <p:nvGrpSpPr>
+        <p:cNvPr id="1" name="">
+          <a:extLst>
+            <a:ext uri="{FF2B5EF4-FFF2-40B4-BE49-F238E27FC236}">
+              <a16:creationId xmlns:a16="http://schemas.microsoft.com/office/drawing/2014/main" id="{94CBF635-D67F-0A18-1F01-A5AB485595B8}"/>
+            </a:ext>
+          </a:extLst>
+        </p:cNvPr>
+        <p:cNvGrpSpPr/>
+        <p:nvPr/>
+      </p:nvGrpSpPr>
+      <p:grpSpPr>
+        <a:xfrm>
+          <a:off x="0" y="0"/>
+          <a:ext cx="0" cy="0"/>
+          <a:chOff x="0" y="0"/>
+          <a:chExt cx="0" cy="0"/>
+        </a:xfrm>
+      </p:grpSpPr>
+      <p:sp>
+        <p:nvSpPr>
+          <p:cNvPr id="2" name="Title 1">
+            <a:extLst>
+              <a:ext uri="{FF2B5EF4-FFF2-40B4-BE49-F238E27FC236}">
+                <a16:creationId xmlns:a16="http://schemas.microsoft.com/office/drawing/2014/main" id="{F3260EC5-0019-A58B-259E-1FE25E0F44CB}"/>
+              </a:ext>
+            </a:extLst>
+          </p:cNvPr>
+          <p:cNvSpPr>
+            <a:spLocks noGrp="1"/>
+          </p:cNvSpPr>
+          <p:nvPr>
+            <p:ph type="title"/>
+          </p:nvPr>
+        </p:nvSpPr>
+        <p:spPr/>
+        <p:txBody>
+          <a:bodyPr/>
+          <a:lstStyle/>
+          <a:p>
+            <a:pPr algn="ctr"/>
+            <a:r>
+              <a:rPr lang="en-US" b="1" dirty="0">
+                <a:solidFill>
+                  <a:srgbClr val="000000"/>
+                </a:solidFill>
+                <a:latin typeface="Times New Roman"/>
+                <a:cs typeface="Calibri Light"/>
+              </a:rPr>
+              <a:t>Uses of </a:t>
+            </a:r>
+            <a:r>
+              <a:rPr lang="en-US" b="1" dirty="0" err="1">
+                <a:solidFill>
+                  <a:srgbClr val="000000"/>
+                </a:solidFill>
+                <a:latin typeface="Times New Roman"/>
+                <a:cs typeface="Calibri Light"/>
+              </a:rPr>
+              <a:t>PoS</a:t>
+            </a:r>
+            <a:r>
+              <a:rPr lang="en-US" b="1" dirty="0">
+                <a:solidFill>
+                  <a:srgbClr val="000000"/>
+                </a:solidFill>
+                <a:latin typeface="Times New Roman"/>
+                <a:cs typeface="Calibri Light"/>
+              </a:rPr>
+              <a:t> Tagging</a:t>
+            </a:r>
+          </a:p>
+        </p:txBody>
+      </p:sp>
+      <p:sp>
+        <p:nvSpPr>
+          <p:cNvPr id="5" name="Content Placeholder 4">
+            <a:extLst>
+              <a:ext uri="{FF2B5EF4-FFF2-40B4-BE49-F238E27FC236}">
+                <a16:creationId xmlns:a16="http://schemas.microsoft.com/office/drawing/2014/main" id="{373766F5-2C55-A5E9-F6C1-E761013D7B78}"/>
+              </a:ext>
+            </a:extLst>
+          </p:cNvPr>
+          <p:cNvSpPr>
+            <a:spLocks noGrp="1"/>
+          </p:cNvSpPr>
+          <p:nvPr>
+            <p:ph idx="1"/>
+          </p:nvPr>
+        </p:nvSpPr>
+        <p:spPr>
+          <a:xfrm>
+            <a:off x="467202" y="2107808"/>
+            <a:ext cx="8142111" cy="2642383"/>
+          </a:xfrm>
+        </p:spPr>
+        <p:txBody>
+          <a:bodyPr/>
+          <a:lstStyle/>
+          <a:p>
+            <a:r>
+              <a:rPr lang="en-US" dirty="0">
+                <a:solidFill>
+                  <a:schemeClr val="tx1"/>
+                </a:solidFill>
+                <a:latin typeface="Times New Roman" panose="02020603050405020304" pitchFamily="18" charset="0"/>
+                <a:cs typeface="Times New Roman" panose="02020603050405020304" pitchFamily="18" charset="0"/>
+              </a:rPr>
+              <a:t>Co-reference Resolution</a:t>
+            </a:r>
+          </a:p>
+          <a:p>
+            <a:r>
+              <a:rPr lang="en-US" dirty="0">
+                <a:solidFill>
+                  <a:schemeClr val="tx1"/>
+                </a:solidFill>
+                <a:latin typeface="Times New Roman" panose="02020603050405020304" pitchFamily="18" charset="0"/>
+                <a:cs typeface="Times New Roman" panose="02020603050405020304" pitchFamily="18" charset="0"/>
+              </a:rPr>
+              <a:t>Word Sense Disambiguation (e.g. “reflection”)</a:t>
+            </a:r>
+          </a:p>
+          <a:p>
+            <a:r>
+              <a:rPr lang="en-US" dirty="0">
+                <a:solidFill>
+                  <a:schemeClr val="tx1"/>
+                </a:solidFill>
+                <a:latin typeface="Times New Roman" panose="02020603050405020304" pitchFamily="18" charset="0"/>
+                <a:cs typeface="Times New Roman" panose="02020603050405020304" pitchFamily="18" charset="0"/>
+              </a:rPr>
+              <a:t>Authorship Attribution</a:t>
+            </a:r>
+          </a:p>
+          <a:p>
+            <a:r>
+              <a:rPr lang="en-US" dirty="0">
+                <a:solidFill>
+                  <a:schemeClr val="tx1"/>
+                </a:solidFill>
+                <a:latin typeface="Times New Roman" panose="02020603050405020304" pitchFamily="18" charset="0"/>
+                <a:cs typeface="Times New Roman" panose="02020603050405020304" pitchFamily="18" charset="0"/>
+              </a:rPr>
+              <a:t>Machine Learning</a:t>
+            </a:r>
+          </a:p>
+          <a:p>
+            <a:r>
+              <a:rPr lang="en-US" dirty="0">
+                <a:solidFill>
+                  <a:schemeClr val="tx1"/>
+                </a:solidFill>
+                <a:latin typeface="Times New Roman" panose="02020603050405020304" pitchFamily="18" charset="0"/>
+                <a:cs typeface="Times New Roman" panose="02020603050405020304" pitchFamily="18" charset="0"/>
+              </a:rPr>
+              <a:t>Named Entity Recognition (e.g. “the White House”)</a:t>
+            </a:r>
+          </a:p>
+        </p:txBody>
+      </p:sp>
+    </p:spTree>
+    <p:extLst>
+      <p:ext uri="{BB962C8B-B14F-4D97-AF65-F5344CB8AC3E}">
+        <p14:creationId xmlns:p14="http://schemas.microsoft.com/office/powerpoint/2010/main" val="2035710617"/>
+      </p:ext>
+    </p:extLst>
+  </p:cSld>
+  <p:clrMapOvr>
+    <a:masterClrMapping/>
+  </p:clrMapOvr>
+</p:sld>
+</file>
+
+<file path=ppt/slides/slide6.xml><?xml version="1.0" encoding="utf-8"?>
+<p:sld xmlns:a="http://schemas.openxmlformats.org/drawingml/2006/main" xmlns:r="http://schemas.openxmlformats.org/officeDocument/2006/relationships" xmlns:p="http://schemas.openxmlformats.org/presentationml/2006/main">
+  <p:cSld>
+    <p:spTree>
+      <p:nvGrpSpPr>
+        <p:cNvPr id="1" name="">
+          <a:extLst>
+            <a:ext uri="{FF2B5EF4-FFF2-40B4-BE49-F238E27FC236}">
+              <a16:creationId xmlns:a16="http://schemas.microsoft.com/office/drawing/2014/main" id="{38BE68DC-7581-30A8-21E4-FE61CC727DC1}"/>
+            </a:ext>
+          </a:extLst>
+        </p:cNvPr>
+        <p:cNvGrpSpPr/>
+        <p:nvPr/>
+      </p:nvGrpSpPr>
+      <p:grpSpPr>
+        <a:xfrm>
+          <a:off x="0" y="0"/>
+          <a:ext cx="0" cy="0"/>
+          <a:chOff x="0" y="0"/>
+          <a:chExt cx="0" cy="0"/>
+        </a:xfrm>
+      </p:grpSpPr>
+      <p:sp>
+        <p:nvSpPr>
+          <p:cNvPr id="2" name="Title 1">
+            <a:extLst>
+              <a:ext uri="{FF2B5EF4-FFF2-40B4-BE49-F238E27FC236}">
+                <a16:creationId xmlns:a16="http://schemas.microsoft.com/office/drawing/2014/main" id="{FCD8DDC7-CEE2-0C58-821F-F3401E5B83BA}"/>
+              </a:ext>
+            </a:extLst>
+          </p:cNvPr>
+          <p:cNvSpPr>
+            <a:spLocks noGrp="1"/>
+          </p:cNvSpPr>
+          <p:nvPr>
+            <p:ph type="title"/>
+          </p:nvPr>
+        </p:nvSpPr>
+        <p:spPr/>
+        <p:txBody>
+          <a:bodyPr/>
+          <a:lstStyle/>
+          <a:p>
+            <a:pPr algn="ctr"/>
+            <a:r>
+              <a:rPr lang="en-US" b="1" dirty="0">
+                <a:solidFill>
+                  <a:srgbClr val="000000"/>
+                </a:solidFill>
+                <a:latin typeface="Times New Roman"/>
+                <a:cs typeface="Calibri Light"/>
+              </a:rPr>
+              <a:t>Named Entity Recognition (NER)</a:t>
+            </a:r>
+          </a:p>
+        </p:txBody>
+      </p:sp>
+      <p:pic>
+        <p:nvPicPr>
+          <p:cNvPr id="7" name="Picture 6" descr="A diagram of different words&#10;&#10;AI-generated content may be incorrect.">
+            <a:extLst>
+              <a:ext uri="{FF2B5EF4-FFF2-40B4-BE49-F238E27FC236}">
+                <a16:creationId xmlns:a16="http://schemas.microsoft.com/office/drawing/2014/main" id="{DDC248A4-B565-0B12-F9CD-AE227B9B7D86}"/>
+              </a:ext>
+            </a:extLst>
+          </p:cNvPr>
+          <p:cNvPicPr>
+            <a:picLocks noChangeAspect="1"/>
+          </p:cNvPicPr>
+          <p:nvPr/>
+        </p:nvPicPr>
+        <p:blipFill>
+          <a:blip r:embed="rId2"/>
+          <a:stretch>
+            <a:fillRect/>
+          </a:stretch>
+        </p:blipFill>
+        <p:spPr>
+          <a:xfrm>
+            <a:off x="586153" y="2450981"/>
+            <a:ext cx="7772400" cy="1956037"/>
+          </a:xfrm>
+          <a:prstGeom prst="rect">
+            <a:avLst/>
+          </a:prstGeom>
+        </p:spPr>
+      </p:pic>
+    </p:spTree>
+    <p:extLst>
+      <p:ext uri="{BB962C8B-B14F-4D97-AF65-F5344CB8AC3E}">
+        <p14:creationId xmlns:p14="http://schemas.microsoft.com/office/powerpoint/2010/main" val="3780415026"/>
+      </p:ext>
+    </p:extLst>
+  </p:cSld>
+  <p:clrMapOvr>
+    <a:masterClrMapping/>
+  </p:clrMapOvr>
+</p:sld>
+</file>
+
+<file path=ppt/slides/slide7.xml><?xml version="1.0" encoding="utf-8"?>
 <p:sld xmlns:a="http://schemas.openxmlformats.org/drawingml/2006/main" xmlns:r="http://schemas.openxmlformats.org/officeDocument/2006/relationships" xmlns:p="http://schemas.openxmlformats.org/presentationml/2006/main">
   <p:cSld>
     <p:spTree>
@@ -5459,185 +4719,7 @@
 </p:sld>
 </file>
 
-<file path=ppt/slides/slide12.xml><?xml version="1.0" encoding="utf-8"?>
-<p:sld xmlns:a="http://schemas.openxmlformats.org/drawingml/2006/main" xmlns:r="http://schemas.openxmlformats.org/officeDocument/2006/relationships" xmlns:p="http://schemas.openxmlformats.org/presentationml/2006/main">
-  <p:cSld>
-    <p:spTree>
-      <p:nvGrpSpPr>
-        <p:cNvPr id="1" name="">
-          <a:extLst>
-            <a:ext uri="{FF2B5EF4-FFF2-40B4-BE49-F238E27FC236}">
-              <a16:creationId xmlns:a16="http://schemas.microsoft.com/office/drawing/2014/main" id="{94CBF635-D67F-0A18-1F01-A5AB485595B8}"/>
-            </a:ext>
-          </a:extLst>
-        </p:cNvPr>
-        <p:cNvGrpSpPr/>
-        <p:nvPr/>
-      </p:nvGrpSpPr>
-      <p:grpSpPr>
-        <a:xfrm>
-          <a:off x="0" y="0"/>
-          <a:ext cx="0" cy="0"/>
-          <a:chOff x="0" y="0"/>
-          <a:chExt cx="0" cy="0"/>
-        </a:xfrm>
-      </p:grpSpPr>
-      <p:sp>
-        <p:nvSpPr>
-          <p:cNvPr id="2" name="Title 1">
-            <a:extLst>
-              <a:ext uri="{FF2B5EF4-FFF2-40B4-BE49-F238E27FC236}">
-                <a16:creationId xmlns:a16="http://schemas.microsoft.com/office/drawing/2014/main" id="{F3260EC5-0019-A58B-259E-1FE25E0F44CB}"/>
-              </a:ext>
-            </a:extLst>
-          </p:cNvPr>
-          <p:cNvSpPr>
-            <a:spLocks noGrp="1"/>
-          </p:cNvSpPr>
-          <p:nvPr>
-            <p:ph type="title"/>
-          </p:nvPr>
-        </p:nvSpPr>
-        <p:spPr/>
-        <p:txBody>
-          <a:bodyPr/>
-          <a:lstStyle/>
-          <a:p>
-            <a:pPr algn="ctr"/>
-            <a:r>
-              <a:rPr lang="en-US" b="1" dirty="0">
-                <a:solidFill>
-                  <a:srgbClr val="000000"/>
-                </a:solidFill>
-                <a:latin typeface="Times New Roman"/>
-                <a:cs typeface="Calibri Light"/>
-              </a:rPr>
-              <a:t>Uses of </a:t>
-            </a:r>
-            <a:r>
-              <a:rPr lang="en-US" b="1" dirty="0" err="1">
-                <a:solidFill>
-                  <a:srgbClr val="000000"/>
-                </a:solidFill>
-                <a:latin typeface="Times New Roman"/>
-                <a:cs typeface="Calibri Light"/>
-              </a:rPr>
-              <a:t>PoS</a:t>
-            </a:r>
-            <a:r>
-              <a:rPr lang="en-US" b="1" dirty="0">
-                <a:solidFill>
-                  <a:srgbClr val="000000"/>
-                </a:solidFill>
-                <a:latin typeface="Times New Roman"/>
-                <a:cs typeface="Calibri Light"/>
-              </a:rPr>
-              <a:t> Tagging</a:t>
-            </a:r>
-          </a:p>
-        </p:txBody>
-      </p:sp>
-      <p:sp>
-        <p:nvSpPr>
-          <p:cNvPr id="5" name="Content Placeholder 4">
-            <a:extLst>
-              <a:ext uri="{FF2B5EF4-FFF2-40B4-BE49-F238E27FC236}">
-                <a16:creationId xmlns:a16="http://schemas.microsoft.com/office/drawing/2014/main" id="{373766F5-2C55-A5E9-F6C1-E761013D7B78}"/>
-              </a:ext>
-            </a:extLst>
-          </p:cNvPr>
-          <p:cNvSpPr>
-            <a:spLocks noGrp="1"/>
-          </p:cNvSpPr>
-          <p:nvPr>
-            <p:ph idx="1"/>
-          </p:nvPr>
-        </p:nvSpPr>
-        <p:spPr>
-          <a:xfrm>
-            <a:off x="467202" y="2107808"/>
-            <a:ext cx="8142111" cy="2642383"/>
-          </a:xfrm>
-        </p:spPr>
-        <p:txBody>
-          <a:bodyPr/>
-          <a:lstStyle/>
-          <a:p>
-            <a:r>
-              <a:rPr lang="en-US" dirty="0">
-                <a:solidFill>
-                  <a:schemeClr val="tx1"/>
-                </a:solidFill>
-                <a:latin typeface="Times New Roman" panose="02020603050405020304" pitchFamily="18" charset="0"/>
-                <a:cs typeface="Times New Roman" panose="02020603050405020304" pitchFamily="18" charset="0"/>
-              </a:rPr>
-              <a:t>Co-reference Resolution</a:t>
-            </a:r>
-          </a:p>
-          <a:p>
-            <a:r>
-              <a:rPr lang="en-US" dirty="0">
-                <a:solidFill>
-                  <a:schemeClr val="tx1"/>
-                </a:solidFill>
-                <a:latin typeface="Times New Roman" panose="02020603050405020304" pitchFamily="18" charset="0"/>
-                <a:cs typeface="Times New Roman" panose="02020603050405020304" pitchFamily="18" charset="0"/>
-              </a:rPr>
-              <a:t>Word Sense Disambiguation (e.g. “reflection”)</a:t>
-            </a:r>
-          </a:p>
-          <a:p>
-            <a:r>
-              <a:rPr lang="en-US" dirty="0">
-                <a:solidFill>
-                  <a:schemeClr val="tx1"/>
-                </a:solidFill>
-                <a:latin typeface="Times New Roman" panose="02020603050405020304" pitchFamily="18" charset="0"/>
-                <a:cs typeface="Times New Roman" panose="02020603050405020304" pitchFamily="18" charset="0"/>
-              </a:rPr>
-              <a:t>Authorship Attribution</a:t>
-            </a:r>
-          </a:p>
-          <a:p>
-            <a:r>
-              <a:rPr lang="en-US" dirty="0">
-                <a:solidFill>
-                  <a:schemeClr val="tx1"/>
-                </a:solidFill>
-                <a:latin typeface="Times New Roman" panose="02020603050405020304" pitchFamily="18" charset="0"/>
-                <a:cs typeface="Times New Roman" panose="02020603050405020304" pitchFamily="18" charset="0"/>
-              </a:rPr>
-              <a:t>Machine Learning</a:t>
-            </a:r>
-          </a:p>
-          <a:p>
-            <a:r>
-              <a:rPr lang="en-US" dirty="0">
-                <a:solidFill>
-                  <a:schemeClr val="tx1"/>
-                </a:solidFill>
-                <a:latin typeface="Times New Roman" panose="02020603050405020304" pitchFamily="18" charset="0"/>
-                <a:cs typeface="Times New Roman" panose="02020603050405020304" pitchFamily="18" charset="0"/>
-              </a:rPr>
-              <a:t>Named Entity Recognition (e.g. “the White House”)</a:t>
-            </a:r>
-          </a:p>
-        </p:txBody>
-      </p:sp>
-    </p:spTree>
-    <p:extLst>
-      <p:ext uri="{BB962C8B-B14F-4D97-AF65-F5344CB8AC3E}">
-        <p14:creationId xmlns:p14="http://schemas.microsoft.com/office/powerpoint/2010/main" val="2035710617"/>
-      </p:ext>
-    </p:extLst>
-  </p:cSld>
-  <p:clrMapOvr>
-    <a:masterClrMapping/>
-  </p:clrMapOvr>
-</p:sld>
-</file>
-
-<file path=ppt/slides/slide13.xml><?xml version="1.0" encoding="utf-8"?>
+<file path=ppt/slides/slide8.xml><?xml version="1.0" encoding="utf-8"?>
 <p:sld xmlns:a="http://schemas.openxmlformats.org/drawingml/2006/main" xmlns:r="http://schemas.openxmlformats.org/officeDocument/2006/relationships" xmlns:p="http://schemas.openxmlformats.org/presentationml/2006/main">
   <p:cSld>
     <p:spTree>
@@ -5719,7 +4801,7 @@
         </p:spPr>
         <p:txBody>
           <a:bodyPr>
-            <a:normAutofit/>
+            <a:normAutofit fontScale="92500" lnSpcReduction="10000"/>
           </a:bodyPr>
           <a:lstStyle/>
           <a:p>
@@ -5733,6 +4815,18 @@
               <a:latin typeface="Times New Roman" panose="02020603050405020304" pitchFamily="18" charset="0"/>
               <a:cs typeface="Times New Roman" panose="02020603050405020304" pitchFamily="18" charset="0"/>
             </a:endParaRPr>
+          </a:p>
+          <a:p>
+            <a:r>
+              <a:rPr lang="en-US" dirty="0">
+                <a:solidFill>
+                  <a:schemeClr val="tx1"/>
+                </a:solidFill>
+                <a:latin typeface="Times New Roman" panose="02020603050405020304" pitchFamily="18" charset="0"/>
+                <a:cs typeface="Times New Roman" panose="02020603050405020304" pitchFamily="18" charset="0"/>
+              </a:rPr>
+              <a:t>NLTK</a:t>
+            </a:r>
           </a:p>
           <a:p>
             <a:r>
@@ -5845,8 +4939,8 @@
         </p:nvSpPr>
         <p:spPr>
           <a:xfrm>
-            <a:off x="4572000" y="2813538"/>
-            <a:ext cx="3950677" cy="2308324"/>
+            <a:off x="4658636" y="2040717"/>
+            <a:ext cx="3950677" cy="3785652"/>
           </a:xfrm>
           <a:prstGeom prst="rect">
             <a:avLst/>
@@ -5866,50 +4960,63 @@
               </a:rPr>
               <a:t>Choosing an NER model</a:t>
             </a:r>
-            <a:br>
+          </a:p>
+          <a:p>
+            <a:endParaRPr lang="en-US" sz="2400" b="1" dirty="0">
+              <a:latin typeface="Times New Roman" panose="02020603050405020304" pitchFamily="18" charset="0"/>
+              <a:cs typeface="Times New Roman" panose="02020603050405020304" pitchFamily="18" charset="0"/>
+            </a:endParaRPr>
+          </a:p>
+          <a:p>
+            <a:pPr marL="457200" indent="-457200">
+              <a:buFont typeface="+mj-lt"/>
+              <a:buAutoNum type="arabicPeriod"/>
+            </a:pPr>
+            <a:r>
               <a:rPr lang="en-US" sz="2400" dirty="0">
                 <a:latin typeface="Times New Roman" panose="02020603050405020304" pitchFamily="18" charset="0"/>
                 <a:cs typeface="Times New Roman" panose="02020603050405020304" pitchFamily="18" charset="0"/>
               </a:rPr>
-            </a:br>
-            <a:br>
+              <a:t>Is the training data similar to your data?</a:t>
+            </a:r>
+          </a:p>
+          <a:p>
+            <a:pPr marL="457200" indent="-457200">
+              <a:buFont typeface="+mj-lt"/>
+              <a:buAutoNum type="arabicPeriod"/>
+            </a:pPr>
+            <a:r>
               <a:rPr lang="en-US" sz="2400" dirty="0">
                 <a:latin typeface="Times New Roman" panose="02020603050405020304" pitchFamily="18" charset="0"/>
                 <a:cs typeface="Times New Roman" panose="02020603050405020304" pitchFamily="18" charset="0"/>
               </a:rPr>
-            </a:br>
+              <a:t>How unusual is your text?</a:t>
+            </a:r>
+          </a:p>
+          <a:p>
+            <a:pPr marL="457200" indent="-457200">
+              <a:buFont typeface="+mj-lt"/>
+              <a:buAutoNum type="arabicPeriod"/>
+            </a:pPr>
             <a:r>
               <a:rPr lang="en-US" sz="2400" dirty="0">
                 <a:latin typeface="Times New Roman" panose="02020603050405020304" pitchFamily="18" charset="0"/>
                 <a:cs typeface="Times New Roman" panose="02020603050405020304" pitchFamily="18" charset="0"/>
               </a:rPr>
-              <a:t>Your data vs. the training data</a:t>
-            </a:r>
-          </a:p>
-          <a:p>
-            <a:pPr marL="285750" indent="-285750">
-              <a:buFont typeface="Arial" panose="020B0604020202020204" pitchFamily="34" charset="0"/>
-              <a:buChar char="•"/>
+              <a:t>What computational resources do you have available to you?</a:t>
+            </a:r>
+          </a:p>
+          <a:p>
+            <a:pPr marL="457200" indent="-457200">
+              <a:buFont typeface="+mj-lt"/>
+              <a:buAutoNum type="arabicPeriod"/>
             </a:pPr>
             <a:r>
               <a:rPr lang="en-US" sz="2400" dirty="0">
                 <a:latin typeface="Times New Roman" panose="02020603050405020304" pitchFamily="18" charset="0"/>
                 <a:cs typeface="Times New Roman" panose="02020603050405020304" pitchFamily="18" charset="0"/>
               </a:rPr>
-              <a:t>The complexity of your text</a:t>
-            </a:r>
-          </a:p>
-          <a:p>
-            <a:pPr marL="285750" indent="-285750">
-              <a:buFont typeface="Arial" panose="020B0604020202020204" pitchFamily="34" charset="0"/>
-              <a:buChar char="•"/>
-            </a:pPr>
-            <a:r>
-              <a:rPr lang="en-US" sz="2400" dirty="0">
-                <a:latin typeface="Times New Roman" panose="02020603050405020304" pitchFamily="18" charset="0"/>
-                <a:cs typeface="Times New Roman" panose="02020603050405020304" pitchFamily="18" charset="0"/>
-              </a:rPr>
-              <a:t>Your computational resources</a:t>
+              <a:t>What accuracy rates do you need?</a:t>
             </a:r>
           </a:p>
         </p:txBody>
@@ -5971,7 +5078,7 @@
 </p:sld>
 </file>
 
-<file path=ppt/slides/slide14.xml><?xml version="1.0" encoding="utf-8"?>
+<file path=ppt/slides/slide9.xml><?xml version="1.0" encoding="utf-8"?>
 <p:sld xmlns:a="http://schemas.openxmlformats.org/drawingml/2006/main" xmlns:r="http://schemas.openxmlformats.org/officeDocument/2006/relationships" xmlns:p="http://schemas.openxmlformats.org/presentationml/2006/main">
   <p:cSld>
     <p:spTree>
@@ -6067,2886 +5174,6 @@
   <p:clrMapOvr>
     <a:masterClrMapping/>
   </p:clrMapOvr>
-</p:sld>
-</file>
-
-<file path=ppt/slides/slide15.xml><?xml version="1.0" encoding="utf-8"?>
-<p:sld xmlns:a="http://schemas.openxmlformats.org/drawingml/2006/main" xmlns:r="http://schemas.openxmlformats.org/officeDocument/2006/relationships" xmlns:p="http://schemas.openxmlformats.org/presentationml/2006/main">
-  <p:cSld>
-    <p:spTree>
-      <p:nvGrpSpPr>
-        <p:cNvPr id="1" name="">
-          <a:extLst>
-            <a:ext uri="{FF2B5EF4-FFF2-40B4-BE49-F238E27FC236}">
-              <a16:creationId xmlns:a16="http://schemas.microsoft.com/office/drawing/2014/main" id="{384DF2D2-E228-D479-31D9-2D4838BF7C5A}"/>
-            </a:ext>
-          </a:extLst>
-        </p:cNvPr>
-        <p:cNvGrpSpPr/>
-        <p:nvPr/>
-      </p:nvGrpSpPr>
-      <p:grpSpPr>
-        <a:xfrm>
-          <a:off x="0" y="0"/>
-          <a:ext cx="0" cy="0"/>
-          <a:chOff x="0" y="0"/>
-          <a:chExt cx="0" cy="0"/>
-        </a:xfrm>
-      </p:grpSpPr>
-      <p:sp>
-        <p:nvSpPr>
-          <p:cNvPr id="2" name="Title 1">
-            <a:extLst>
-              <a:ext uri="{FF2B5EF4-FFF2-40B4-BE49-F238E27FC236}">
-                <a16:creationId xmlns:a16="http://schemas.microsoft.com/office/drawing/2014/main" id="{C18B0EBA-210E-1D17-CAFB-6489D3FBE992}"/>
-              </a:ext>
-            </a:extLst>
-          </p:cNvPr>
-          <p:cNvSpPr>
-            <a:spLocks noGrp="1"/>
-          </p:cNvSpPr>
-          <p:nvPr>
-            <p:ph type="title"/>
-          </p:nvPr>
-        </p:nvSpPr>
-        <p:spPr/>
-        <p:txBody>
-          <a:bodyPr/>
-          <a:lstStyle/>
-          <a:p>
-            <a:pPr algn="ctr"/>
-            <a:r>
-              <a:rPr lang="en-US" b="1" dirty="0">
-                <a:solidFill>
-                  <a:srgbClr val="000000"/>
-                </a:solidFill>
-                <a:latin typeface="Times New Roman"/>
-                <a:cs typeface="Calibri Light"/>
-              </a:rPr>
-              <a:t>Exercise 2</a:t>
-            </a:r>
-          </a:p>
-        </p:txBody>
-      </p:sp>
-      <p:sp>
-        <p:nvSpPr>
-          <p:cNvPr id="5" name="Content Placeholder 4">
-            <a:extLst>
-              <a:ext uri="{FF2B5EF4-FFF2-40B4-BE49-F238E27FC236}">
-                <a16:creationId xmlns:a16="http://schemas.microsoft.com/office/drawing/2014/main" id="{CF37203C-3E2A-B665-EF44-A42ADEB30E02}"/>
-              </a:ext>
-            </a:extLst>
-          </p:cNvPr>
-          <p:cNvSpPr>
-            <a:spLocks noGrp="1"/>
-          </p:cNvSpPr>
-          <p:nvPr>
-            <p:ph idx="1"/>
-          </p:nvPr>
-        </p:nvSpPr>
-        <p:spPr>
-          <a:xfrm>
-            <a:off x="467202" y="2107808"/>
-            <a:ext cx="8142111" cy="2642383"/>
-          </a:xfrm>
-        </p:spPr>
-        <p:txBody>
-          <a:bodyPr/>
-          <a:lstStyle/>
-          <a:p>
-            <a:pPr marL="0" indent="0">
-              <a:buNone/>
-            </a:pPr>
-            <a:r>
-              <a:rPr lang="en-US" b="0" i="0" dirty="0">
-                <a:solidFill>
-                  <a:srgbClr val="1F1F1F"/>
-                </a:solidFill>
-                <a:effectLst/>
-                <a:latin typeface="Times New Roman" panose="02020603050405020304" pitchFamily="18" charset="0"/>
-                <a:cs typeface="Times New Roman" panose="02020603050405020304" pitchFamily="18" charset="0"/>
-              </a:rPr>
-              <a:t>Using your own text data, calculate the most common named entity and its type.</a:t>
-            </a:r>
-          </a:p>
-          <a:p>
-            <a:pPr marL="0" indent="0">
-              <a:buNone/>
-            </a:pPr>
-            <a:endParaRPr lang="en-US" dirty="0">
-              <a:solidFill>
-                <a:schemeClr val="tx1"/>
-              </a:solidFill>
-              <a:latin typeface="Times New Roman" panose="02020603050405020304" pitchFamily="18" charset="0"/>
-              <a:cs typeface="Times New Roman" panose="02020603050405020304" pitchFamily="18" charset="0"/>
-            </a:endParaRPr>
-          </a:p>
-        </p:txBody>
-      </p:sp>
-    </p:spTree>
-    <p:extLst>
-      <p:ext uri="{BB962C8B-B14F-4D97-AF65-F5344CB8AC3E}">
-        <p14:creationId xmlns:p14="http://schemas.microsoft.com/office/powerpoint/2010/main" val="985417766"/>
-      </p:ext>
-    </p:extLst>
-  </p:cSld>
-  <p:clrMapOvr>
-    <a:masterClrMapping/>
-  </p:clrMapOvr>
-</p:sld>
-</file>
-
-<file path=ppt/slides/slide2.xml><?xml version="1.0" encoding="utf-8"?>
-<p:sld xmlns:a="http://schemas.openxmlformats.org/drawingml/2006/main" xmlns:r="http://schemas.openxmlformats.org/officeDocument/2006/relationships" xmlns:p="http://schemas.openxmlformats.org/presentationml/2006/main">
-  <p:cSld>
-    <p:spTree>
-      <p:nvGrpSpPr>
-        <p:cNvPr id="1" name=""/>
-        <p:cNvGrpSpPr/>
-        <p:nvPr/>
-      </p:nvGrpSpPr>
-      <p:grpSpPr>
-        <a:xfrm>
-          <a:off x="0" y="0"/>
-          <a:ext cx="0" cy="0"/>
-          <a:chOff x="0" y="0"/>
-          <a:chExt cx="0" cy="0"/>
-        </a:xfrm>
-      </p:grpSpPr>
-      <p:sp>
-        <p:nvSpPr>
-          <p:cNvPr id="2" name="Title 1">
-            <a:extLst>
-              <a:ext uri="{FF2B5EF4-FFF2-40B4-BE49-F238E27FC236}">
-                <a16:creationId xmlns:a16="http://schemas.microsoft.com/office/drawing/2014/main" id="{FF02E442-5BD2-C7E7-D487-182D2EC0E4FF}"/>
-              </a:ext>
-            </a:extLst>
-          </p:cNvPr>
-          <p:cNvSpPr>
-            <a:spLocks noGrp="1"/>
-          </p:cNvSpPr>
-          <p:nvPr>
-            <p:ph type="title"/>
-          </p:nvPr>
-        </p:nvSpPr>
-        <p:spPr/>
-        <p:txBody>
-          <a:bodyPr/>
-          <a:lstStyle/>
-          <a:p>
-            <a:pPr algn="ctr"/>
-            <a:r>
-              <a:rPr lang="en-US" dirty="0">
-                <a:solidFill>
-                  <a:srgbClr val="000000"/>
-                </a:solidFill>
-                <a:cs typeface="Calibri Light"/>
-              </a:rPr>
-              <a:t>Today's Lesson</a:t>
-            </a:r>
-            <a:endParaRPr lang="en-US" dirty="0">
-              <a:solidFill>
-                <a:srgbClr val="000000"/>
-              </a:solidFill>
-            </a:endParaRPr>
-          </a:p>
-        </p:txBody>
-      </p:sp>
-      <p:sp>
-        <p:nvSpPr>
-          <p:cNvPr id="3" name="Content Placeholder 2">
-            <a:extLst>
-              <a:ext uri="{FF2B5EF4-FFF2-40B4-BE49-F238E27FC236}">
-                <a16:creationId xmlns:a16="http://schemas.microsoft.com/office/drawing/2014/main" id="{13B6A96C-8D86-7F21-3DA5-4A818CE6C4D6}"/>
-              </a:ext>
-            </a:extLst>
-          </p:cNvPr>
-          <p:cNvSpPr>
-            <a:spLocks noGrp="1"/>
-          </p:cNvSpPr>
-          <p:nvPr>
-            <p:ph idx="1"/>
-          </p:nvPr>
-        </p:nvSpPr>
-        <p:spPr>
-          <a:xfrm>
-            <a:off x="265289" y="1600200"/>
-            <a:ext cx="8370711" cy="4778022"/>
-          </a:xfrm>
-        </p:spPr>
-        <p:txBody>
-          <a:bodyPr vert="horz" lIns="68580" tIns="34290" rIns="68580" bIns="34290" rtlCol="0" anchor="t">
-            <a:normAutofit/>
-          </a:bodyPr>
-          <a:lstStyle/>
-          <a:p>
-            <a:pPr marL="385445" indent="-385445">
-              <a:buAutoNum type="arabicPeriod"/>
-            </a:pPr>
-            <a:endParaRPr lang="en-US" sz="3200" dirty="0">
-              <a:solidFill>
-                <a:schemeClr val="tx1"/>
-              </a:solidFill>
-              <a:latin typeface="Times New Roman"/>
-              <a:cs typeface="Calibri" panose="020F0502020204030204"/>
-            </a:endParaRPr>
-          </a:p>
-          <a:p>
-            <a:pPr marL="1036638" indent="-373063">
-              <a:buAutoNum type="arabicPeriod"/>
-            </a:pPr>
-            <a:r>
-              <a:rPr lang="en-US" sz="3200" dirty="0">
-                <a:solidFill>
-                  <a:schemeClr val="tx1"/>
-                </a:solidFill>
-                <a:latin typeface="Times New Roman"/>
-                <a:cs typeface="Calibri" panose="020F0502020204030204"/>
-              </a:rPr>
-              <a:t>Review of Class </a:t>
-            </a:r>
-            <a:r>
-              <a:rPr lang="en-US" sz="3200">
-                <a:solidFill>
-                  <a:schemeClr val="tx1"/>
-                </a:solidFill>
-                <a:latin typeface="Times New Roman"/>
-                <a:cs typeface="Calibri" panose="020F0502020204030204"/>
-              </a:rPr>
-              <a:t>1 Exercise</a:t>
-            </a:r>
-          </a:p>
-          <a:p>
-            <a:pPr marL="1036638" indent="-373063">
-              <a:buAutoNum type="arabicPeriod"/>
-            </a:pPr>
-            <a:r>
-              <a:rPr lang="en-US" sz="3200" dirty="0">
-                <a:solidFill>
-                  <a:schemeClr val="tx1"/>
-                </a:solidFill>
-                <a:latin typeface="Times New Roman"/>
-                <a:cs typeface="Calibri" panose="020F0502020204030204"/>
-              </a:rPr>
-              <a:t>Lexical Analysis</a:t>
-            </a:r>
-          </a:p>
-          <a:p>
-            <a:pPr marL="1036638" indent="-373063">
-              <a:buAutoNum type="arabicPeriod"/>
-            </a:pPr>
-            <a:r>
-              <a:rPr lang="en-US" sz="3200" dirty="0">
-                <a:solidFill>
-                  <a:schemeClr val="tx1"/>
-                </a:solidFill>
-                <a:latin typeface="Times New Roman"/>
-                <a:cs typeface="Calibri" panose="020F0502020204030204"/>
-              </a:rPr>
-              <a:t>Named Entity Recognition and Part of Speech Tagging</a:t>
-            </a:r>
-          </a:p>
-          <a:p>
-            <a:pPr marL="0" indent="0">
-              <a:buNone/>
-            </a:pPr>
-            <a:endParaRPr lang="en-US" sz="3200" dirty="0">
-              <a:solidFill>
-                <a:schemeClr val="tx1"/>
-              </a:solidFill>
-              <a:latin typeface="Times New Roman"/>
-              <a:cs typeface="Calibri" panose="020F0502020204030204"/>
-            </a:endParaRPr>
-          </a:p>
-          <a:p>
-            <a:pPr marL="0" indent="0" algn="ctr">
-              <a:buNone/>
-            </a:pPr>
-            <a:r>
-              <a:rPr lang="en-US" dirty="0">
-                <a:solidFill>
-                  <a:schemeClr val="tx1"/>
-                </a:solidFill>
-                <a:latin typeface="Times New Roman"/>
-                <a:cs typeface="Arial"/>
-              </a:rPr>
-              <a:t>https://github.com/ClaudiaECarroll/text_analysis_python</a:t>
-            </a:r>
-            <a:endParaRPr lang="en-US" dirty="0">
-              <a:solidFill>
-                <a:schemeClr val="tx1"/>
-              </a:solidFill>
-              <a:latin typeface="Times New Roman"/>
-            </a:endParaRPr>
-          </a:p>
-        </p:txBody>
-      </p:sp>
-    </p:spTree>
-    <p:extLst>
-      <p:ext uri="{BB962C8B-B14F-4D97-AF65-F5344CB8AC3E}">
-        <p14:creationId xmlns:p14="http://schemas.microsoft.com/office/powerpoint/2010/main" val="3839357258"/>
-      </p:ext>
-    </p:extLst>
-  </p:cSld>
-  <p:clrMapOvr>
-    <a:masterClrMapping/>
-  </p:clrMapOvr>
-</p:sld>
-</file>
-
-<file path=ppt/slides/slide3.xml><?xml version="1.0" encoding="utf-8"?>
-<p:sld xmlns:a="http://schemas.openxmlformats.org/drawingml/2006/main" xmlns:r="http://schemas.openxmlformats.org/officeDocument/2006/relationships" xmlns:p="http://schemas.openxmlformats.org/presentationml/2006/main">
-  <p:cSld>
-    <p:spTree>
-      <p:nvGrpSpPr>
-        <p:cNvPr id="1" name=""/>
-        <p:cNvGrpSpPr/>
-        <p:nvPr/>
-      </p:nvGrpSpPr>
-      <p:grpSpPr>
-        <a:xfrm>
-          <a:off x="0" y="0"/>
-          <a:ext cx="0" cy="0"/>
-          <a:chOff x="0" y="0"/>
-          <a:chExt cx="0" cy="0"/>
-        </a:xfrm>
-      </p:grpSpPr>
-      <p:sp>
-        <p:nvSpPr>
-          <p:cNvPr id="2" name="Title 1">
-            <a:extLst>
-              <a:ext uri="{FF2B5EF4-FFF2-40B4-BE49-F238E27FC236}">
-                <a16:creationId xmlns:a16="http://schemas.microsoft.com/office/drawing/2014/main" id="{FF02E442-5BD2-C7E7-D487-182D2EC0E4FF}"/>
-              </a:ext>
-            </a:extLst>
-          </p:cNvPr>
-          <p:cNvSpPr>
-            <a:spLocks noGrp="1"/>
-          </p:cNvSpPr>
-          <p:nvPr>
-            <p:ph type="title"/>
-          </p:nvPr>
-        </p:nvSpPr>
-        <p:spPr/>
-        <p:txBody>
-          <a:bodyPr/>
-          <a:lstStyle/>
-          <a:p>
-            <a:pPr algn="ctr"/>
-            <a:r>
-              <a:rPr lang="en-US" dirty="0">
-                <a:solidFill>
-                  <a:srgbClr val="000000"/>
-                </a:solidFill>
-                <a:latin typeface="Times New Roman"/>
-                <a:cs typeface="Calibri Light"/>
-              </a:rPr>
-              <a:t>Class Materials</a:t>
-            </a:r>
-            <a:endParaRPr lang="en-US" dirty="0">
-              <a:solidFill>
-                <a:srgbClr val="000000"/>
-              </a:solidFill>
-              <a:cs typeface="Calibri Light"/>
-            </a:endParaRPr>
-          </a:p>
-        </p:txBody>
-      </p:sp>
-      <p:sp>
-        <p:nvSpPr>
-          <p:cNvPr id="3" name="Content Placeholder 2">
-            <a:extLst>
-              <a:ext uri="{FF2B5EF4-FFF2-40B4-BE49-F238E27FC236}">
-                <a16:creationId xmlns:a16="http://schemas.microsoft.com/office/drawing/2014/main" id="{13B6A96C-8D86-7F21-3DA5-4A818CE6C4D6}"/>
-              </a:ext>
-            </a:extLst>
-          </p:cNvPr>
-          <p:cNvSpPr>
-            <a:spLocks noGrp="1"/>
-          </p:cNvSpPr>
-          <p:nvPr>
-            <p:ph idx="1"/>
-          </p:nvPr>
-        </p:nvSpPr>
-        <p:spPr/>
-        <p:txBody>
-          <a:bodyPr vert="horz" lIns="68580" tIns="34290" rIns="68580" bIns="34290" rtlCol="0" anchor="t">
-            <a:normAutofit/>
-          </a:bodyPr>
-          <a:lstStyle/>
-          <a:p>
-            <a:pPr marL="385445" indent="-385445">
-              <a:buAutoNum type="arabicPeriod"/>
-            </a:pPr>
-            <a:endParaRPr lang="en-US" sz="3200" dirty="0">
-              <a:solidFill>
-                <a:schemeClr val="tx1"/>
-              </a:solidFill>
-              <a:latin typeface="Times New Roman"/>
-              <a:cs typeface="Calibri" panose="020F0502020204030204"/>
-            </a:endParaRPr>
-          </a:p>
-          <a:p>
-            <a:pPr marL="0" indent="0">
-              <a:buNone/>
-            </a:pPr>
-            <a:endParaRPr lang="en-US" sz="2400" dirty="0">
-              <a:solidFill>
-                <a:schemeClr val="tx1"/>
-              </a:solidFill>
-              <a:latin typeface="Times New Roman"/>
-              <a:cs typeface="Times New Roman"/>
-            </a:endParaRPr>
-          </a:p>
-          <a:p>
-            <a:pPr marL="0" indent="0" algn="ctr">
-              <a:buNone/>
-            </a:pPr>
-            <a:r>
-              <a:rPr lang="en-US" sz="2400" dirty="0">
-                <a:solidFill>
-                  <a:schemeClr val="tx1"/>
-                </a:solidFill>
-                <a:latin typeface="Times New Roman"/>
-                <a:cs typeface="Times New Roman"/>
-              </a:rPr>
-              <a:t>https://github.com/ClaudiaECarroll/text_analysis_python</a:t>
-            </a:r>
-            <a:endParaRPr lang="en-US" sz="2400">
-              <a:solidFill>
-                <a:schemeClr val="tx1"/>
-              </a:solidFill>
-            </a:endParaRPr>
-          </a:p>
-        </p:txBody>
-      </p:sp>
-    </p:spTree>
-    <p:extLst>
-      <p:ext uri="{BB962C8B-B14F-4D97-AF65-F5344CB8AC3E}">
-        <p14:creationId xmlns:p14="http://schemas.microsoft.com/office/powerpoint/2010/main" val="2137234113"/>
-      </p:ext>
-    </p:extLst>
-  </p:cSld>
-  <p:clrMapOvr>
-    <a:masterClrMapping/>
-  </p:clrMapOvr>
-</p:sld>
-</file>
-
-<file path=ppt/slides/slide4.xml><?xml version="1.0" encoding="utf-8"?>
-<p:sld xmlns:a="http://schemas.openxmlformats.org/drawingml/2006/main" xmlns:r="http://schemas.openxmlformats.org/officeDocument/2006/relationships" xmlns:p="http://schemas.openxmlformats.org/presentationml/2006/main">
-  <p:cSld>
-    <p:spTree>
-      <p:nvGrpSpPr>
-        <p:cNvPr id="1" name=""/>
-        <p:cNvGrpSpPr/>
-        <p:nvPr/>
-      </p:nvGrpSpPr>
-      <p:grpSpPr>
-        <a:xfrm>
-          <a:off x="0" y="0"/>
-          <a:ext cx="0" cy="0"/>
-          <a:chOff x="0" y="0"/>
-          <a:chExt cx="0" cy="0"/>
-        </a:xfrm>
-      </p:grpSpPr>
-      <p:sp>
-        <p:nvSpPr>
-          <p:cNvPr id="2" name="Title 1">
-            <a:extLst>
-              <a:ext uri="{FF2B5EF4-FFF2-40B4-BE49-F238E27FC236}">
-                <a16:creationId xmlns:a16="http://schemas.microsoft.com/office/drawing/2014/main" id="{E71D3CE9-A0CE-688A-8425-F676EA57FDDA}"/>
-              </a:ext>
-            </a:extLst>
-          </p:cNvPr>
-          <p:cNvSpPr>
-            <a:spLocks noGrp="1"/>
-          </p:cNvSpPr>
-          <p:nvPr>
-            <p:ph type="title"/>
-          </p:nvPr>
-        </p:nvSpPr>
-        <p:spPr/>
-        <p:txBody>
-          <a:bodyPr/>
-          <a:lstStyle/>
-          <a:p>
-            <a:pPr algn="ctr"/>
-            <a:r>
-              <a:rPr lang="en-US" b="1" dirty="0">
-                <a:solidFill>
-                  <a:srgbClr val="000000"/>
-                </a:solidFill>
-                <a:latin typeface="Times New Roman"/>
-                <a:cs typeface="Calibri Light"/>
-              </a:rPr>
-              <a:t>Exercise 1</a:t>
-            </a:r>
-          </a:p>
-        </p:txBody>
-      </p:sp>
-      <p:sp>
-        <p:nvSpPr>
-          <p:cNvPr id="3" name="Content Placeholder 2">
-            <a:extLst>
-              <a:ext uri="{FF2B5EF4-FFF2-40B4-BE49-F238E27FC236}">
-                <a16:creationId xmlns:a16="http://schemas.microsoft.com/office/drawing/2014/main" id="{3E49142E-0FF7-3BD4-D714-FDB0A199AB58}"/>
-              </a:ext>
-            </a:extLst>
-          </p:cNvPr>
-          <p:cNvSpPr>
-            <a:spLocks noGrp="1"/>
-          </p:cNvSpPr>
-          <p:nvPr>
-            <p:ph idx="1"/>
-          </p:nvPr>
-        </p:nvSpPr>
-        <p:spPr/>
-        <p:txBody>
-          <a:bodyPr vert="horz" lIns="68580" tIns="34290" rIns="68580" bIns="34290" rtlCol="0" anchor="t">
-            <a:normAutofit/>
-          </a:bodyPr>
-          <a:lstStyle/>
-          <a:p>
-            <a:pPr marL="0" indent="0">
-              <a:buNone/>
-            </a:pPr>
-            <a:r>
-              <a:rPr lang="en-US" sz="3200" dirty="0">
-                <a:solidFill>
-                  <a:srgbClr val="000000"/>
-                </a:solidFill>
-                <a:latin typeface="Times New Roman" panose="02020603050405020304" pitchFamily="18" charset="0"/>
-                <a:cs typeface="Times New Roman" panose="02020603050405020304" pitchFamily="18" charset="0"/>
-              </a:rPr>
-              <a:t>Calculate and compare the </a:t>
-            </a:r>
-            <a:r>
-              <a:rPr lang="en-US" sz="3200" u="sng" dirty="0">
-                <a:solidFill>
-                  <a:srgbClr val="000000"/>
-                </a:solidFill>
-                <a:latin typeface="Times New Roman" panose="02020603050405020304" pitchFamily="18" charset="0"/>
-                <a:cs typeface="Times New Roman" panose="02020603050405020304" pitchFamily="18" charset="0"/>
-              </a:rPr>
-              <a:t>relative</a:t>
-            </a:r>
-            <a:r>
-              <a:rPr lang="en-US" sz="3200" dirty="0">
-                <a:solidFill>
-                  <a:srgbClr val="000000"/>
-                </a:solidFill>
-                <a:latin typeface="Times New Roman" panose="02020603050405020304" pitchFamily="18" charset="0"/>
-                <a:cs typeface="Times New Roman" panose="02020603050405020304" pitchFamily="18" charset="0"/>
-              </a:rPr>
-              <a:t> frequency of male and female pronouns in </a:t>
-            </a:r>
-            <a:r>
-              <a:rPr lang="en-US" sz="3200" dirty="0" err="1">
-                <a:solidFill>
-                  <a:srgbClr val="000000"/>
-                </a:solidFill>
-                <a:latin typeface="Times New Roman" panose="02020603050405020304" pitchFamily="18" charset="0"/>
-                <a:cs typeface="Times New Roman" panose="02020603050405020304" pitchFamily="18" charset="0"/>
-              </a:rPr>
-              <a:t>rapunzel.txt</a:t>
-            </a:r>
-            <a:endParaRPr lang="en-US" sz="3200" dirty="0">
-              <a:solidFill>
-                <a:srgbClr val="000000"/>
-              </a:solidFill>
-              <a:latin typeface="Times New Roman" panose="02020603050405020304" pitchFamily="18" charset="0"/>
-              <a:cs typeface="Times New Roman" panose="02020603050405020304" pitchFamily="18" charset="0"/>
-            </a:endParaRPr>
-          </a:p>
-          <a:p>
-            <a:pPr marL="0" indent="0">
-              <a:buNone/>
-            </a:pPr>
-            <a:endParaRPr lang="en-US" sz="3200" dirty="0">
-              <a:solidFill>
-                <a:srgbClr val="000000"/>
-              </a:solidFill>
-              <a:latin typeface="Times New Roman" panose="02020603050405020304" pitchFamily="18" charset="0"/>
-              <a:cs typeface="Times New Roman" panose="02020603050405020304" pitchFamily="18" charset="0"/>
-            </a:endParaRPr>
-          </a:p>
-          <a:p>
-            <a:pPr marL="0" indent="0">
-              <a:buNone/>
-            </a:pPr>
-            <a:r>
-              <a:rPr lang="en-US" sz="3200" i="1" dirty="0">
-                <a:solidFill>
-                  <a:srgbClr val="000000"/>
-                </a:solidFill>
-                <a:latin typeface="Times New Roman" panose="02020603050405020304" pitchFamily="18" charset="0"/>
-                <a:cs typeface="Times New Roman" panose="02020603050405020304" pitchFamily="18" charset="0"/>
-              </a:rPr>
-              <a:t>Warning: You will have to do a tiny bit of math. </a:t>
-            </a:r>
-            <a:endParaRPr lang="en-US" sz="2400" dirty="0">
-              <a:solidFill>
-                <a:srgbClr val="000000"/>
-              </a:solidFill>
-              <a:latin typeface="Arial"/>
-              <a:cs typeface="Times New Roman"/>
-            </a:endParaRPr>
-          </a:p>
-        </p:txBody>
-      </p:sp>
-    </p:spTree>
-    <p:extLst>
-      <p:ext uri="{BB962C8B-B14F-4D97-AF65-F5344CB8AC3E}">
-        <p14:creationId xmlns:p14="http://schemas.microsoft.com/office/powerpoint/2010/main" val="2077495510"/>
-      </p:ext>
-    </p:extLst>
-  </p:cSld>
-  <p:clrMapOvr>
-    <a:masterClrMapping/>
-  </p:clrMapOvr>
-</p:sld>
-</file>
-
-<file path=ppt/slides/slide5.xml><?xml version="1.0" encoding="utf-8"?>
-<p:sld xmlns:a="http://schemas.openxmlformats.org/drawingml/2006/main" xmlns:r="http://schemas.openxmlformats.org/officeDocument/2006/relationships" xmlns:p="http://schemas.openxmlformats.org/presentationml/2006/main">
-  <p:cSld>
-    <p:spTree>
-      <p:nvGrpSpPr>
-        <p:cNvPr id="1" name=""/>
-        <p:cNvGrpSpPr/>
-        <p:nvPr/>
-      </p:nvGrpSpPr>
-      <p:grpSpPr>
-        <a:xfrm>
-          <a:off x="0" y="0"/>
-          <a:ext cx="0" cy="0"/>
-          <a:chOff x="0" y="0"/>
-          <a:chExt cx="0" cy="0"/>
-        </a:xfrm>
-      </p:grpSpPr>
-      <p:sp>
-        <p:nvSpPr>
-          <p:cNvPr id="2" name="Content Placeholder 1">
-            <a:extLst>
-              <a:ext uri="{FF2B5EF4-FFF2-40B4-BE49-F238E27FC236}">
-                <a16:creationId xmlns:a16="http://schemas.microsoft.com/office/drawing/2014/main" id="{90170163-26B1-0710-1A4E-0E14077C4A6D}"/>
-              </a:ext>
-            </a:extLst>
-          </p:cNvPr>
-          <p:cNvSpPr>
-            <a:spLocks noGrp="1"/>
-          </p:cNvSpPr>
-          <p:nvPr>
-            <p:ph idx="1"/>
-          </p:nvPr>
-        </p:nvSpPr>
-        <p:spPr/>
-        <p:txBody>
-          <a:bodyPr>
-            <a:normAutofit fontScale="92500" lnSpcReduction="10000"/>
-          </a:bodyPr>
-          <a:lstStyle/>
-          <a:p>
-            <a:pPr marL="0" indent="0">
-              <a:buNone/>
-            </a:pPr>
-            <a:r>
-              <a:rPr lang="en-US" sz="1600" b="1" dirty="0">
-                <a:solidFill>
-                  <a:srgbClr val="000000"/>
-                </a:solidFill>
-                <a:effectLst/>
-                <a:latin typeface="Consolas" panose="020B0609020204030204" pitchFamily="49" charset="0"/>
-                <a:cs typeface="Consolas" panose="020B0609020204030204" pitchFamily="49" charset="0"/>
-              </a:rPr>
-              <a:t># Reading and tokenizing text file</a:t>
-            </a:r>
-          </a:p>
-          <a:p>
-            <a:pPr marL="0" indent="0">
-              <a:buNone/>
-            </a:pPr>
-            <a:endParaRPr lang="en-US" sz="1600" b="0" dirty="0">
-              <a:solidFill>
-                <a:srgbClr val="000000"/>
-              </a:solidFill>
-              <a:effectLst/>
-              <a:latin typeface="Consolas" panose="020B0609020204030204" pitchFamily="49" charset="0"/>
-              <a:cs typeface="Consolas" panose="020B0609020204030204" pitchFamily="49" charset="0"/>
-            </a:endParaRPr>
-          </a:p>
-          <a:p>
-            <a:pPr marL="0" indent="0">
-              <a:buNone/>
-            </a:pPr>
-            <a:r>
-              <a:rPr lang="en-US" sz="1600" b="0" dirty="0" err="1">
-                <a:solidFill>
-                  <a:srgbClr val="000000"/>
-                </a:solidFill>
-                <a:effectLst/>
-                <a:latin typeface="Consolas" panose="020B0609020204030204" pitchFamily="49" charset="0"/>
-                <a:cs typeface="Consolas" panose="020B0609020204030204" pitchFamily="49" charset="0"/>
-              </a:rPr>
-              <a:t>rapunzel</a:t>
-            </a:r>
-            <a:r>
-              <a:rPr lang="en-US" sz="1600" b="0" dirty="0">
-                <a:solidFill>
-                  <a:srgbClr val="000000"/>
-                </a:solidFill>
-                <a:effectLst/>
-                <a:latin typeface="Consolas" panose="020B0609020204030204" pitchFamily="49" charset="0"/>
-                <a:cs typeface="Consolas" panose="020B0609020204030204" pitchFamily="49" charset="0"/>
-              </a:rPr>
-              <a:t> = </a:t>
-            </a:r>
-            <a:r>
-              <a:rPr lang="en-US" sz="1600" b="0" dirty="0">
-                <a:solidFill>
-                  <a:srgbClr val="795E26"/>
-                </a:solidFill>
-                <a:effectLst/>
-                <a:latin typeface="Consolas" panose="020B0609020204030204" pitchFamily="49" charset="0"/>
-                <a:cs typeface="Consolas" panose="020B0609020204030204" pitchFamily="49" charset="0"/>
-              </a:rPr>
-              <a:t>open</a:t>
-            </a:r>
-            <a:r>
-              <a:rPr lang="en-US" sz="1600" b="0" dirty="0">
-                <a:solidFill>
-                  <a:srgbClr val="000000"/>
-                </a:solidFill>
-                <a:effectLst/>
-                <a:latin typeface="Consolas" panose="020B0609020204030204" pitchFamily="49" charset="0"/>
-                <a:cs typeface="Consolas" panose="020B0609020204030204" pitchFamily="49" charset="0"/>
-              </a:rPr>
-              <a:t>(</a:t>
-            </a:r>
-            <a:r>
-              <a:rPr lang="en-US" sz="1600" b="0" dirty="0" err="1">
-                <a:solidFill>
-                  <a:srgbClr val="000000"/>
-                </a:solidFill>
-                <a:effectLst/>
-                <a:latin typeface="Consolas" panose="020B0609020204030204" pitchFamily="49" charset="0"/>
-                <a:cs typeface="Consolas" panose="020B0609020204030204" pitchFamily="49" charset="0"/>
-              </a:rPr>
-              <a:t>os.path.join</a:t>
-            </a:r>
-            <a:r>
-              <a:rPr lang="en-US" sz="1600" b="0" dirty="0">
-                <a:solidFill>
-                  <a:srgbClr val="000000"/>
-                </a:solidFill>
-                <a:effectLst/>
-                <a:latin typeface="Consolas" panose="020B0609020204030204" pitchFamily="49" charset="0"/>
-                <a:cs typeface="Consolas" panose="020B0609020204030204" pitchFamily="49" charset="0"/>
-              </a:rPr>
-              <a:t>(</a:t>
-            </a:r>
-            <a:r>
-              <a:rPr lang="en-US" sz="1600" b="0" dirty="0" err="1">
-                <a:solidFill>
-                  <a:srgbClr val="000000"/>
-                </a:solidFill>
-                <a:effectLst/>
-                <a:latin typeface="Consolas" panose="020B0609020204030204" pitchFamily="49" charset="0"/>
-                <a:cs typeface="Consolas" panose="020B0609020204030204" pitchFamily="49" charset="0"/>
-              </a:rPr>
-              <a:t>grimms_folder</a:t>
-            </a:r>
-            <a:r>
-              <a:rPr lang="en-US" sz="1600" b="0" dirty="0">
-                <a:solidFill>
-                  <a:srgbClr val="000000"/>
-                </a:solidFill>
-                <a:effectLst/>
-                <a:latin typeface="Consolas" panose="020B0609020204030204" pitchFamily="49" charset="0"/>
-                <a:cs typeface="Consolas" panose="020B0609020204030204" pitchFamily="49" charset="0"/>
-              </a:rPr>
-              <a:t>, </a:t>
-            </a:r>
-            <a:r>
-              <a:rPr lang="en-US" sz="1600" b="0" dirty="0">
-                <a:solidFill>
-                  <a:srgbClr val="A31515"/>
-                </a:solidFill>
-                <a:effectLst/>
-                <a:latin typeface="Consolas" panose="020B0609020204030204" pitchFamily="49" charset="0"/>
-                <a:cs typeface="Consolas" panose="020B0609020204030204" pitchFamily="49" charset="0"/>
-              </a:rPr>
-              <a:t>"</a:t>
-            </a:r>
-            <a:r>
-              <a:rPr lang="en-US" sz="1600" b="0" dirty="0" err="1">
-                <a:solidFill>
-                  <a:srgbClr val="A31515"/>
-                </a:solidFill>
-                <a:effectLst/>
-                <a:latin typeface="Consolas" panose="020B0609020204030204" pitchFamily="49" charset="0"/>
-                <a:cs typeface="Consolas" panose="020B0609020204030204" pitchFamily="49" charset="0"/>
-              </a:rPr>
-              <a:t>rapunzel.txt</a:t>
-            </a:r>
-            <a:r>
-              <a:rPr lang="en-US" sz="1600" b="0" dirty="0">
-                <a:solidFill>
-                  <a:srgbClr val="A31515"/>
-                </a:solidFill>
-                <a:effectLst/>
-                <a:latin typeface="Consolas" panose="020B0609020204030204" pitchFamily="49" charset="0"/>
-                <a:cs typeface="Consolas" panose="020B0609020204030204" pitchFamily="49" charset="0"/>
-              </a:rPr>
-              <a:t>"</a:t>
-            </a:r>
-            <a:r>
-              <a:rPr lang="en-US" sz="1600" b="0" dirty="0">
-                <a:solidFill>
-                  <a:srgbClr val="000000"/>
-                </a:solidFill>
-                <a:effectLst/>
-                <a:latin typeface="Consolas" panose="020B0609020204030204" pitchFamily="49" charset="0"/>
-                <a:cs typeface="Consolas" panose="020B0609020204030204" pitchFamily="49" charset="0"/>
-              </a:rPr>
-              <a:t>), encoding=</a:t>
-            </a:r>
-            <a:r>
-              <a:rPr lang="en-US" sz="1600" b="0" dirty="0">
-                <a:solidFill>
-                  <a:srgbClr val="A31515"/>
-                </a:solidFill>
-                <a:effectLst/>
-                <a:latin typeface="Consolas" panose="020B0609020204030204" pitchFamily="49" charset="0"/>
-                <a:cs typeface="Consolas" panose="020B0609020204030204" pitchFamily="49" charset="0"/>
-              </a:rPr>
-              <a:t>"utf-8"</a:t>
-            </a:r>
-            <a:r>
-              <a:rPr lang="en-US" sz="1600" b="0" dirty="0">
-                <a:solidFill>
-                  <a:srgbClr val="000000"/>
-                </a:solidFill>
-                <a:effectLst/>
-                <a:latin typeface="Consolas" panose="020B0609020204030204" pitchFamily="49" charset="0"/>
-                <a:cs typeface="Consolas" panose="020B0609020204030204" pitchFamily="49" charset="0"/>
-              </a:rPr>
-              <a:t>).read() </a:t>
-            </a:r>
-          </a:p>
-          <a:p>
-            <a:pPr marL="0" indent="0">
-              <a:buNone/>
-            </a:pPr>
-            <a:br>
-              <a:rPr lang="en-US" sz="1600" b="0" dirty="0">
-                <a:solidFill>
-                  <a:srgbClr val="000000"/>
-                </a:solidFill>
-                <a:effectLst/>
-                <a:latin typeface="Consolas" panose="020B0609020204030204" pitchFamily="49" charset="0"/>
-                <a:cs typeface="Consolas" panose="020B0609020204030204" pitchFamily="49" charset="0"/>
-              </a:rPr>
-            </a:br>
-            <a:r>
-              <a:rPr lang="en-US" sz="1600" b="0" dirty="0">
-                <a:solidFill>
-                  <a:srgbClr val="000000"/>
-                </a:solidFill>
-                <a:effectLst/>
-                <a:latin typeface="Consolas" panose="020B0609020204030204" pitchFamily="49" charset="0"/>
-                <a:cs typeface="Consolas" panose="020B0609020204030204" pitchFamily="49" charset="0"/>
-              </a:rPr>
-              <a:t>tokens = </a:t>
-            </a:r>
-            <a:r>
-              <a:rPr lang="en-US" sz="1600" b="0" dirty="0" err="1">
-                <a:solidFill>
-                  <a:srgbClr val="000000"/>
-                </a:solidFill>
-                <a:effectLst/>
-                <a:latin typeface="Consolas" panose="020B0609020204030204" pitchFamily="49" charset="0"/>
-                <a:cs typeface="Consolas" panose="020B0609020204030204" pitchFamily="49" charset="0"/>
-              </a:rPr>
-              <a:t>word_tokenize</a:t>
-            </a:r>
-            <a:r>
-              <a:rPr lang="en-US" sz="1600" b="0" dirty="0">
-                <a:solidFill>
-                  <a:srgbClr val="000000"/>
-                </a:solidFill>
-                <a:effectLst/>
-                <a:latin typeface="Consolas" panose="020B0609020204030204" pitchFamily="49" charset="0"/>
-                <a:cs typeface="Consolas" panose="020B0609020204030204" pitchFamily="49" charset="0"/>
-              </a:rPr>
-              <a:t>(</a:t>
-            </a:r>
-            <a:r>
-              <a:rPr lang="en-US" sz="1600" b="0" dirty="0" err="1">
-                <a:solidFill>
-                  <a:srgbClr val="000000"/>
-                </a:solidFill>
-                <a:effectLst/>
-                <a:latin typeface="Consolas" panose="020B0609020204030204" pitchFamily="49" charset="0"/>
-                <a:cs typeface="Consolas" panose="020B0609020204030204" pitchFamily="49" charset="0"/>
-              </a:rPr>
-              <a:t>rapunzel</a:t>
-            </a:r>
-            <a:r>
-              <a:rPr lang="en-US" sz="1600" b="0" dirty="0">
-                <a:solidFill>
-                  <a:srgbClr val="000000"/>
-                </a:solidFill>
-                <a:effectLst/>
-                <a:latin typeface="Consolas" panose="020B0609020204030204" pitchFamily="49" charset="0"/>
-                <a:cs typeface="Consolas" panose="020B0609020204030204" pitchFamily="49" charset="0"/>
-              </a:rPr>
-              <a:t>)</a:t>
-            </a:r>
-          </a:p>
-          <a:p>
-            <a:pPr marL="0" indent="0">
-              <a:buNone/>
-            </a:pPr>
-            <a:endParaRPr lang="en-US" sz="1600" b="0" dirty="0">
-              <a:solidFill>
-                <a:srgbClr val="000000"/>
-              </a:solidFill>
-              <a:effectLst/>
-              <a:latin typeface="Consolas" panose="020B0609020204030204" pitchFamily="49" charset="0"/>
-              <a:cs typeface="Consolas" panose="020B0609020204030204" pitchFamily="49" charset="0"/>
-            </a:endParaRPr>
-          </a:p>
-          <a:p>
-            <a:pPr marL="0" indent="0">
-              <a:buNone/>
-            </a:pPr>
-            <a:r>
-              <a:rPr lang="en-US" sz="1600" b="1" dirty="0">
-                <a:solidFill>
-                  <a:srgbClr val="000000"/>
-                </a:solidFill>
-                <a:effectLst/>
-                <a:latin typeface="Consolas" panose="020B0609020204030204" pitchFamily="49" charset="0"/>
-                <a:cs typeface="Consolas" panose="020B0609020204030204" pitchFamily="49" charset="0"/>
-              </a:rPr>
-              <a:t># Cleaning tokens of punctuation, and making all lowercase</a:t>
-            </a:r>
-          </a:p>
-          <a:p>
-            <a:pPr marL="0" indent="0">
-              <a:buNone/>
-            </a:pPr>
-            <a:br>
-              <a:rPr lang="en-US" sz="1600" b="0" dirty="0">
-                <a:solidFill>
-                  <a:srgbClr val="000000"/>
-                </a:solidFill>
-                <a:effectLst/>
-                <a:latin typeface="Consolas" panose="020B0609020204030204" pitchFamily="49" charset="0"/>
-                <a:cs typeface="Consolas" panose="020B0609020204030204" pitchFamily="49" charset="0"/>
-              </a:rPr>
-            </a:br>
-            <a:r>
-              <a:rPr lang="en-US" sz="1600" b="0" dirty="0">
-                <a:solidFill>
-                  <a:srgbClr val="000000"/>
-                </a:solidFill>
-                <a:effectLst/>
-                <a:latin typeface="Consolas" panose="020B0609020204030204" pitchFamily="49" charset="0"/>
-                <a:cs typeface="Consolas" panose="020B0609020204030204" pitchFamily="49" charset="0"/>
-              </a:rPr>
-              <a:t>punctuation = list(</a:t>
-            </a:r>
-            <a:r>
-              <a:rPr lang="en-US" sz="1600" b="0" dirty="0" err="1">
-                <a:solidFill>
-                  <a:srgbClr val="000000"/>
-                </a:solidFill>
-                <a:effectLst/>
-                <a:latin typeface="Consolas" panose="020B0609020204030204" pitchFamily="49" charset="0"/>
-                <a:cs typeface="Consolas" panose="020B0609020204030204" pitchFamily="49" charset="0"/>
-              </a:rPr>
-              <a:t>string.punctuation</a:t>
-            </a:r>
-            <a:r>
-              <a:rPr lang="en-US" sz="1600" b="0" dirty="0">
-                <a:solidFill>
-                  <a:srgbClr val="000000"/>
-                </a:solidFill>
-                <a:effectLst/>
-                <a:latin typeface="Consolas" panose="020B0609020204030204" pitchFamily="49" charset="0"/>
-                <a:cs typeface="Consolas" panose="020B0609020204030204" pitchFamily="49" charset="0"/>
-              </a:rPr>
-              <a:t>)</a:t>
-            </a:r>
-          </a:p>
-          <a:p>
-            <a:pPr marL="0" indent="0">
-              <a:buNone/>
-            </a:pPr>
-            <a:br>
-              <a:rPr lang="en-US" sz="1600" b="0" dirty="0">
-                <a:solidFill>
-                  <a:srgbClr val="000000"/>
-                </a:solidFill>
-                <a:effectLst/>
-                <a:latin typeface="Consolas" panose="020B0609020204030204" pitchFamily="49" charset="0"/>
-                <a:cs typeface="Consolas" panose="020B0609020204030204" pitchFamily="49" charset="0"/>
-              </a:rPr>
-            </a:br>
-            <a:r>
-              <a:rPr lang="en-US" sz="1600" b="0" dirty="0" err="1">
-                <a:solidFill>
-                  <a:srgbClr val="000000"/>
-                </a:solidFill>
-                <a:effectLst/>
-                <a:latin typeface="Consolas" panose="020B0609020204030204" pitchFamily="49" charset="0"/>
-                <a:cs typeface="Consolas" panose="020B0609020204030204" pitchFamily="49" charset="0"/>
-              </a:rPr>
-              <a:t>punctuation.append</a:t>
-            </a:r>
-            <a:r>
-              <a:rPr lang="en-US" sz="1600" b="0" dirty="0">
-                <a:solidFill>
-                  <a:srgbClr val="000000"/>
-                </a:solidFill>
-                <a:effectLst/>
-                <a:latin typeface="Consolas" panose="020B0609020204030204" pitchFamily="49" charset="0"/>
-                <a:cs typeface="Consolas" panose="020B0609020204030204" pitchFamily="49" charset="0"/>
-              </a:rPr>
-              <a:t>("‘")</a:t>
-            </a:r>
-          </a:p>
-          <a:p>
-            <a:pPr marL="0" indent="0">
-              <a:buNone/>
-            </a:pPr>
-            <a:r>
-              <a:rPr lang="en-US" sz="1600" b="0" dirty="0" err="1">
-                <a:solidFill>
-                  <a:srgbClr val="000000"/>
-                </a:solidFill>
-                <a:effectLst/>
-                <a:latin typeface="Consolas" panose="020B0609020204030204" pitchFamily="49" charset="0"/>
-                <a:cs typeface="Consolas" panose="020B0609020204030204" pitchFamily="49" charset="0"/>
-              </a:rPr>
-              <a:t>punctuation.append</a:t>
-            </a:r>
-            <a:r>
-              <a:rPr lang="en-US" sz="1600" b="0" dirty="0">
-                <a:solidFill>
-                  <a:srgbClr val="000000"/>
-                </a:solidFill>
-                <a:effectLst/>
-                <a:latin typeface="Consolas" panose="020B0609020204030204" pitchFamily="49" charset="0"/>
-                <a:cs typeface="Consolas" panose="020B0609020204030204" pitchFamily="49" charset="0"/>
-              </a:rPr>
-              <a:t>("’")</a:t>
-            </a:r>
-          </a:p>
-          <a:p>
-            <a:pPr marL="0" indent="0">
-              <a:buNone/>
-            </a:pPr>
-            <a:br>
-              <a:rPr lang="en-US" sz="1600" b="0" dirty="0">
-                <a:solidFill>
-                  <a:srgbClr val="000000"/>
-                </a:solidFill>
-                <a:effectLst/>
-                <a:latin typeface="Consolas" panose="020B0609020204030204" pitchFamily="49" charset="0"/>
-                <a:cs typeface="Consolas" panose="020B0609020204030204" pitchFamily="49" charset="0"/>
-              </a:rPr>
-            </a:br>
-            <a:r>
-              <a:rPr lang="en-US" sz="1600" b="0" dirty="0">
-                <a:solidFill>
-                  <a:srgbClr val="000000"/>
-                </a:solidFill>
-                <a:effectLst/>
-                <a:latin typeface="Consolas" panose="020B0609020204030204" pitchFamily="49" charset="0"/>
-                <a:cs typeface="Consolas" panose="020B0609020204030204" pitchFamily="49" charset="0"/>
-              </a:rPr>
-              <a:t>for token in tokens:</a:t>
-            </a:r>
-          </a:p>
-          <a:p>
-            <a:pPr marL="0" indent="0">
-              <a:buNone/>
-            </a:pPr>
-            <a:r>
-              <a:rPr lang="en-US" sz="1600" b="0" dirty="0">
-                <a:solidFill>
-                  <a:srgbClr val="000000"/>
-                </a:solidFill>
-                <a:effectLst/>
-                <a:latin typeface="Consolas" panose="020B0609020204030204" pitchFamily="49" charset="0"/>
-                <a:cs typeface="Consolas" panose="020B0609020204030204" pitchFamily="49" charset="0"/>
-              </a:rPr>
-              <a:t>	if token in punctuation:</a:t>
-            </a:r>
-          </a:p>
-          <a:p>
-            <a:pPr marL="0" indent="0">
-              <a:buNone/>
-            </a:pPr>
-            <a:r>
-              <a:rPr lang="en-US" sz="1600" b="0" dirty="0">
-                <a:solidFill>
-                  <a:srgbClr val="000000"/>
-                </a:solidFill>
-                <a:effectLst/>
-                <a:latin typeface="Consolas" panose="020B0609020204030204" pitchFamily="49" charset="0"/>
-                <a:cs typeface="Consolas" panose="020B0609020204030204" pitchFamily="49" charset="0"/>
-              </a:rPr>
-              <a:t>		</a:t>
-            </a:r>
-            <a:r>
-              <a:rPr lang="en-US" sz="1600" b="0" dirty="0" err="1">
-                <a:solidFill>
-                  <a:srgbClr val="000000"/>
-                </a:solidFill>
-                <a:effectLst/>
-                <a:latin typeface="Consolas" panose="020B0609020204030204" pitchFamily="49" charset="0"/>
-                <a:cs typeface="Consolas" panose="020B0609020204030204" pitchFamily="49" charset="0"/>
-              </a:rPr>
-              <a:t>tokens.remove</a:t>
-            </a:r>
-            <a:r>
-              <a:rPr lang="en-US" sz="1600" b="0" dirty="0">
-                <a:solidFill>
-                  <a:srgbClr val="000000"/>
-                </a:solidFill>
-                <a:effectLst/>
-                <a:latin typeface="Consolas" panose="020B0609020204030204" pitchFamily="49" charset="0"/>
-                <a:cs typeface="Consolas" panose="020B0609020204030204" pitchFamily="49" charset="0"/>
-              </a:rPr>
-              <a:t>(token)</a:t>
-            </a:r>
-          </a:p>
-          <a:p>
-            <a:pPr marL="0" indent="0">
-              <a:buNone/>
-            </a:pPr>
-            <a:br>
-              <a:rPr lang="en-US" sz="1600" b="0" dirty="0">
-                <a:solidFill>
-                  <a:srgbClr val="000000"/>
-                </a:solidFill>
-                <a:effectLst/>
-                <a:latin typeface="Consolas" panose="020B0609020204030204" pitchFamily="49" charset="0"/>
-                <a:cs typeface="Consolas" panose="020B0609020204030204" pitchFamily="49" charset="0"/>
-              </a:rPr>
-            </a:br>
-            <a:r>
-              <a:rPr lang="en-US" sz="1600" b="0" dirty="0">
-                <a:solidFill>
-                  <a:srgbClr val="000000"/>
-                </a:solidFill>
-                <a:effectLst/>
-                <a:latin typeface="Consolas" panose="020B0609020204030204" pitchFamily="49" charset="0"/>
-                <a:cs typeface="Consolas" panose="020B0609020204030204" pitchFamily="49" charset="0"/>
-              </a:rPr>
-              <a:t>tokens = [</a:t>
-            </a:r>
-            <a:r>
-              <a:rPr lang="en-US" sz="1600" b="0" dirty="0" err="1">
-                <a:solidFill>
-                  <a:srgbClr val="000000"/>
-                </a:solidFill>
-                <a:effectLst/>
-                <a:latin typeface="Consolas" panose="020B0609020204030204" pitchFamily="49" charset="0"/>
-                <a:cs typeface="Consolas" panose="020B0609020204030204" pitchFamily="49" charset="0"/>
-              </a:rPr>
-              <a:t>token.lower</a:t>
-            </a:r>
-            <a:r>
-              <a:rPr lang="en-US" sz="1600" b="0" dirty="0">
-                <a:solidFill>
-                  <a:srgbClr val="000000"/>
-                </a:solidFill>
-                <a:effectLst/>
-                <a:latin typeface="Consolas" panose="020B0609020204030204" pitchFamily="49" charset="0"/>
-                <a:cs typeface="Consolas" panose="020B0609020204030204" pitchFamily="49" charset="0"/>
-              </a:rPr>
-              <a:t>() for token in tokens]</a:t>
-            </a:r>
-          </a:p>
-          <a:p>
-            <a:pPr marL="0" indent="0">
-              <a:buNone/>
-            </a:pPr>
-            <a:endParaRPr lang="en-US" sz="1600" b="0" dirty="0">
-              <a:solidFill>
-                <a:srgbClr val="000000"/>
-              </a:solidFill>
-              <a:effectLst/>
-              <a:latin typeface="Consolas" panose="020B0609020204030204" pitchFamily="49" charset="0"/>
-              <a:cs typeface="Consolas" panose="020B0609020204030204" pitchFamily="49" charset="0"/>
-            </a:endParaRPr>
-          </a:p>
-          <a:p>
-            <a:pPr marL="0" indent="0">
-              <a:buNone/>
-            </a:pPr>
-            <a:endParaRPr lang="en-US" sz="2400" dirty="0">
-              <a:solidFill>
-                <a:schemeClr val="tx1"/>
-              </a:solidFill>
-              <a:latin typeface="Consolas" panose="020B0609020204030204" pitchFamily="49" charset="0"/>
-              <a:cs typeface="Consolas" panose="020B0609020204030204" pitchFamily="49" charset="0"/>
-            </a:endParaRPr>
-          </a:p>
-        </p:txBody>
-      </p:sp>
-      <p:sp>
-        <p:nvSpPr>
-          <p:cNvPr id="3" name="Title 2">
-            <a:extLst>
-              <a:ext uri="{FF2B5EF4-FFF2-40B4-BE49-F238E27FC236}">
-                <a16:creationId xmlns:a16="http://schemas.microsoft.com/office/drawing/2014/main" id="{B54606DD-D6EC-D70C-7B82-5659099E459B}"/>
-              </a:ext>
-            </a:extLst>
-          </p:cNvPr>
-          <p:cNvSpPr>
-            <a:spLocks noGrp="1"/>
-          </p:cNvSpPr>
-          <p:nvPr>
-            <p:ph type="title"/>
-          </p:nvPr>
-        </p:nvSpPr>
-        <p:spPr/>
-        <p:txBody>
-          <a:bodyPr/>
-          <a:lstStyle/>
-          <a:p>
-            <a:pPr algn="ctr"/>
-            <a:r>
-              <a:rPr lang="en-US" dirty="0">
-                <a:solidFill>
-                  <a:schemeClr val="tx1"/>
-                </a:solidFill>
-              </a:rPr>
-              <a:t>Solution Part 1</a:t>
-            </a:r>
-          </a:p>
-        </p:txBody>
-      </p:sp>
-    </p:spTree>
-    <p:extLst>
-      <p:ext uri="{BB962C8B-B14F-4D97-AF65-F5344CB8AC3E}">
-        <p14:creationId xmlns:p14="http://schemas.microsoft.com/office/powerpoint/2010/main" val="4155761544"/>
-      </p:ext>
-    </p:extLst>
-  </p:cSld>
-  <p:clrMapOvr>
-    <a:masterClrMapping/>
-  </p:clrMapOvr>
-  <mc:AlternateContent xmlns:mc="http://schemas.openxmlformats.org/markup-compatibility/2006" xmlns:p14="http://schemas.microsoft.com/office/powerpoint/2010/main">
-    <mc:Choice Requires="p14">
-      <p:transition spd="med" p14:dur="700">
-        <p:fade/>
-      </p:transition>
-    </mc:Choice>
-    <mc:Fallback xmlns="">
-      <p:transition spd="med">
-        <p:fade/>
-      </p:transition>
-    </mc:Fallback>
-  </mc:AlternateContent>
-</p:sld>
-</file>
-
-<file path=ppt/slides/slide6.xml><?xml version="1.0" encoding="utf-8"?>
-<p:sld xmlns:a="http://schemas.openxmlformats.org/drawingml/2006/main" xmlns:r="http://schemas.openxmlformats.org/officeDocument/2006/relationships" xmlns:p="http://schemas.openxmlformats.org/presentationml/2006/main">
-  <p:cSld>
-    <p:spTree>
-      <p:nvGrpSpPr>
-        <p:cNvPr id="1" name=""/>
-        <p:cNvGrpSpPr/>
-        <p:nvPr/>
-      </p:nvGrpSpPr>
-      <p:grpSpPr>
-        <a:xfrm>
-          <a:off x="0" y="0"/>
-          <a:ext cx="0" cy="0"/>
-          <a:chOff x="0" y="0"/>
-          <a:chExt cx="0" cy="0"/>
-        </a:xfrm>
-      </p:grpSpPr>
-      <p:sp>
-        <p:nvSpPr>
-          <p:cNvPr id="2" name="Content Placeholder 1">
-            <a:extLst>
-              <a:ext uri="{FF2B5EF4-FFF2-40B4-BE49-F238E27FC236}">
-                <a16:creationId xmlns:a16="http://schemas.microsoft.com/office/drawing/2014/main" id="{44CF086B-1BE5-457F-A394-A3366B7D1307}"/>
-              </a:ext>
-            </a:extLst>
-          </p:cNvPr>
-          <p:cNvSpPr>
-            <a:spLocks noGrp="1"/>
-          </p:cNvSpPr>
-          <p:nvPr>
-            <p:ph idx="1"/>
-          </p:nvPr>
-        </p:nvSpPr>
-        <p:spPr/>
-        <p:txBody>
-          <a:bodyPr>
-            <a:normAutofit fontScale="47500" lnSpcReduction="20000"/>
-          </a:bodyPr>
-          <a:lstStyle/>
-          <a:p>
-            <a:pPr marL="0" indent="0">
-              <a:buNone/>
-            </a:pPr>
-            <a:r>
-              <a:rPr lang="en-US" sz="2800" b="1" dirty="0">
-                <a:solidFill>
-                  <a:srgbClr val="000000"/>
-                </a:solidFill>
-                <a:effectLst/>
-                <a:latin typeface="Consolas" panose="020B0609020204030204" pitchFamily="49" charset="0"/>
-                <a:cs typeface="Consolas" panose="020B0609020204030204" pitchFamily="49" charset="0"/>
-              </a:rPr>
-              <a:t>#Checking if pronouns are in the stop word list</a:t>
-            </a:r>
-          </a:p>
-          <a:p>
-            <a:pPr marL="0" indent="0">
-              <a:buNone/>
-            </a:pPr>
-            <a:endParaRPr lang="en-US" sz="2800" dirty="0">
-              <a:solidFill>
-                <a:srgbClr val="000000"/>
-              </a:solidFill>
-              <a:latin typeface="Consolas" panose="020B0609020204030204" pitchFamily="49" charset="0"/>
-              <a:cs typeface="Consolas" panose="020B0609020204030204" pitchFamily="49" charset="0"/>
-            </a:endParaRPr>
-          </a:p>
-          <a:p>
-            <a:pPr marL="0" indent="0">
-              <a:buNone/>
-            </a:pPr>
-            <a:r>
-              <a:rPr lang="en-US" sz="2800" b="0" dirty="0">
-                <a:solidFill>
-                  <a:srgbClr val="000000"/>
-                </a:solidFill>
-                <a:effectLst/>
-                <a:latin typeface="Consolas" panose="020B0609020204030204" pitchFamily="49" charset="0"/>
-                <a:cs typeface="Consolas" panose="020B0609020204030204" pitchFamily="49" charset="0"/>
-              </a:rPr>
-              <a:t>if "her" in </a:t>
-            </a:r>
-            <a:r>
-              <a:rPr lang="en-US" sz="2800" b="0" dirty="0" err="1">
-                <a:solidFill>
-                  <a:srgbClr val="000000"/>
-                </a:solidFill>
-                <a:effectLst/>
-                <a:latin typeface="Consolas" panose="020B0609020204030204" pitchFamily="49" charset="0"/>
-                <a:cs typeface="Consolas" panose="020B0609020204030204" pitchFamily="49" charset="0"/>
-              </a:rPr>
-              <a:t>stopwords</a:t>
-            </a:r>
-            <a:r>
-              <a:rPr lang="en-US" sz="2800" b="0" dirty="0">
-                <a:solidFill>
-                  <a:srgbClr val="000000"/>
-                </a:solidFill>
-                <a:effectLst/>
-                <a:latin typeface="Consolas" panose="020B0609020204030204" pitchFamily="49" charset="0"/>
-                <a:cs typeface="Consolas" panose="020B0609020204030204" pitchFamily="49" charset="0"/>
-              </a:rPr>
-              <a:t>:</a:t>
-            </a:r>
-          </a:p>
-          <a:p>
-            <a:pPr marL="0" indent="0">
-              <a:buNone/>
-            </a:pPr>
-            <a:r>
-              <a:rPr lang="en-US" sz="2800" b="0" dirty="0">
-                <a:solidFill>
-                  <a:srgbClr val="000000"/>
-                </a:solidFill>
-                <a:effectLst/>
-                <a:latin typeface="Consolas" panose="020B0609020204030204" pitchFamily="49" charset="0"/>
-                <a:cs typeface="Consolas" panose="020B0609020204030204" pitchFamily="49" charset="0"/>
-              </a:rPr>
-              <a:t>	print("It's a </a:t>
-            </a:r>
-            <a:r>
-              <a:rPr lang="en-US" sz="2800" b="0" dirty="0" err="1">
-                <a:solidFill>
-                  <a:srgbClr val="000000"/>
-                </a:solidFill>
-                <a:effectLst/>
-                <a:latin typeface="Consolas" panose="020B0609020204030204" pitchFamily="49" charset="0"/>
-                <a:cs typeface="Consolas" panose="020B0609020204030204" pitchFamily="49" charset="0"/>
-              </a:rPr>
-              <a:t>stopword</a:t>
-            </a:r>
-            <a:r>
-              <a:rPr lang="en-US" sz="2800" b="0" dirty="0">
-                <a:solidFill>
-                  <a:srgbClr val="000000"/>
-                </a:solidFill>
-                <a:effectLst/>
-                <a:latin typeface="Consolas" panose="020B0609020204030204" pitchFamily="49" charset="0"/>
-                <a:cs typeface="Consolas" panose="020B0609020204030204" pitchFamily="49" charset="0"/>
-              </a:rPr>
-              <a:t>")</a:t>
-            </a:r>
-          </a:p>
-          <a:p>
-            <a:pPr marL="0" indent="0">
-              <a:buNone/>
-            </a:pPr>
-            <a:r>
-              <a:rPr lang="en-US" sz="2800" b="0" dirty="0">
-                <a:solidFill>
-                  <a:srgbClr val="000000"/>
-                </a:solidFill>
-                <a:effectLst/>
-                <a:latin typeface="Consolas" panose="020B0609020204030204" pitchFamily="49" charset="0"/>
-                <a:cs typeface="Consolas" panose="020B0609020204030204" pitchFamily="49" charset="0"/>
-              </a:rPr>
-              <a:t>else:</a:t>
-            </a:r>
-          </a:p>
-          <a:p>
-            <a:pPr marL="0" indent="0">
-              <a:buNone/>
-            </a:pPr>
-            <a:r>
-              <a:rPr lang="en-US" sz="2800" b="0" dirty="0">
-                <a:solidFill>
-                  <a:srgbClr val="000000"/>
-                </a:solidFill>
-                <a:effectLst/>
-                <a:latin typeface="Consolas" panose="020B0609020204030204" pitchFamily="49" charset="0"/>
-                <a:cs typeface="Consolas" panose="020B0609020204030204" pitchFamily="49" charset="0"/>
-              </a:rPr>
-              <a:t>	print("It's not a </a:t>
-            </a:r>
-            <a:r>
-              <a:rPr lang="en-US" sz="2800" b="0" dirty="0" err="1">
-                <a:solidFill>
-                  <a:srgbClr val="000000"/>
-                </a:solidFill>
-                <a:effectLst/>
-                <a:latin typeface="Consolas" panose="020B0609020204030204" pitchFamily="49" charset="0"/>
-                <a:cs typeface="Consolas" panose="020B0609020204030204" pitchFamily="49" charset="0"/>
-              </a:rPr>
-              <a:t>stopword</a:t>
-            </a:r>
-            <a:r>
-              <a:rPr lang="en-US" sz="2800" b="0" dirty="0">
-                <a:solidFill>
-                  <a:srgbClr val="000000"/>
-                </a:solidFill>
-                <a:effectLst/>
-                <a:latin typeface="Consolas" panose="020B0609020204030204" pitchFamily="49" charset="0"/>
-                <a:cs typeface="Consolas" panose="020B0609020204030204" pitchFamily="49" charset="0"/>
-              </a:rPr>
-              <a:t>")</a:t>
-            </a:r>
-          </a:p>
-          <a:p>
-            <a:pPr marL="0" indent="0">
-              <a:buNone/>
-            </a:pPr>
-            <a:endParaRPr lang="en-US" sz="2800" b="0" dirty="0">
-              <a:solidFill>
-                <a:srgbClr val="000000"/>
-              </a:solidFill>
-              <a:effectLst/>
-              <a:latin typeface="Consolas" panose="020B0609020204030204" pitchFamily="49" charset="0"/>
-              <a:cs typeface="Consolas" panose="020B0609020204030204" pitchFamily="49" charset="0"/>
-            </a:endParaRPr>
-          </a:p>
-          <a:p>
-            <a:pPr marL="0" indent="0">
-              <a:buNone/>
-            </a:pPr>
-            <a:r>
-              <a:rPr lang="en-US" b="1" dirty="0">
-                <a:solidFill>
-                  <a:srgbClr val="000000"/>
-                </a:solidFill>
-                <a:latin typeface="Consolas" panose="020B0609020204030204" pitchFamily="49" charset="0"/>
-                <a:cs typeface="Consolas" panose="020B0609020204030204" pitchFamily="49" charset="0"/>
-              </a:rPr>
-              <a:t>#Calculating relative frequency</a:t>
-            </a:r>
-            <a:endParaRPr lang="en-US" sz="2800" b="1" dirty="0">
-              <a:solidFill>
-                <a:srgbClr val="000000"/>
-              </a:solidFill>
-              <a:effectLst/>
-              <a:latin typeface="Consolas" panose="020B0609020204030204" pitchFamily="49" charset="0"/>
-              <a:cs typeface="Consolas" panose="020B0609020204030204" pitchFamily="49" charset="0"/>
-            </a:endParaRPr>
-          </a:p>
-          <a:p>
-            <a:pPr marL="0" indent="0">
-              <a:buNone/>
-            </a:pPr>
-            <a:endParaRPr lang="en-US" dirty="0">
-              <a:solidFill>
-                <a:srgbClr val="000000"/>
-              </a:solidFill>
-              <a:latin typeface="Consolas" panose="020B0609020204030204" pitchFamily="49" charset="0"/>
-              <a:cs typeface="Consolas" panose="020B0609020204030204" pitchFamily="49" charset="0"/>
-            </a:endParaRPr>
-          </a:p>
-          <a:p>
-            <a:pPr marL="0" indent="0">
-              <a:buNone/>
-            </a:pPr>
-            <a:r>
-              <a:rPr lang="en-US" sz="2800" b="0" dirty="0" err="1">
-                <a:solidFill>
-                  <a:srgbClr val="000000"/>
-                </a:solidFill>
-                <a:effectLst/>
-                <a:latin typeface="Consolas" panose="020B0609020204030204" pitchFamily="49" charset="0"/>
-                <a:cs typeface="Consolas" panose="020B0609020204030204" pitchFamily="49" charset="0"/>
-              </a:rPr>
-              <a:t>female_pronouns</a:t>
-            </a:r>
-            <a:r>
-              <a:rPr lang="en-US" sz="2800" b="0" dirty="0">
-                <a:solidFill>
-                  <a:srgbClr val="000000"/>
-                </a:solidFill>
-                <a:effectLst/>
-                <a:latin typeface="Consolas" panose="020B0609020204030204" pitchFamily="49" charset="0"/>
-                <a:cs typeface="Consolas" panose="020B0609020204030204" pitchFamily="49" charset="0"/>
-              </a:rPr>
-              <a:t> = ["she", "her", "hers", "herself"]</a:t>
-            </a:r>
-          </a:p>
-          <a:p>
-            <a:pPr marL="0" indent="0">
-              <a:buNone/>
-            </a:pPr>
-            <a:br>
-              <a:rPr lang="en-US" sz="2800" b="0" dirty="0">
-                <a:solidFill>
-                  <a:srgbClr val="000000"/>
-                </a:solidFill>
-                <a:effectLst/>
-                <a:latin typeface="Consolas" panose="020B0609020204030204" pitchFamily="49" charset="0"/>
-                <a:cs typeface="Consolas" panose="020B0609020204030204" pitchFamily="49" charset="0"/>
-              </a:rPr>
-            </a:br>
-            <a:r>
-              <a:rPr lang="en-US" sz="2800" b="0" dirty="0" err="1">
-                <a:solidFill>
-                  <a:srgbClr val="000000"/>
-                </a:solidFill>
-                <a:effectLst/>
-                <a:latin typeface="Consolas" panose="020B0609020204030204" pitchFamily="49" charset="0"/>
-                <a:cs typeface="Consolas" panose="020B0609020204030204" pitchFamily="49" charset="0"/>
-              </a:rPr>
-              <a:t>female_pronoun_count</a:t>
-            </a:r>
-            <a:r>
-              <a:rPr lang="en-US" sz="2800" b="0" dirty="0">
-                <a:solidFill>
-                  <a:srgbClr val="000000"/>
-                </a:solidFill>
-                <a:effectLst/>
-                <a:latin typeface="Consolas" panose="020B0609020204030204" pitchFamily="49" charset="0"/>
-                <a:cs typeface="Consolas" panose="020B0609020204030204" pitchFamily="49" charset="0"/>
-              </a:rPr>
-              <a:t> = 0</a:t>
-            </a:r>
-          </a:p>
-          <a:p>
-            <a:pPr marL="0" indent="0">
-              <a:buNone/>
-            </a:pPr>
-            <a:br>
-              <a:rPr lang="en-US" sz="2800" b="0" dirty="0">
-                <a:solidFill>
-                  <a:srgbClr val="000000"/>
-                </a:solidFill>
-                <a:effectLst/>
-                <a:latin typeface="Consolas" panose="020B0609020204030204" pitchFamily="49" charset="0"/>
-                <a:cs typeface="Consolas" panose="020B0609020204030204" pitchFamily="49" charset="0"/>
-              </a:rPr>
-            </a:br>
-            <a:r>
-              <a:rPr lang="en-US" sz="2800" b="0" dirty="0">
-                <a:solidFill>
-                  <a:srgbClr val="000000"/>
-                </a:solidFill>
-                <a:effectLst/>
-                <a:latin typeface="Consolas" panose="020B0609020204030204" pitchFamily="49" charset="0"/>
-                <a:cs typeface="Consolas" panose="020B0609020204030204" pitchFamily="49" charset="0"/>
-              </a:rPr>
-              <a:t>for x in </a:t>
-            </a:r>
-            <a:r>
-              <a:rPr lang="en-US" sz="2800" b="0" dirty="0" err="1">
-                <a:solidFill>
-                  <a:srgbClr val="000000"/>
-                </a:solidFill>
-                <a:effectLst/>
-                <a:latin typeface="Consolas" panose="020B0609020204030204" pitchFamily="49" charset="0"/>
-                <a:cs typeface="Consolas" panose="020B0609020204030204" pitchFamily="49" charset="0"/>
-              </a:rPr>
-              <a:t>female_pronouns</a:t>
-            </a:r>
-            <a:r>
-              <a:rPr lang="en-US" sz="2800" b="0" dirty="0">
-                <a:solidFill>
-                  <a:srgbClr val="000000"/>
-                </a:solidFill>
-                <a:effectLst/>
-                <a:latin typeface="Consolas" panose="020B0609020204030204" pitchFamily="49" charset="0"/>
-                <a:cs typeface="Consolas" panose="020B0609020204030204" pitchFamily="49" charset="0"/>
-              </a:rPr>
-              <a:t>:</a:t>
-            </a:r>
-          </a:p>
-          <a:p>
-            <a:pPr marL="0" indent="0">
-              <a:buNone/>
-            </a:pPr>
-            <a:r>
-              <a:rPr lang="en-US" sz="2800" b="0" dirty="0">
-                <a:solidFill>
-                  <a:srgbClr val="000000"/>
-                </a:solidFill>
-                <a:effectLst/>
-                <a:latin typeface="Consolas" panose="020B0609020204030204" pitchFamily="49" charset="0"/>
-                <a:cs typeface="Consolas" panose="020B0609020204030204" pitchFamily="49" charset="0"/>
-              </a:rPr>
-              <a:t>	for y in tokens:</a:t>
-            </a:r>
-          </a:p>
-          <a:p>
-            <a:pPr marL="0" indent="0">
-              <a:buNone/>
-            </a:pPr>
-            <a:r>
-              <a:rPr lang="en-US" sz="2800" b="0" dirty="0">
-                <a:solidFill>
-                  <a:srgbClr val="000000"/>
-                </a:solidFill>
-                <a:effectLst/>
-                <a:latin typeface="Consolas" panose="020B0609020204030204" pitchFamily="49" charset="0"/>
-                <a:cs typeface="Consolas" panose="020B0609020204030204" pitchFamily="49" charset="0"/>
-              </a:rPr>
-              <a:t>		if x == y:</a:t>
-            </a:r>
-          </a:p>
-          <a:p>
-            <a:pPr marL="0" indent="0">
-              <a:buNone/>
-            </a:pPr>
-            <a:r>
-              <a:rPr lang="en-US" sz="2800" b="0" dirty="0">
-                <a:solidFill>
-                  <a:srgbClr val="000000"/>
-                </a:solidFill>
-                <a:effectLst/>
-                <a:latin typeface="Consolas" panose="020B0609020204030204" pitchFamily="49" charset="0"/>
-                <a:cs typeface="Consolas" panose="020B0609020204030204" pitchFamily="49" charset="0"/>
-              </a:rPr>
-              <a:t>			</a:t>
-            </a:r>
-            <a:r>
-              <a:rPr lang="en-US" sz="2800" b="0" dirty="0" err="1">
-                <a:solidFill>
-                  <a:srgbClr val="000000"/>
-                </a:solidFill>
-                <a:effectLst/>
-                <a:latin typeface="Consolas" panose="020B0609020204030204" pitchFamily="49" charset="0"/>
-                <a:cs typeface="Consolas" panose="020B0609020204030204" pitchFamily="49" charset="0"/>
-              </a:rPr>
-              <a:t>female_pronoun_count</a:t>
-            </a:r>
-            <a:r>
-              <a:rPr lang="en-US" sz="2800" b="0" dirty="0">
-                <a:solidFill>
-                  <a:srgbClr val="000000"/>
-                </a:solidFill>
-                <a:effectLst/>
-                <a:latin typeface="Consolas" panose="020B0609020204030204" pitchFamily="49" charset="0"/>
-                <a:cs typeface="Consolas" panose="020B0609020204030204" pitchFamily="49" charset="0"/>
-              </a:rPr>
-              <a:t> += 1</a:t>
-            </a:r>
-          </a:p>
-          <a:p>
-            <a:pPr marL="0" indent="0">
-              <a:buNone/>
-            </a:pPr>
-            <a:br>
-              <a:rPr lang="en-US" sz="2800" b="0" dirty="0">
-                <a:solidFill>
-                  <a:srgbClr val="000000"/>
-                </a:solidFill>
-                <a:effectLst/>
-                <a:latin typeface="Consolas" panose="020B0609020204030204" pitchFamily="49" charset="0"/>
-                <a:cs typeface="Consolas" panose="020B0609020204030204" pitchFamily="49" charset="0"/>
-              </a:rPr>
-            </a:br>
-            <a:br>
-              <a:rPr lang="en-US" sz="2800" b="0" dirty="0">
-                <a:solidFill>
-                  <a:srgbClr val="000000"/>
-                </a:solidFill>
-                <a:effectLst/>
-                <a:latin typeface="Consolas" panose="020B0609020204030204" pitchFamily="49" charset="0"/>
-                <a:cs typeface="Consolas" panose="020B0609020204030204" pitchFamily="49" charset="0"/>
-              </a:rPr>
-            </a:br>
-            <a:r>
-              <a:rPr lang="en-US" sz="2800" b="0" dirty="0" err="1">
-                <a:solidFill>
-                  <a:srgbClr val="000000"/>
-                </a:solidFill>
-                <a:effectLst/>
-                <a:latin typeface="Consolas" panose="020B0609020204030204" pitchFamily="49" charset="0"/>
-                <a:cs typeface="Consolas" panose="020B0609020204030204" pitchFamily="49" charset="0"/>
-              </a:rPr>
-              <a:t>relative_female_freq</a:t>
-            </a:r>
-            <a:r>
-              <a:rPr lang="en-US" sz="2800" b="0" dirty="0">
-                <a:solidFill>
-                  <a:srgbClr val="000000"/>
-                </a:solidFill>
-                <a:effectLst/>
-                <a:latin typeface="Consolas" panose="020B0609020204030204" pitchFamily="49" charset="0"/>
-                <a:cs typeface="Consolas" panose="020B0609020204030204" pitchFamily="49" charset="0"/>
-              </a:rPr>
-              <a:t> = </a:t>
-            </a:r>
-            <a:r>
-              <a:rPr lang="en-US" sz="2800" b="0" dirty="0" err="1">
-                <a:solidFill>
-                  <a:srgbClr val="000000"/>
-                </a:solidFill>
-                <a:effectLst/>
-                <a:latin typeface="Consolas" panose="020B0609020204030204" pitchFamily="49" charset="0"/>
-                <a:cs typeface="Consolas" panose="020B0609020204030204" pitchFamily="49" charset="0"/>
-              </a:rPr>
-              <a:t>female_pronoun_count</a:t>
-            </a:r>
-            <a:r>
-              <a:rPr lang="en-US" sz="2800" b="0" dirty="0">
-                <a:solidFill>
-                  <a:srgbClr val="000000"/>
-                </a:solidFill>
-                <a:effectLst/>
-                <a:latin typeface="Consolas" panose="020B0609020204030204" pitchFamily="49" charset="0"/>
-                <a:cs typeface="Consolas" panose="020B0609020204030204" pitchFamily="49" charset="0"/>
-              </a:rPr>
-              <a:t> / </a:t>
-            </a:r>
-            <a:r>
-              <a:rPr lang="en-US" sz="2800" b="0" dirty="0" err="1">
-                <a:solidFill>
-                  <a:srgbClr val="000000"/>
-                </a:solidFill>
-                <a:effectLst/>
-                <a:latin typeface="Consolas" panose="020B0609020204030204" pitchFamily="49" charset="0"/>
-                <a:cs typeface="Consolas" panose="020B0609020204030204" pitchFamily="49" charset="0"/>
-              </a:rPr>
-              <a:t>len</a:t>
-            </a:r>
-            <a:r>
-              <a:rPr lang="en-US" sz="2800" b="0" dirty="0">
-                <a:solidFill>
-                  <a:srgbClr val="000000"/>
-                </a:solidFill>
-                <a:effectLst/>
-                <a:latin typeface="Consolas" panose="020B0609020204030204" pitchFamily="49" charset="0"/>
-                <a:cs typeface="Consolas" panose="020B0609020204030204" pitchFamily="49" charset="0"/>
-              </a:rPr>
-              <a:t>(tokens)</a:t>
-            </a:r>
-          </a:p>
-          <a:p>
-            <a:pPr marL="0" indent="0">
-              <a:buNone/>
-            </a:pPr>
-            <a:br>
-              <a:rPr lang="en-US" sz="2800" b="0" dirty="0">
-                <a:solidFill>
-                  <a:srgbClr val="000000"/>
-                </a:solidFill>
-                <a:effectLst/>
-                <a:latin typeface="Consolas" panose="020B0609020204030204" pitchFamily="49" charset="0"/>
-                <a:cs typeface="Consolas" panose="020B0609020204030204" pitchFamily="49" charset="0"/>
-              </a:rPr>
-            </a:br>
-            <a:r>
-              <a:rPr lang="en-US" sz="2800" b="0" dirty="0">
-                <a:solidFill>
-                  <a:srgbClr val="000000"/>
-                </a:solidFill>
-                <a:effectLst/>
-                <a:latin typeface="Consolas" panose="020B0609020204030204" pitchFamily="49" charset="0"/>
-                <a:cs typeface="Consolas" panose="020B0609020204030204" pitchFamily="49" charset="0"/>
-              </a:rPr>
-              <a:t>print("The relative frequency of female pronouns is: " + str(</a:t>
-            </a:r>
-            <a:r>
-              <a:rPr lang="en-US" sz="2800" b="0" dirty="0" err="1">
-                <a:solidFill>
-                  <a:srgbClr val="000000"/>
-                </a:solidFill>
-                <a:effectLst/>
-                <a:latin typeface="Consolas" panose="020B0609020204030204" pitchFamily="49" charset="0"/>
-                <a:cs typeface="Consolas" panose="020B0609020204030204" pitchFamily="49" charset="0"/>
-              </a:rPr>
-              <a:t>relative_female_freq</a:t>
-            </a:r>
-            <a:r>
-              <a:rPr lang="en-US" sz="2800" b="0" dirty="0">
-                <a:solidFill>
-                  <a:srgbClr val="000000"/>
-                </a:solidFill>
-                <a:effectLst/>
-                <a:latin typeface="Consolas" panose="020B0609020204030204" pitchFamily="49" charset="0"/>
-                <a:cs typeface="Consolas" panose="020B0609020204030204" pitchFamily="49" charset="0"/>
-              </a:rPr>
-              <a:t>))</a:t>
-            </a:r>
-          </a:p>
-          <a:p>
-            <a:pPr marL="0" indent="0">
-              <a:buNone/>
-            </a:pPr>
-            <a:endParaRPr lang="en-US" b="1" dirty="0">
-              <a:latin typeface="Consolas" panose="020B0609020204030204" pitchFamily="49" charset="0"/>
-              <a:cs typeface="Consolas" panose="020B0609020204030204" pitchFamily="49" charset="0"/>
-            </a:endParaRPr>
-          </a:p>
-        </p:txBody>
-      </p:sp>
-      <p:sp>
-        <p:nvSpPr>
-          <p:cNvPr id="3" name="Title 2">
-            <a:extLst>
-              <a:ext uri="{FF2B5EF4-FFF2-40B4-BE49-F238E27FC236}">
-                <a16:creationId xmlns:a16="http://schemas.microsoft.com/office/drawing/2014/main" id="{4ABBB595-5D92-78DC-8EDE-C9C8806AB4A4}"/>
-              </a:ext>
-            </a:extLst>
-          </p:cNvPr>
-          <p:cNvSpPr>
-            <a:spLocks noGrp="1"/>
-          </p:cNvSpPr>
-          <p:nvPr>
-            <p:ph type="title"/>
-          </p:nvPr>
-        </p:nvSpPr>
-        <p:spPr/>
-        <p:txBody>
-          <a:bodyPr/>
-          <a:lstStyle/>
-          <a:p>
-            <a:pPr algn="ctr"/>
-            <a:r>
-              <a:rPr lang="en-US" dirty="0">
-                <a:solidFill>
-                  <a:schemeClr val="tx1"/>
-                </a:solidFill>
-              </a:rPr>
-              <a:t>Solution Part 2</a:t>
-            </a:r>
-          </a:p>
-        </p:txBody>
-      </p:sp>
-    </p:spTree>
-    <p:extLst>
-      <p:ext uri="{BB962C8B-B14F-4D97-AF65-F5344CB8AC3E}">
-        <p14:creationId xmlns:p14="http://schemas.microsoft.com/office/powerpoint/2010/main" val="2620043797"/>
-      </p:ext>
-    </p:extLst>
-  </p:cSld>
-  <p:clrMapOvr>
-    <a:masterClrMapping/>
-  </p:clrMapOvr>
-  <mc:AlternateContent xmlns:mc="http://schemas.openxmlformats.org/markup-compatibility/2006" xmlns:p14="http://schemas.microsoft.com/office/powerpoint/2010/main">
-    <mc:Choice Requires="p14">
-      <p:transition spd="med" p14:dur="700">
-        <p:fade/>
-      </p:transition>
-    </mc:Choice>
-    <mc:Fallback xmlns="">
-      <p:transition spd="med">
-        <p:fade/>
-      </p:transition>
-    </mc:Fallback>
-  </mc:AlternateContent>
-</p:sld>
-</file>
-
-<file path=ppt/slides/slide7.xml><?xml version="1.0" encoding="utf-8"?>
-<p:sld xmlns:a="http://schemas.openxmlformats.org/drawingml/2006/main" xmlns:r="http://schemas.openxmlformats.org/officeDocument/2006/relationships" xmlns:p="http://schemas.openxmlformats.org/presentationml/2006/main">
-  <p:cSld>
-    <p:spTree>
-      <p:nvGrpSpPr>
-        <p:cNvPr id="1" name="">
-          <a:extLst>
-            <a:ext uri="{FF2B5EF4-FFF2-40B4-BE49-F238E27FC236}">
-              <a16:creationId xmlns:a16="http://schemas.microsoft.com/office/drawing/2014/main" id="{67276B02-218F-A88E-B8FB-3D0CFB87E41E}"/>
-            </a:ext>
-          </a:extLst>
-        </p:cNvPr>
-        <p:cNvGrpSpPr/>
-        <p:nvPr/>
-      </p:nvGrpSpPr>
-      <p:grpSpPr>
-        <a:xfrm>
-          <a:off x="0" y="0"/>
-          <a:ext cx="0" cy="0"/>
-          <a:chOff x="0" y="0"/>
-          <a:chExt cx="0" cy="0"/>
-        </a:xfrm>
-      </p:grpSpPr>
-      <p:sp>
-        <p:nvSpPr>
-          <p:cNvPr id="2" name="Title 1">
-            <a:extLst>
-              <a:ext uri="{FF2B5EF4-FFF2-40B4-BE49-F238E27FC236}">
-                <a16:creationId xmlns:a16="http://schemas.microsoft.com/office/drawing/2014/main" id="{80A41CDD-3773-510B-4B7C-18D7C3D344E9}"/>
-              </a:ext>
-            </a:extLst>
-          </p:cNvPr>
-          <p:cNvSpPr>
-            <a:spLocks noGrp="1"/>
-          </p:cNvSpPr>
-          <p:nvPr>
-            <p:ph type="ctrTitle"/>
-          </p:nvPr>
-        </p:nvSpPr>
-        <p:spPr/>
-        <p:txBody>
-          <a:bodyPr/>
-          <a:lstStyle/>
-          <a:p>
-            <a:r>
-              <a:rPr lang="en-US" dirty="0">
-                <a:cs typeface="Calibri Light"/>
-              </a:rPr>
-              <a:t>Demo 1</a:t>
-            </a:r>
-            <a:endParaRPr lang="en-US" dirty="0"/>
-          </a:p>
-        </p:txBody>
-      </p:sp>
-      <p:sp>
-        <p:nvSpPr>
-          <p:cNvPr id="3" name="Subtitle 2">
-            <a:extLst>
-              <a:ext uri="{FF2B5EF4-FFF2-40B4-BE49-F238E27FC236}">
-                <a16:creationId xmlns:a16="http://schemas.microsoft.com/office/drawing/2014/main" id="{646F60EF-105A-0A4B-A926-D22C5F32B16B}"/>
-              </a:ext>
-            </a:extLst>
-          </p:cNvPr>
-          <p:cNvSpPr>
-            <a:spLocks noGrp="1"/>
-          </p:cNvSpPr>
-          <p:nvPr>
-            <p:ph type="subTitle" idx="1"/>
-          </p:nvPr>
-        </p:nvSpPr>
-        <p:spPr/>
-        <p:txBody>
-          <a:bodyPr vert="horz" lIns="68580" tIns="34290" rIns="68580" bIns="34290" rtlCol="0" anchor="t">
-            <a:normAutofit lnSpcReduction="10000"/>
-          </a:bodyPr>
-          <a:lstStyle/>
-          <a:p>
-            <a:r>
-              <a:rPr lang="en-US" dirty="0">
-                <a:latin typeface="Times New Roman"/>
-              </a:rPr>
-              <a:t>Lexical Analysis</a:t>
-            </a:r>
-          </a:p>
-        </p:txBody>
-      </p:sp>
-    </p:spTree>
-    <p:extLst>
-      <p:ext uri="{BB962C8B-B14F-4D97-AF65-F5344CB8AC3E}">
-        <p14:creationId xmlns:p14="http://schemas.microsoft.com/office/powerpoint/2010/main" val="1781419879"/>
-      </p:ext>
-    </p:extLst>
-  </p:cSld>
-  <p:clrMapOvr>
-    <a:masterClrMapping/>
-  </p:clrMapOvr>
-</p:sld>
-</file>
-
-<file path=ppt/slides/slide8.xml><?xml version="1.0" encoding="utf-8"?>
-<p:sld xmlns:a="http://schemas.openxmlformats.org/drawingml/2006/main" xmlns:r="http://schemas.openxmlformats.org/officeDocument/2006/relationships" xmlns:p="http://schemas.openxmlformats.org/presentationml/2006/main">
-  <p:cSld>
-    <p:spTree>
-      <p:nvGrpSpPr>
-        <p:cNvPr id="1" name="">
-          <a:extLst>
-            <a:ext uri="{FF2B5EF4-FFF2-40B4-BE49-F238E27FC236}">
-              <a16:creationId xmlns:a16="http://schemas.microsoft.com/office/drawing/2014/main" id="{FEE6DA8C-989E-1321-2027-74FF682A7855}"/>
-            </a:ext>
-          </a:extLst>
-        </p:cNvPr>
-        <p:cNvGrpSpPr/>
-        <p:nvPr/>
-      </p:nvGrpSpPr>
-      <p:grpSpPr>
-        <a:xfrm>
-          <a:off x="0" y="0"/>
-          <a:ext cx="0" cy="0"/>
-          <a:chOff x="0" y="0"/>
-          <a:chExt cx="0" cy="0"/>
-        </a:xfrm>
-      </p:grpSpPr>
-      <p:sp>
-        <p:nvSpPr>
-          <p:cNvPr id="2" name="Title 1">
-            <a:extLst>
-              <a:ext uri="{FF2B5EF4-FFF2-40B4-BE49-F238E27FC236}">
-                <a16:creationId xmlns:a16="http://schemas.microsoft.com/office/drawing/2014/main" id="{7A28C225-7FEC-52A3-B987-473B077F1908}"/>
-              </a:ext>
-            </a:extLst>
-          </p:cNvPr>
-          <p:cNvSpPr>
-            <a:spLocks noGrp="1"/>
-          </p:cNvSpPr>
-          <p:nvPr>
-            <p:ph type="title"/>
-          </p:nvPr>
-        </p:nvSpPr>
-        <p:spPr/>
-        <p:txBody>
-          <a:bodyPr/>
-          <a:lstStyle/>
-          <a:p>
-            <a:pPr algn="ctr"/>
-            <a:r>
-              <a:rPr lang="en-US" b="1" dirty="0">
-                <a:solidFill>
-                  <a:srgbClr val="000000"/>
-                </a:solidFill>
-                <a:latin typeface="Times New Roman"/>
-                <a:cs typeface="Calibri Light"/>
-              </a:rPr>
-              <a:t>Exercise 2</a:t>
-            </a:r>
-          </a:p>
-        </p:txBody>
-      </p:sp>
-      <p:sp>
-        <p:nvSpPr>
-          <p:cNvPr id="3" name="Content Placeholder 2">
-            <a:extLst>
-              <a:ext uri="{FF2B5EF4-FFF2-40B4-BE49-F238E27FC236}">
-                <a16:creationId xmlns:a16="http://schemas.microsoft.com/office/drawing/2014/main" id="{0E673150-3883-F319-BB5A-DF12FA74F977}"/>
-              </a:ext>
-            </a:extLst>
-          </p:cNvPr>
-          <p:cNvSpPr>
-            <a:spLocks noGrp="1"/>
-          </p:cNvSpPr>
-          <p:nvPr>
-            <p:ph idx="1"/>
-          </p:nvPr>
-        </p:nvSpPr>
-        <p:spPr/>
-        <p:txBody>
-          <a:bodyPr vert="horz" lIns="68580" tIns="34290" rIns="68580" bIns="34290" rtlCol="0" anchor="t">
-            <a:normAutofit/>
-          </a:bodyPr>
-          <a:lstStyle/>
-          <a:p>
-            <a:pPr marL="0" indent="0" algn="l">
-              <a:buNone/>
-            </a:pPr>
-            <a:r>
-              <a:rPr lang="en-US" b="0" i="0" dirty="0">
-                <a:solidFill>
-                  <a:srgbClr val="1F1F1F"/>
-                </a:solidFill>
-                <a:effectLst/>
-                <a:latin typeface="Times New Roman" panose="02020603050405020304" pitchFamily="18" charset="0"/>
-                <a:cs typeface="Times New Roman" panose="02020603050405020304" pitchFamily="18" charset="0"/>
-              </a:rPr>
-              <a:t>Calculate the overall sentiment score of all the </a:t>
-            </a:r>
-            <a:r>
-              <a:rPr lang="en-US" dirty="0">
-                <a:solidFill>
-                  <a:srgbClr val="1F1F1F"/>
-                </a:solidFill>
-                <a:latin typeface="Times New Roman" panose="02020603050405020304" pitchFamily="18" charset="0"/>
-                <a:cs typeface="Times New Roman" panose="02020603050405020304" pitchFamily="18" charset="0"/>
-              </a:rPr>
-              <a:t>G</a:t>
-            </a:r>
-            <a:r>
-              <a:rPr lang="en-US" b="0" i="0" dirty="0">
-                <a:solidFill>
-                  <a:srgbClr val="1F1F1F"/>
-                </a:solidFill>
-                <a:effectLst/>
-                <a:latin typeface="Times New Roman" panose="02020603050405020304" pitchFamily="18" charset="0"/>
-                <a:cs typeface="Times New Roman" panose="02020603050405020304" pitchFamily="18" charset="0"/>
-              </a:rPr>
-              <a:t>rimm's fairytales in our folder, and save them to a csv file (one column for text titles, one for sentiment </a:t>
-            </a:r>
-            <a:r>
-              <a:rPr lang="en-US" b="0" i="0">
-                <a:solidFill>
-                  <a:srgbClr val="1F1F1F"/>
-                </a:solidFill>
-                <a:effectLst/>
-                <a:latin typeface="Times New Roman" panose="02020603050405020304" pitchFamily="18" charset="0"/>
-                <a:cs typeface="Times New Roman" panose="02020603050405020304" pitchFamily="18" charset="0"/>
-              </a:rPr>
-              <a:t>scores)</a:t>
-            </a:r>
-            <a:endParaRPr lang="en-US" b="0" i="0" dirty="0">
-              <a:solidFill>
-                <a:srgbClr val="1F1F1F"/>
-              </a:solidFill>
-              <a:effectLst/>
-              <a:latin typeface="Times New Roman" panose="02020603050405020304" pitchFamily="18" charset="0"/>
-              <a:cs typeface="Times New Roman" panose="02020603050405020304" pitchFamily="18" charset="0"/>
-            </a:endParaRPr>
-          </a:p>
-          <a:p>
-            <a:pPr marL="0" indent="0" algn="l">
-              <a:buNone/>
-            </a:pPr>
-            <a:endParaRPr lang="en-US" dirty="0">
-              <a:solidFill>
-                <a:srgbClr val="1F1F1F"/>
-              </a:solidFill>
-              <a:latin typeface="Times New Roman" panose="02020603050405020304" pitchFamily="18" charset="0"/>
-              <a:cs typeface="Times New Roman" panose="02020603050405020304" pitchFamily="18" charset="0"/>
-            </a:endParaRPr>
-          </a:p>
-          <a:p>
-            <a:pPr marL="0" indent="0" algn="l">
-              <a:buNone/>
-            </a:pPr>
-            <a:r>
-              <a:rPr lang="en-US" b="0" i="0" dirty="0">
-                <a:solidFill>
-                  <a:srgbClr val="1F1F1F"/>
-                </a:solidFill>
-                <a:effectLst/>
-                <a:latin typeface="Times New Roman" panose="02020603050405020304" pitchFamily="18" charset="0"/>
-                <a:cs typeface="Times New Roman" panose="02020603050405020304" pitchFamily="18" charset="0"/>
-              </a:rPr>
-              <a:t>Notes:</a:t>
-            </a:r>
-          </a:p>
-          <a:p>
-            <a:pPr algn="l">
-              <a:buFont typeface="+mj-lt"/>
-              <a:buAutoNum type="arabicPeriod"/>
-            </a:pPr>
-            <a:r>
-              <a:rPr lang="en-US" b="0" i="0" dirty="0">
-                <a:solidFill>
-                  <a:srgbClr val="1F1F1F"/>
-                </a:solidFill>
-                <a:effectLst/>
-                <a:latin typeface="Times New Roman" panose="02020603050405020304" pitchFamily="18" charset="0"/>
-                <a:cs typeface="Times New Roman" panose="02020603050405020304" pitchFamily="18" charset="0"/>
-              </a:rPr>
-              <a:t>You will have to use </a:t>
-            </a:r>
-            <a:r>
-              <a:rPr lang="en-US" b="0" i="0" dirty="0" err="1">
-                <a:solidFill>
-                  <a:srgbClr val="1F1F1F"/>
-                </a:solidFill>
-                <a:effectLst/>
-                <a:latin typeface="Times New Roman" panose="02020603050405020304" pitchFamily="18" charset="0"/>
-                <a:cs typeface="Times New Roman" panose="02020603050405020304" pitchFamily="18" charset="0"/>
-              </a:rPr>
-              <a:t>os</a:t>
-            </a:r>
-            <a:r>
-              <a:rPr lang="en-US" b="0" i="0" dirty="0">
-                <a:solidFill>
-                  <a:srgbClr val="1F1F1F"/>
-                </a:solidFill>
-                <a:effectLst/>
-                <a:latin typeface="Times New Roman" panose="02020603050405020304" pitchFamily="18" charset="0"/>
-                <a:cs typeface="Times New Roman" panose="02020603050405020304" pitchFamily="18" charset="0"/>
-              </a:rPr>
-              <a:t> to loop through the directory. Ask google or </a:t>
-            </a:r>
-            <a:r>
-              <a:rPr lang="en-US" b="0" i="0" dirty="0" err="1">
-                <a:solidFill>
-                  <a:srgbClr val="1F1F1F"/>
-                </a:solidFill>
-                <a:effectLst/>
-                <a:latin typeface="Times New Roman" panose="02020603050405020304" pitchFamily="18" charset="0"/>
-                <a:cs typeface="Times New Roman" panose="02020603050405020304" pitchFamily="18" charset="0"/>
-              </a:rPr>
-              <a:t>gemini</a:t>
-            </a:r>
-            <a:r>
-              <a:rPr lang="en-US" b="0" i="0" dirty="0">
-                <a:solidFill>
-                  <a:srgbClr val="1F1F1F"/>
-                </a:solidFill>
-                <a:effectLst/>
-                <a:latin typeface="Times New Roman" panose="02020603050405020304" pitchFamily="18" charset="0"/>
-                <a:cs typeface="Times New Roman" panose="02020603050405020304" pitchFamily="18" charset="0"/>
-              </a:rPr>
-              <a:t>!</a:t>
-            </a:r>
-          </a:p>
-          <a:p>
-            <a:pPr algn="l">
-              <a:buFont typeface="+mj-lt"/>
-              <a:buAutoNum type="arabicPeriod"/>
-            </a:pPr>
-            <a:r>
-              <a:rPr lang="en-US" b="0" i="0" dirty="0">
-                <a:solidFill>
-                  <a:srgbClr val="1F1F1F"/>
-                </a:solidFill>
-                <a:effectLst/>
-                <a:latin typeface="Times New Roman" panose="02020603050405020304" pitchFamily="18" charset="0"/>
-                <a:cs typeface="Times New Roman" panose="02020603050405020304" pitchFamily="18" charset="0"/>
-              </a:rPr>
-              <a:t>You will have to use pandas to create your csv file</a:t>
-            </a:r>
-          </a:p>
-          <a:p>
-            <a:pPr marL="0" indent="0">
-              <a:buNone/>
-            </a:pPr>
-            <a:endParaRPr lang="en-US" sz="2400" dirty="0">
-              <a:solidFill>
-                <a:srgbClr val="000000"/>
-              </a:solidFill>
-              <a:latin typeface="Arial"/>
-              <a:cs typeface="Times New Roman"/>
-            </a:endParaRPr>
-          </a:p>
-        </p:txBody>
-      </p:sp>
-    </p:spTree>
-    <p:extLst>
-      <p:ext uri="{BB962C8B-B14F-4D97-AF65-F5344CB8AC3E}">
-        <p14:creationId xmlns:p14="http://schemas.microsoft.com/office/powerpoint/2010/main" val="1233050541"/>
-      </p:ext>
-    </p:extLst>
-  </p:cSld>
-  <p:clrMapOvr>
-    <a:masterClrMapping/>
-  </p:clrMapOvr>
-</p:sld>
-</file>
-
-<file path=ppt/slides/slide9.xml><?xml version="1.0" encoding="utf-8"?>
-<p:sld xmlns:a="http://schemas.openxmlformats.org/drawingml/2006/main" xmlns:r="http://schemas.openxmlformats.org/officeDocument/2006/relationships" xmlns:p="http://schemas.openxmlformats.org/presentationml/2006/main">
-  <p:cSld>
-    <p:spTree>
-      <p:nvGrpSpPr>
-        <p:cNvPr id="1" name=""/>
-        <p:cNvGrpSpPr/>
-        <p:nvPr/>
-      </p:nvGrpSpPr>
-      <p:grpSpPr>
-        <a:xfrm>
-          <a:off x="0" y="0"/>
-          <a:ext cx="0" cy="0"/>
-          <a:chOff x="0" y="0"/>
-          <a:chExt cx="0" cy="0"/>
-        </a:xfrm>
-      </p:grpSpPr>
-      <p:sp>
-        <p:nvSpPr>
-          <p:cNvPr id="2" name="Content Placeholder 1">
-            <a:extLst>
-              <a:ext uri="{FF2B5EF4-FFF2-40B4-BE49-F238E27FC236}">
-                <a16:creationId xmlns:a16="http://schemas.microsoft.com/office/drawing/2014/main" id="{C3ADF13C-081E-5DEF-312E-2F5493F33D69}"/>
-              </a:ext>
-            </a:extLst>
-          </p:cNvPr>
-          <p:cNvSpPr>
-            <a:spLocks noGrp="1"/>
-          </p:cNvSpPr>
-          <p:nvPr>
-            <p:ph idx="1"/>
-          </p:nvPr>
-        </p:nvSpPr>
-        <p:spPr/>
-        <p:txBody>
-          <a:bodyPr>
-            <a:normAutofit/>
-          </a:bodyPr>
-          <a:lstStyle/>
-          <a:p>
-            <a:pPr marL="0" indent="0">
-              <a:buNone/>
-            </a:pPr>
-            <a:r>
-              <a:rPr lang="en-US" sz="1700" dirty="0">
-                <a:solidFill>
-                  <a:schemeClr val="tx1"/>
-                </a:solidFill>
-                <a:latin typeface="Consolas" panose="020B0609020204030204" pitchFamily="49" charset="0"/>
-                <a:cs typeface="Consolas" panose="020B0609020204030204" pitchFamily="49" charset="0"/>
-              </a:rPr>
-              <a:t>results = []</a:t>
-            </a:r>
-          </a:p>
-          <a:p>
-            <a:pPr marL="0" indent="0">
-              <a:buNone/>
-            </a:pPr>
-            <a:br>
-              <a:rPr lang="en-US" sz="1700" dirty="0">
-                <a:solidFill>
-                  <a:schemeClr val="tx1"/>
-                </a:solidFill>
-                <a:latin typeface="Consolas" panose="020B0609020204030204" pitchFamily="49" charset="0"/>
-                <a:cs typeface="Consolas" panose="020B0609020204030204" pitchFamily="49" charset="0"/>
-              </a:rPr>
-            </a:br>
-            <a:r>
-              <a:rPr lang="en-US" sz="1700" dirty="0">
-                <a:solidFill>
-                  <a:schemeClr val="tx1"/>
-                </a:solidFill>
-                <a:latin typeface="Consolas" panose="020B0609020204030204" pitchFamily="49" charset="0"/>
-                <a:cs typeface="Consolas" panose="020B0609020204030204" pitchFamily="49" charset="0"/>
-              </a:rPr>
-              <a:t>for file in </a:t>
-            </a:r>
-            <a:r>
-              <a:rPr lang="en-US" sz="1700" dirty="0" err="1">
-                <a:solidFill>
-                  <a:schemeClr val="tx1"/>
-                </a:solidFill>
-                <a:latin typeface="Consolas" panose="020B0609020204030204" pitchFamily="49" charset="0"/>
-                <a:cs typeface="Consolas" panose="020B0609020204030204" pitchFamily="49" charset="0"/>
-              </a:rPr>
-              <a:t>os.listdir</a:t>
-            </a:r>
-            <a:r>
-              <a:rPr lang="en-US" sz="1700" dirty="0">
-                <a:solidFill>
-                  <a:schemeClr val="tx1"/>
-                </a:solidFill>
-                <a:latin typeface="Consolas" panose="020B0609020204030204" pitchFamily="49" charset="0"/>
-                <a:cs typeface="Consolas" panose="020B0609020204030204" pitchFamily="49" charset="0"/>
-              </a:rPr>
-              <a:t>(</a:t>
-            </a:r>
-            <a:r>
-              <a:rPr lang="en-US" sz="1700" dirty="0" err="1">
-                <a:solidFill>
-                  <a:schemeClr val="tx1"/>
-                </a:solidFill>
-                <a:latin typeface="Consolas" panose="020B0609020204030204" pitchFamily="49" charset="0"/>
-                <a:cs typeface="Consolas" panose="020B0609020204030204" pitchFamily="49" charset="0"/>
-              </a:rPr>
-              <a:t>grimms_folder</a:t>
-            </a:r>
-            <a:r>
-              <a:rPr lang="en-US" sz="1700" dirty="0">
-                <a:solidFill>
-                  <a:schemeClr val="tx1"/>
-                </a:solidFill>
-                <a:latin typeface="Consolas" panose="020B0609020204030204" pitchFamily="49" charset="0"/>
-                <a:cs typeface="Consolas" panose="020B0609020204030204" pitchFamily="49" charset="0"/>
-              </a:rPr>
-              <a:t>):</a:t>
-            </a:r>
-          </a:p>
-          <a:p>
-            <a:pPr marL="0" indent="0">
-              <a:buNone/>
-            </a:pPr>
-            <a:r>
-              <a:rPr lang="en-US" sz="1700" dirty="0">
-                <a:solidFill>
-                  <a:schemeClr val="tx1"/>
-                </a:solidFill>
-                <a:latin typeface="Consolas" panose="020B0609020204030204" pitchFamily="49" charset="0"/>
-                <a:cs typeface="Consolas" panose="020B0609020204030204" pitchFamily="49" charset="0"/>
-              </a:rPr>
-              <a:t>	if </a:t>
-            </a:r>
-            <a:r>
-              <a:rPr lang="en-US" sz="1700" dirty="0" err="1">
-                <a:solidFill>
-                  <a:schemeClr val="tx1"/>
-                </a:solidFill>
-                <a:latin typeface="Consolas" panose="020B0609020204030204" pitchFamily="49" charset="0"/>
-                <a:cs typeface="Consolas" panose="020B0609020204030204" pitchFamily="49" charset="0"/>
-              </a:rPr>
-              <a:t>file.endswith</a:t>
-            </a:r>
-            <a:r>
-              <a:rPr lang="en-US" sz="1700" dirty="0">
-                <a:solidFill>
-                  <a:schemeClr val="tx1"/>
-                </a:solidFill>
-                <a:latin typeface="Consolas" panose="020B0609020204030204" pitchFamily="49" charset="0"/>
-                <a:cs typeface="Consolas" panose="020B0609020204030204" pitchFamily="49" charset="0"/>
-              </a:rPr>
-              <a:t>(".txt"):</a:t>
-            </a:r>
-          </a:p>
-          <a:p>
-            <a:pPr marL="0" indent="0">
-              <a:buNone/>
-            </a:pPr>
-            <a:r>
-              <a:rPr lang="en-US" sz="1700" dirty="0">
-                <a:solidFill>
-                  <a:schemeClr val="tx1"/>
-                </a:solidFill>
-                <a:latin typeface="Consolas" panose="020B0609020204030204" pitchFamily="49" charset="0"/>
-                <a:cs typeface="Consolas" panose="020B0609020204030204" pitchFamily="49" charset="0"/>
-              </a:rPr>
-              <a:t>		</a:t>
-            </a:r>
-            <a:r>
-              <a:rPr lang="en-US" sz="1700" dirty="0" err="1">
-                <a:solidFill>
-                  <a:schemeClr val="tx1"/>
-                </a:solidFill>
-                <a:latin typeface="Consolas" panose="020B0609020204030204" pitchFamily="49" charset="0"/>
-                <a:cs typeface="Consolas" panose="020B0609020204030204" pitchFamily="49" charset="0"/>
-              </a:rPr>
-              <a:t>file_path</a:t>
-            </a:r>
-            <a:r>
-              <a:rPr lang="en-US" sz="1700" dirty="0">
-                <a:solidFill>
-                  <a:schemeClr val="tx1"/>
-                </a:solidFill>
-                <a:latin typeface="Consolas" panose="020B0609020204030204" pitchFamily="49" charset="0"/>
-                <a:cs typeface="Consolas" panose="020B0609020204030204" pitchFamily="49" charset="0"/>
-              </a:rPr>
-              <a:t> = </a:t>
-            </a:r>
-            <a:r>
-              <a:rPr lang="en-US" sz="1700" dirty="0" err="1">
-                <a:solidFill>
-                  <a:schemeClr val="tx1"/>
-                </a:solidFill>
-                <a:latin typeface="Consolas" panose="020B0609020204030204" pitchFamily="49" charset="0"/>
-                <a:cs typeface="Consolas" panose="020B0609020204030204" pitchFamily="49" charset="0"/>
-              </a:rPr>
-              <a:t>os.path.join</a:t>
-            </a:r>
-            <a:r>
-              <a:rPr lang="en-US" sz="1700" dirty="0">
-                <a:solidFill>
-                  <a:schemeClr val="tx1"/>
-                </a:solidFill>
-                <a:latin typeface="Consolas" panose="020B0609020204030204" pitchFamily="49" charset="0"/>
-                <a:cs typeface="Consolas" panose="020B0609020204030204" pitchFamily="49" charset="0"/>
-              </a:rPr>
-              <a:t>(</a:t>
-            </a:r>
-            <a:r>
-              <a:rPr lang="en-US" sz="1700" dirty="0" err="1">
-                <a:solidFill>
-                  <a:schemeClr val="tx1"/>
-                </a:solidFill>
-                <a:latin typeface="Consolas" panose="020B0609020204030204" pitchFamily="49" charset="0"/>
-                <a:cs typeface="Consolas" panose="020B0609020204030204" pitchFamily="49" charset="0"/>
-              </a:rPr>
-              <a:t>grimms_folder</a:t>
-            </a:r>
-            <a:r>
-              <a:rPr lang="en-US" sz="1700" dirty="0">
-                <a:solidFill>
-                  <a:schemeClr val="tx1"/>
-                </a:solidFill>
-                <a:latin typeface="Consolas" panose="020B0609020204030204" pitchFamily="49" charset="0"/>
-                <a:cs typeface="Consolas" panose="020B0609020204030204" pitchFamily="49" charset="0"/>
-              </a:rPr>
-              <a:t>, file)</a:t>
-            </a:r>
-          </a:p>
-          <a:p>
-            <a:pPr marL="0" indent="0">
-              <a:buNone/>
-            </a:pPr>
-            <a:r>
-              <a:rPr lang="en-US" sz="1700" dirty="0">
-                <a:solidFill>
-                  <a:schemeClr val="tx1"/>
-                </a:solidFill>
-                <a:latin typeface="Consolas" panose="020B0609020204030204" pitchFamily="49" charset="0"/>
-                <a:cs typeface="Consolas" panose="020B0609020204030204" pitchFamily="49" charset="0"/>
-              </a:rPr>
-              <a:t>		text = open(</a:t>
-            </a:r>
-            <a:r>
-              <a:rPr lang="en-US" sz="1700" dirty="0" err="1">
-                <a:solidFill>
-                  <a:schemeClr val="tx1"/>
-                </a:solidFill>
-                <a:latin typeface="Consolas" panose="020B0609020204030204" pitchFamily="49" charset="0"/>
-                <a:cs typeface="Consolas" panose="020B0609020204030204" pitchFamily="49" charset="0"/>
-              </a:rPr>
-              <a:t>file_path</a:t>
-            </a:r>
-            <a:r>
-              <a:rPr lang="en-US" sz="1700" dirty="0">
-                <a:solidFill>
-                  <a:schemeClr val="tx1"/>
-                </a:solidFill>
-                <a:latin typeface="Consolas" panose="020B0609020204030204" pitchFamily="49" charset="0"/>
-                <a:cs typeface="Consolas" panose="020B0609020204030204" pitchFamily="49" charset="0"/>
-              </a:rPr>
-              <a:t>, encoding="utf-8").read()</a:t>
-            </a:r>
-          </a:p>
-          <a:p>
-            <a:pPr marL="0" indent="0">
-              <a:buNone/>
-            </a:pPr>
-            <a:r>
-              <a:rPr lang="en-US" sz="1700" dirty="0">
-                <a:solidFill>
-                  <a:schemeClr val="tx1"/>
-                </a:solidFill>
-                <a:latin typeface="Consolas" panose="020B0609020204030204" pitchFamily="49" charset="0"/>
-                <a:cs typeface="Consolas" panose="020B0609020204030204" pitchFamily="49" charset="0"/>
-              </a:rPr>
-              <a:t>		</a:t>
-            </a:r>
-            <a:r>
-              <a:rPr lang="en-US" sz="1700" dirty="0" err="1">
-                <a:solidFill>
-                  <a:schemeClr val="tx1"/>
-                </a:solidFill>
-                <a:latin typeface="Consolas" panose="020B0609020204030204" pitchFamily="49" charset="0"/>
-                <a:cs typeface="Consolas" panose="020B0609020204030204" pitchFamily="49" charset="0"/>
-              </a:rPr>
-              <a:t>sentiment_scores</a:t>
-            </a:r>
-            <a:r>
-              <a:rPr lang="en-US" sz="1700" dirty="0">
-                <a:solidFill>
-                  <a:schemeClr val="tx1"/>
-                </a:solidFill>
-                <a:latin typeface="Consolas" panose="020B0609020204030204" pitchFamily="49" charset="0"/>
-                <a:cs typeface="Consolas" panose="020B0609020204030204" pitchFamily="49" charset="0"/>
-              </a:rPr>
-              <a:t> = </a:t>
-            </a:r>
-            <a:r>
-              <a:rPr lang="en-US" sz="1700" dirty="0" err="1">
-                <a:solidFill>
-                  <a:schemeClr val="tx1"/>
-                </a:solidFill>
-                <a:latin typeface="Consolas" panose="020B0609020204030204" pitchFamily="49" charset="0"/>
-                <a:cs typeface="Consolas" panose="020B0609020204030204" pitchFamily="49" charset="0"/>
-              </a:rPr>
-              <a:t>sentiment_analyzer.polarity_scores</a:t>
-            </a:r>
-            <a:r>
-              <a:rPr lang="en-US" sz="1700" dirty="0">
-                <a:solidFill>
-                  <a:schemeClr val="tx1"/>
-                </a:solidFill>
-                <a:latin typeface="Consolas" panose="020B0609020204030204" pitchFamily="49" charset="0"/>
-                <a:cs typeface="Consolas" panose="020B0609020204030204" pitchFamily="49" charset="0"/>
-              </a:rPr>
-              <a:t>(text)</a:t>
-            </a:r>
-          </a:p>
-          <a:p>
-            <a:pPr marL="0" indent="0">
-              <a:buNone/>
-            </a:pPr>
-            <a:r>
-              <a:rPr lang="en-US" sz="1700" dirty="0">
-                <a:solidFill>
-                  <a:schemeClr val="tx1"/>
-                </a:solidFill>
-                <a:latin typeface="Consolas" panose="020B0609020204030204" pitchFamily="49" charset="0"/>
-                <a:cs typeface="Consolas" panose="020B0609020204030204" pitchFamily="49" charset="0"/>
-              </a:rPr>
-              <a:t>		</a:t>
-            </a:r>
-            <a:r>
-              <a:rPr lang="en-US" sz="1700" dirty="0" err="1">
-                <a:solidFill>
-                  <a:schemeClr val="tx1"/>
-                </a:solidFill>
-                <a:latin typeface="Consolas" panose="020B0609020204030204" pitchFamily="49" charset="0"/>
-                <a:cs typeface="Consolas" panose="020B0609020204030204" pitchFamily="49" charset="0"/>
-              </a:rPr>
-              <a:t>compound_score</a:t>
-            </a:r>
-            <a:r>
-              <a:rPr lang="en-US" sz="1700" dirty="0">
-                <a:solidFill>
-                  <a:schemeClr val="tx1"/>
-                </a:solidFill>
-                <a:latin typeface="Consolas" panose="020B0609020204030204" pitchFamily="49" charset="0"/>
-                <a:cs typeface="Consolas" panose="020B0609020204030204" pitchFamily="49" charset="0"/>
-              </a:rPr>
-              <a:t> = </a:t>
-            </a:r>
-            <a:r>
-              <a:rPr lang="en-US" sz="1700" dirty="0" err="1">
-                <a:solidFill>
-                  <a:schemeClr val="tx1"/>
-                </a:solidFill>
-                <a:latin typeface="Consolas" panose="020B0609020204030204" pitchFamily="49" charset="0"/>
-                <a:cs typeface="Consolas" panose="020B0609020204030204" pitchFamily="49" charset="0"/>
-              </a:rPr>
-              <a:t>sentiment_scores</a:t>
-            </a:r>
-            <a:r>
-              <a:rPr lang="en-US" sz="1700" dirty="0">
-                <a:solidFill>
-                  <a:schemeClr val="tx1"/>
-                </a:solidFill>
-                <a:latin typeface="Consolas" panose="020B0609020204030204" pitchFamily="49" charset="0"/>
-                <a:cs typeface="Consolas" panose="020B0609020204030204" pitchFamily="49" charset="0"/>
-              </a:rPr>
-              <a:t>["compound"]</a:t>
-            </a:r>
-          </a:p>
-          <a:p>
-            <a:pPr marL="0" indent="0">
-              <a:buNone/>
-            </a:pPr>
-            <a:r>
-              <a:rPr lang="en-US" sz="1700" dirty="0">
-                <a:solidFill>
-                  <a:schemeClr val="tx1"/>
-                </a:solidFill>
-                <a:latin typeface="Consolas" panose="020B0609020204030204" pitchFamily="49" charset="0"/>
-                <a:cs typeface="Consolas" panose="020B0609020204030204" pitchFamily="49" charset="0"/>
-              </a:rPr>
-              <a:t>		</a:t>
-            </a:r>
-            <a:r>
-              <a:rPr lang="en-US" sz="1700" dirty="0" err="1">
-                <a:solidFill>
-                  <a:schemeClr val="tx1"/>
-                </a:solidFill>
-                <a:latin typeface="Consolas" panose="020B0609020204030204" pitchFamily="49" charset="0"/>
-                <a:cs typeface="Consolas" panose="020B0609020204030204" pitchFamily="49" charset="0"/>
-              </a:rPr>
-              <a:t>results.append</a:t>
-            </a:r>
-            <a:r>
-              <a:rPr lang="en-US" sz="1700" dirty="0">
-                <a:solidFill>
-                  <a:schemeClr val="tx1"/>
-                </a:solidFill>
-                <a:latin typeface="Consolas" panose="020B0609020204030204" pitchFamily="49" charset="0"/>
-                <a:cs typeface="Consolas" panose="020B0609020204030204" pitchFamily="49" charset="0"/>
-              </a:rPr>
-              <a:t>({"file": file, "sentiment": </a:t>
-            </a:r>
-            <a:r>
-              <a:rPr lang="en-US" sz="1700" dirty="0" err="1">
-                <a:solidFill>
-                  <a:schemeClr val="tx1"/>
-                </a:solidFill>
-                <a:latin typeface="Consolas" panose="020B0609020204030204" pitchFamily="49" charset="0"/>
-                <a:cs typeface="Consolas" panose="020B0609020204030204" pitchFamily="49" charset="0"/>
-              </a:rPr>
-              <a:t>compound_score</a:t>
-            </a:r>
-            <a:r>
-              <a:rPr lang="en-US" sz="1700" dirty="0">
-                <a:solidFill>
-                  <a:schemeClr val="tx1"/>
-                </a:solidFill>
-                <a:latin typeface="Consolas" panose="020B0609020204030204" pitchFamily="49" charset="0"/>
-                <a:cs typeface="Consolas" panose="020B0609020204030204" pitchFamily="49" charset="0"/>
-              </a:rPr>
-              <a:t>})</a:t>
-            </a:r>
-          </a:p>
-          <a:p>
-            <a:pPr marL="0" indent="0">
-              <a:buNone/>
-            </a:pPr>
-            <a:br>
-              <a:rPr lang="en-US" sz="1700" dirty="0">
-                <a:solidFill>
-                  <a:schemeClr val="tx1"/>
-                </a:solidFill>
-                <a:latin typeface="Consolas" panose="020B0609020204030204" pitchFamily="49" charset="0"/>
-                <a:cs typeface="Consolas" panose="020B0609020204030204" pitchFamily="49" charset="0"/>
-              </a:rPr>
-            </a:br>
-            <a:r>
-              <a:rPr lang="en-US" sz="1700" dirty="0" err="1">
-                <a:solidFill>
-                  <a:schemeClr val="tx1"/>
-                </a:solidFill>
-                <a:latin typeface="Consolas" panose="020B0609020204030204" pitchFamily="49" charset="0"/>
-                <a:cs typeface="Consolas" panose="020B0609020204030204" pitchFamily="49" charset="0"/>
-              </a:rPr>
-              <a:t>df_results</a:t>
-            </a:r>
-            <a:r>
-              <a:rPr lang="en-US" sz="1700" dirty="0">
-                <a:solidFill>
-                  <a:schemeClr val="tx1"/>
-                </a:solidFill>
-                <a:latin typeface="Consolas" panose="020B0609020204030204" pitchFamily="49" charset="0"/>
-                <a:cs typeface="Consolas" panose="020B0609020204030204" pitchFamily="49" charset="0"/>
-              </a:rPr>
-              <a:t> = </a:t>
-            </a:r>
-            <a:r>
-              <a:rPr lang="en-US" sz="1700" dirty="0" err="1">
-                <a:solidFill>
-                  <a:schemeClr val="tx1"/>
-                </a:solidFill>
-                <a:latin typeface="Consolas" panose="020B0609020204030204" pitchFamily="49" charset="0"/>
-                <a:cs typeface="Consolas" panose="020B0609020204030204" pitchFamily="49" charset="0"/>
-              </a:rPr>
-              <a:t>pd.DataFrame</a:t>
-            </a:r>
-            <a:r>
-              <a:rPr lang="en-US" sz="1700" dirty="0">
-                <a:solidFill>
-                  <a:schemeClr val="tx1"/>
-                </a:solidFill>
-                <a:latin typeface="Consolas" panose="020B0609020204030204" pitchFamily="49" charset="0"/>
-                <a:cs typeface="Consolas" panose="020B0609020204030204" pitchFamily="49" charset="0"/>
-              </a:rPr>
-              <a:t>(results)</a:t>
-            </a:r>
-          </a:p>
-          <a:p>
-            <a:pPr marL="0" indent="0">
-              <a:buNone/>
-            </a:pPr>
-            <a:br>
-              <a:rPr lang="en-US" sz="1700" dirty="0">
-                <a:solidFill>
-                  <a:schemeClr val="tx1"/>
-                </a:solidFill>
-                <a:latin typeface="Consolas" panose="020B0609020204030204" pitchFamily="49" charset="0"/>
-                <a:cs typeface="Consolas" panose="020B0609020204030204" pitchFamily="49" charset="0"/>
-              </a:rPr>
-            </a:br>
-            <a:r>
-              <a:rPr lang="en-US" sz="1700" dirty="0" err="1">
-                <a:solidFill>
-                  <a:schemeClr val="tx1"/>
-                </a:solidFill>
-                <a:latin typeface="Consolas" panose="020B0609020204030204" pitchFamily="49" charset="0"/>
-                <a:cs typeface="Consolas" panose="020B0609020204030204" pitchFamily="49" charset="0"/>
-              </a:rPr>
-              <a:t>df_results.sort_values</a:t>
-            </a:r>
-            <a:r>
-              <a:rPr lang="en-US" sz="1700" dirty="0">
-                <a:solidFill>
-                  <a:schemeClr val="tx1"/>
-                </a:solidFill>
-                <a:latin typeface="Consolas" panose="020B0609020204030204" pitchFamily="49" charset="0"/>
-                <a:cs typeface="Consolas" panose="020B0609020204030204" pitchFamily="49" charset="0"/>
-              </a:rPr>
-              <a:t>("sentiment", ascending=False)</a:t>
-            </a:r>
-          </a:p>
-          <a:p>
-            <a:pPr marL="0" indent="0">
-              <a:buNone/>
-            </a:pPr>
-            <a:endParaRPr lang="en-US" dirty="0">
-              <a:solidFill>
-                <a:schemeClr val="tx1"/>
-              </a:solidFill>
-              <a:latin typeface="Consolas" panose="020B0609020204030204" pitchFamily="49" charset="0"/>
-              <a:cs typeface="Consolas" panose="020B0609020204030204" pitchFamily="49" charset="0"/>
-            </a:endParaRPr>
-          </a:p>
-        </p:txBody>
-      </p:sp>
-      <p:sp>
-        <p:nvSpPr>
-          <p:cNvPr id="3" name="Title 2">
-            <a:extLst>
-              <a:ext uri="{FF2B5EF4-FFF2-40B4-BE49-F238E27FC236}">
-                <a16:creationId xmlns:a16="http://schemas.microsoft.com/office/drawing/2014/main" id="{BB73002C-5BE4-7EAD-A836-ACEB91CF363F}"/>
-              </a:ext>
-            </a:extLst>
-          </p:cNvPr>
-          <p:cNvSpPr>
-            <a:spLocks noGrp="1"/>
-          </p:cNvSpPr>
-          <p:nvPr>
-            <p:ph type="title"/>
-          </p:nvPr>
-        </p:nvSpPr>
-        <p:spPr/>
-        <p:txBody>
-          <a:bodyPr/>
-          <a:lstStyle/>
-          <a:p>
-            <a:pPr algn="ctr"/>
-            <a:r>
-              <a:rPr lang="en-US" b="1" dirty="0">
-                <a:solidFill>
-                  <a:schemeClr val="tx1"/>
-                </a:solidFill>
-              </a:rPr>
-              <a:t>Solution</a:t>
-            </a:r>
-          </a:p>
-        </p:txBody>
-      </p:sp>
-    </p:spTree>
-    <p:extLst>
-      <p:ext uri="{BB962C8B-B14F-4D97-AF65-F5344CB8AC3E}">
-        <p14:creationId xmlns:p14="http://schemas.microsoft.com/office/powerpoint/2010/main" val="1830920682"/>
-      </p:ext>
-    </p:extLst>
-  </p:cSld>
-  <p:clrMapOvr>
-    <a:masterClrMapping/>
-  </p:clrMapOvr>
-  <mc:AlternateContent xmlns:mc="http://schemas.openxmlformats.org/markup-compatibility/2006" xmlns:p14="http://schemas.microsoft.com/office/powerpoint/2010/main">
-    <mc:Choice Requires="p14">
-      <p:transition spd="med" p14:dur="700">
-        <p:fade/>
-      </p:transition>
-    </mc:Choice>
-    <mc:Fallback xmlns="">
-      <p:transition spd="med">
-        <p:fade/>
-      </p:transition>
-    </mc:Fallback>
-  </mc:AlternateContent>
 </p:sld>
 </file>
 
